--- a/alternativeDYyield.pptx
+++ b/alternativeDYyield.pptx
@@ -5,7 +5,7 @@
     <p:sldMasterId id="2147483648" r:id="rId1"/>
   </p:sldMasterIdLst>
   <p:notesMasterIdLst>
-    <p:notesMasterId r:id="rId9"/>
+    <p:notesMasterId r:id="rId13"/>
   </p:notesMasterIdLst>
   <p:sldIdLst>
     <p:sldId id="256" r:id="rId2"/>
@@ -14,7 +14,11 @@
     <p:sldId id="259" r:id="rId5"/>
     <p:sldId id="261" r:id="rId6"/>
     <p:sldId id="262" r:id="rId7"/>
-    <p:sldId id="258" r:id="rId8"/>
+    <p:sldId id="263" r:id="rId8"/>
+    <p:sldId id="989" r:id="rId9"/>
+    <p:sldId id="990" r:id="rId10"/>
+    <p:sldId id="991" r:id="rId11"/>
+    <p:sldId id="258" r:id="rId12"/>
   </p:sldIdLst>
   <p:sldSz cx="12192000" cy="6858000"/>
   <p:notesSz cx="6858000" cy="9144000"/>
@@ -468,6 +472,514 @@
     </a:lvl9pPr>
   </p:notesStyle>
 </p:notesMaster>
+</file>
+
+<file path=ppt/notesSlides/notesSlide1.xml><?xml version="1.0" encoding="utf-8"?>
+<p:notes xmlns:a="http://schemas.openxmlformats.org/drawingml/2006/main" xmlns:r="http://schemas.openxmlformats.org/officeDocument/2006/relationships" xmlns:p="http://schemas.openxmlformats.org/presentationml/2006/main">
+  <p:cSld>
+    <p:spTree>
+      <p:nvGrpSpPr>
+        <p:cNvPr id="1" name="">
+          <a:extLst>
+            <a:ext uri="{FF2B5EF4-FFF2-40B4-BE49-F238E27FC236}">
+              <a16:creationId xmlns:a16="http://schemas.microsoft.com/office/drawing/2014/main" id="{D4C9D67C-CB84-7FCB-3663-5EBECFBC8C3E}"/>
+            </a:ext>
+          </a:extLst>
+        </p:cNvPr>
+        <p:cNvGrpSpPr/>
+        <p:nvPr/>
+      </p:nvGrpSpPr>
+      <p:grpSpPr>
+        <a:xfrm>
+          <a:off x="0" y="0"/>
+          <a:ext cx="0" cy="0"/>
+          <a:chOff x="0" y="0"/>
+          <a:chExt cx="0" cy="0"/>
+        </a:xfrm>
+      </p:grpSpPr>
+      <p:sp>
+        <p:nvSpPr>
+          <p:cNvPr id="2" name="Slide Image Placeholder 1">
+            <a:extLst>
+              <a:ext uri="{FF2B5EF4-FFF2-40B4-BE49-F238E27FC236}">
+                <a16:creationId xmlns:a16="http://schemas.microsoft.com/office/drawing/2014/main" id="{BECCC9E9-2178-6ECB-D8CA-4CE00C3E272D}"/>
+              </a:ext>
+            </a:extLst>
+          </p:cNvPr>
+          <p:cNvSpPr>
+            <a:spLocks noGrp="1" noRot="1" noChangeAspect="1"/>
+          </p:cNvSpPr>
+          <p:nvPr>
+            <p:ph type="sldImg"/>
+          </p:nvPr>
+        </p:nvSpPr>
+        <p:spPr>
+          <a:xfrm>
+            <a:off x="685800" y="1143000"/>
+            <a:ext cx="5486400" cy="3086100"/>
+          </a:xfrm>
+        </p:spPr>
+      </p:sp>
+      <p:sp>
+        <p:nvSpPr>
+          <p:cNvPr id="3" name="Notes Placeholder 2">
+            <a:extLst>
+              <a:ext uri="{FF2B5EF4-FFF2-40B4-BE49-F238E27FC236}">
+                <a16:creationId xmlns:a16="http://schemas.microsoft.com/office/drawing/2014/main" id="{BBA0B32B-E0C1-1DD6-F05C-368AA32D5EAE}"/>
+              </a:ext>
+            </a:extLst>
+          </p:cNvPr>
+          <p:cNvSpPr>
+            <a:spLocks noGrp="1"/>
+          </p:cNvSpPr>
+          <p:nvPr>
+            <p:ph type="body" idx="1"/>
+          </p:nvPr>
+        </p:nvSpPr>
+        <p:spPr/>
+        <p:txBody>
+          <a:bodyPr/>
+          <a:lstStyle/>
+          <a:p>
+            <a:pPr marL="228600" indent="-228600">
+              <a:buAutoNum type="arabicPeriod"/>
+            </a:pPr>
+            <a:r>
+              <a:rPr lang="en-US" dirty="0"/>
+              <a:t>Then I wrote my own version of </a:t>
+            </a:r>
+            <a:r>
+              <a:rPr lang="en-US" dirty="0" err="1"/>
+              <a:t>massFitter</a:t>
+            </a:r>
+            <a:r>
+              <a:rPr lang="en-US" dirty="0"/>
+              <a:t> and as you can see the scaling factors I reproduced are in a good agreement with Hugo's fit. Now there is a decent data total fit agreement at lower mass region.</a:t>
+            </a:r>
+          </a:p>
+          <a:p>
+            <a:pPr marL="228600" indent="-228600">
+              <a:buAutoNum type="arabicPeriod"/>
+            </a:pPr>
+            <a:r>
+              <a:rPr lang="en-US" dirty="0"/>
+              <a:t>During yesterday's meeting I already had a meeting with Steve and he further explained that:</a:t>
+            </a:r>
+          </a:p>
+          <a:p>
+            <a:pPr marL="228600" indent="-228600">
+              <a:buAutoNum type="arabicPeriod"/>
+            </a:pPr>
+            <a:r>
+              <a:rPr lang="en-US" dirty="0"/>
+              <a:t>If I use identical inputs to Hugo, I should get the very similar chi^2/</a:t>
+            </a:r>
+            <a:r>
+              <a:rPr lang="en-US" dirty="0" err="1"/>
+              <a:t>ndf</a:t>
+            </a:r>
+            <a:r>
+              <a:rPr lang="en-US" dirty="0"/>
+              <a:t>. Perhaps we are not in the same minimum</a:t>
+            </a:r>
+          </a:p>
+          <a:p>
+            <a:pPr marL="228600" indent="-228600">
+              <a:buAutoNum type="arabicPeriod"/>
+            </a:pPr>
+            <a:r>
+              <a:rPr lang="en-US" dirty="0"/>
+              <a:t>Also, the mix spectra look different at the high mass region.</a:t>
+            </a:r>
+          </a:p>
+        </p:txBody>
+      </p:sp>
+      <p:sp>
+        <p:nvSpPr>
+          <p:cNvPr id="4" name="Slide Number Placeholder 3">
+            <a:extLst>
+              <a:ext uri="{FF2B5EF4-FFF2-40B4-BE49-F238E27FC236}">
+                <a16:creationId xmlns:a16="http://schemas.microsoft.com/office/drawing/2014/main" id="{6E13EC2C-B55E-1BAF-F616-41E74DA0918B}"/>
+              </a:ext>
+            </a:extLst>
+          </p:cNvPr>
+          <p:cNvSpPr>
+            <a:spLocks noGrp="1"/>
+          </p:cNvSpPr>
+          <p:nvPr>
+            <p:ph type="sldNum" sz="quarter" idx="10"/>
+          </p:nvPr>
+        </p:nvSpPr>
+        <p:spPr/>
+        <p:txBody>
+          <a:bodyPr/>
+          <a:lstStyle/>
+          <a:p>
+            <a:fld id="{A5A52E7F-14FA-1A49-8B8A-ECE5124983C9}" type="slidenum">
+              <a:rPr lang="en-US" smtClean="0"/>
+              <a:t>8</a:t>
+            </a:fld>
+            <a:endParaRPr lang="en-US"/>
+          </a:p>
+        </p:txBody>
+      </p:sp>
+    </p:spTree>
+    <p:extLst>
+      <p:ext uri="{BB962C8B-B14F-4D97-AF65-F5344CB8AC3E}">
+        <p14:creationId xmlns:p14="http://schemas.microsoft.com/office/powerpoint/2010/main" val="2908460165"/>
+      </p:ext>
+    </p:extLst>
+  </p:cSld>
+  <p:clrMapOvr>
+    <a:masterClrMapping/>
+  </p:clrMapOvr>
+</p:notes>
+</file>
+
+<file path=ppt/notesSlides/notesSlide2.xml><?xml version="1.0" encoding="utf-8"?>
+<p:notes xmlns:a="http://schemas.openxmlformats.org/drawingml/2006/main" xmlns:r="http://schemas.openxmlformats.org/officeDocument/2006/relationships" xmlns:p="http://schemas.openxmlformats.org/presentationml/2006/main">
+  <p:cSld>
+    <p:spTree>
+      <p:nvGrpSpPr>
+        <p:cNvPr id="1" name="">
+          <a:extLst>
+            <a:ext uri="{FF2B5EF4-FFF2-40B4-BE49-F238E27FC236}">
+              <a16:creationId xmlns:a16="http://schemas.microsoft.com/office/drawing/2014/main" id="{A2B50EA1-6472-7F22-9998-65F5AC0C2C65}"/>
+            </a:ext>
+          </a:extLst>
+        </p:cNvPr>
+        <p:cNvGrpSpPr/>
+        <p:nvPr/>
+      </p:nvGrpSpPr>
+      <p:grpSpPr>
+        <a:xfrm>
+          <a:off x="0" y="0"/>
+          <a:ext cx="0" cy="0"/>
+          <a:chOff x="0" y="0"/>
+          <a:chExt cx="0" cy="0"/>
+        </a:xfrm>
+      </p:grpSpPr>
+      <p:sp>
+        <p:nvSpPr>
+          <p:cNvPr id="2" name="Slide Image Placeholder 1">
+            <a:extLst>
+              <a:ext uri="{FF2B5EF4-FFF2-40B4-BE49-F238E27FC236}">
+                <a16:creationId xmlns:a16="http://schemas.microsoft.com/office/drawing/2014/main" id="{0C8AD575-59C8-D0D6-7E36-186C41909AFD}"/>
+              </a:ext>
+            </a:extLst>
+          </p:cNvPr>
+          <p:cNvSpPr>
+            <a:spLocks noGrp="1" noRot="1" noChangeAspect="1"/>
+          </p:cNvSpPr>
+          <p:nvPr>
+            <p:ph type="sldImg"/>
+          </p:nvPr>
+        </p:nvSpPr>
+        <p:spPr>
+          <a:xfrm>
+            <a:off x="685800" y="1143000"/>
+            <a:ext cx="5486400" cy="3086100"/>
+          </a:xfrm>
+        </p:spPr>
+      </p:sp>
+      <p:sp>
+        <p:nvSpPr>
+          <p:cNvPr id="3" name="Notes Placeholder 2">
+            <a:extLst>
+              <a:ext uri="{FF2B5EF4-FFF2-40B4-BE49-F238E27FC236}">
+                <a16:creationId xmlns:a16="http://schemas.microsoft.com/office/drawing/2014/main" id="{2DE6D0F5-8E88-C99D-0D70-50450C8A2FAA}"/>
+              </a:ext>
+            </a:extLst>
+          </p:cNvPr>
+          <p:cNvSpPr>
+            <a:spLocks noGrp="1"/>
+          </p:cNvSpPr>
+          <p:nvPr>
+            <p:ph type="body" idx="1"/>
+          </p:nvPr>
+        </p:nvSpPr>
+        <p:spPr/>
+        <p:txBody>
+          <a:bodyPr/>
+          <a:lstStyle/>
+          <a:p>
+            <a:pPr marL="228600" indent="-228600">
+              <a:buAutoNum type="arabicPeriod"/>
+            </a:pPr>
+            <a:r>
+              <a:rPr lang="en-US" dirty="0"/>
+              <a:t>So, when it comes to the upcoming DNP meeting I am planning to present the absolute cross-section measurements for both LH2 and LD2 targets with different </a:t>
+            </a:r>
+            <a:r>
+              <a:rPr lang="en-US" dirty="0" err="1"/>
+              <a:t>x_F</a:t>
+            </a:r>
+            <a:r>
+              <a:rPr lang="en-US" dirty="0"/>
+              <a:t> bins.</a:t>
+            </a:r>
+          </a:p>
+          <a:p>
+            <a:pPr marL="228600" indent="-228600">
+              <a:buAutoNum type="arabicPeriod"/>
+            </a:pPr>
+            <a:endParaRPr lang="en-US" dirty="0"/>
+          </a:p>
+          <a:p>
+            <a:pPr marL="228600" indent="-228600">
+              <a:buAutoNum type="arabicPeriod"/>
+            </a:pPr>
+            <a:r>
+              <a:rPr lang="en-US" dirty="0"/>
+              <a:t>Speaking of the timeline, we have 88 days and based on the </a:t>
+            </a:r>
+            <a:r>
+              <a:rPr lang="en-US" dirty="0" err="1"/>
+              <a:t>disscussion</a:t>
+            </a:r>
+            <a:r>
+              <a:rPr lang="en-US" dirty="0"/>
+              <a:t> with Kenichi I was advised to prepare a technote that clearly </a:t>
+            </a:r>
+            <a:r>
+              <a:rPr lang="en-US" dirty="0" err="1"/>
+              <a:t>discribes</a:t>
+            </a:r>
+            <a:r>
+              <a:rPr lang="en-US" dirty="0"/>
+              <a:t> the analysis procedure used to calculate the cross-section and that requires to circulate prior to 28 days and I will release the presentation including all the plots prior to 14 days of the conference.</a:t>
+            </a:r>
+          </a:p>
+          <a:p>
+            <a:pPr marL="228600" indent="-228600">
+              <a:buAutoNum type="arabicPeriod"/>
+            </a:pPr>
+            <a:endParaRPr lang="en-US" dirty="0"/>
+          </a:p>
+          <a:p>
+            <a:pPr marL="228600" indent="-228600">
+              <a:buAutoNum type="arabicPeriod"/>
+            </a:pPr>
+            <a:r>
+              <a:rPr lang="en-US" dirty="0"/>
+              <a:t>After that I will address the comments received from the collaboration.</a:t>
+            </a:r>
+          </a:p>
+        </p:txBody>
+      </p:sp>
+      <p:sp>
+        <p:nvSpPr>
+          <p:cNvPr id="4" name="Slide Number Placeholder 3">
+            <a:extLst>
+              <a:ext uri="{FF2B5EF4-FFF2-40B4-BE49-F238E27FC236}">
+                <a16:creationId xmlns:a16="http://schemas.microsoft.com/office/drawing/2014/main" id="{CD557B6E-3096-A170-5A38-7BA7941C5D83}"/>
+              </a:ext>
+            </a:extLst>
+          </p:cNvPr>
+          <p:cNvSpPr>
+            <a:spLocks noGrp="1"/>
+          </p:cNvSpPr>
+          <p:nvPr>
+            <p:ph type="sldNum" sz="quarter" idx="10"/>
+          </p:nvPr>
+        </p:nvSpPr>
+        <p:spPr/>
+        <p:txBody>
+          <a:bodyPr/>
+          <a:lstStyle/>
+          <a:p>
+            <a:fld id="{A5A52E7F-14FA-1A49-8B8A-ECE5124983C9}" type="slidenum">
+              <a:rPr lang="en-US" smtClean="0"/>
+              <a:t>9</a:t>
+            </a:fld>
+            <a:endParaRPr lang="en-US"/>
+          </a:p>
+        </p:txBody>
+      </p:sp>
+    </p:spTree>
+    <p:extLst>
+      <p:ext uri="{BB962C8B-B14F-4D97-AF65-F5344CB8AC3E}">
+        <p14:creationId xmlns:p14="http://schemas.microsoft.com/office/powerpoint/2010/main" val="3281978664"/>
+      </p:ext>
+    </p:extLst>
+  </p:cSld>
+  <p:clrMapOvr>
+    <a:masterClrMapping/>
+  </p:clrMapOvr>
+</p:notes>
+</file>
+
+<file path=ppt/notesSlides/notesSlide3.xml><?xml version="1.0" encoding="utf-8"?>
+<p:notes xmlns:a="http://schemas.openxmlformats.org/drawingml/2006/main" xmlns:r="http://schemas.openxmlformats.org/officeDocument/2006/relationships" xmlns:p="http://schemas.openxmlformats.org/presentationml/2006/main">
+  <p:cSld>
+    <p:spTree>
+      <p:nvGrpSpPr>
+        <p:cNvPr id="1" name="">
+          <a:extLst>
+            <a:ext uri="{FF2B5EF4-FFF2-40B4-BE49-F238E27FC236}">
+              <a16:creationId xmlns:a16="http://schemas.microsoft.com/office/drawing/2014/main" id="{1BE454D2-3731-1DFC-D289-535BE6F54260}"/>
+            </a:ext>
+          </a:extLst>
+        </p:cNvPr>
+        <p:cNvGrpSpPr/>
+        <p:nvPr/>
+      </p:nvGrpSpPr>
+      <p:grpSpPr>
+        <a:xfrm>
+          <a:off x="0" y="0"/>
+          <a:ext cx="0" cy="0"/>
+          <a:chOff x="0" y="0"/>
+          <a:chExt cx="0" cy="0"/>
+        </a:xfrm>
+      </p:grpSpPr>
+      <p:sp>
+        <p:nvSpPr>
+          <p:cNvPr id="2" name="Slide Image Placeholder 1">
+            <a:extLst>
+              <a:ext uri="{FF2B5EF4-FFF2-40B4-BE49-F238E27FC236}">
+                <a16:creationId xmlns:a16="http://schemas.microsoft.com/office/drawing/2014/main" id="{EF7CA1A6-7D43-1282-E014-B714341D38DF}"/>
+              </a:ext>
+            </a:extLst>
+          </p:cNvPr>
+          <p:cNvSpPr>
+            <a:spLocks noGrp="1" noRot="1" noChangeAspect="1"/>
+          </p:cNvSpPr>
+          <p:nvPr>
+            <p:ph type="sldImg"/>
+          </p:nvPr>
+        </p:nvSpPr>
+        <p:spPr>
+          <a:xfrm>
+            <a:off x="685800" y="1143000"/>
+            <a:ext cx="5486400" cy="3086100"/>
+          </a:xfrm>
+        </p:spPr>
+      </p:sp>
+      <p:sp>
+        <p:nvSpPr>
+          <p:cNvPr id="3" name="Notes Placeholder 2">
+            <a:extLst>
+              <a:ext uri="{FF2B5EF4-FFF2-40B4-BE49-F238E27FC236}">
+                <a16:creationId xmlns:a16="http://schemas.microsoft.com/office/drawing/2014/main" id="{43EF5341-A506-50C3-107A-DE2895883487}"/>
+              </a:ext>
+            </a:extLst>
+          </p:cNvPr>
+          <p:cNvSpPr>
+            <a:spLocks noGrp="1"/>
+          </p:cNvSpPr>
+          <p:nvPr>
+            <p:ph type="body" idx="1"/>
+          </p:nvPr>
+        </p:nvSpPr>
+        <p:spPr/>
+        <p:txBody>
+          <a:bodyPr/>
+          <a:lstStyle/>
+          <a:p>
+            <a:pPr marL="228600" indent="-228600">
+              <a:buAutoNum type="arabicPeriod"/>
+            </a:pPr>
+            <a:r>
+              <a:rPr lang="en-US" dirty="0"/>
+              <a:t>So, when it comes to the upcoming DNP meeting I am planning to present the absolute cross-section measurements for both LH2 and LD2 targets with different </a:t>
+            </a:r>
+            <a:r>
+              <a:rPr lang="en-US" dirty="0" err="1"/>
+              <a:t>x_F</a:t>
+            </a:r>
+            <a:r>
+              <a:rPr lang="en-US" dirty="0"/>
+              <a:t> bins.</a:t>
+            </a:r>
+          </a:p>
+          <a:p>
+            <a:pPr marL="228600" indent="-228600">
+              <a:buAutoNum type="arabicPeriod"/>
+            </a:pPr>
+            <a:endParaRPr lang="en-US" dirty="0"/>
+          </a:p>
+          <a:p>
+            <a:pPr marL="228600" indent="-228600">
+              <a:buAutoNum type="arabicPeriod"/>
+            </a:pPr>
+            <a:r>
+              <a:rPr lang="en-US" dirty="0"/>
+              <a:t>Speaking of the timeline, we have 88 days and based on the </a:t>
+            </a:r>
+            <a:r>
+              <a:rPr lang="en-US" dirty="0" err="1"/>
+              <a:t>disscussion</a:t>
+            </a:r>
+            <a:r>
+              <a:rPr lang="en-US" dirty="0"/>
+              <a:t> with Kenichi I was advised to prepare a technote that clearly </a:t>
+            </a:r>
+            <a:r>
+              <a:rPr lang="en-US" dirty="0" err="1"/>
+              <a:t>discribes</a:t>
+            </a:r>
+            <a:r>
+              <a:rPr lang="en-US" dirty="0"/>
+              <a:t> the analysis procedure used to calculate the cross-section and that requires to circulate prior to 28 days and I will release the presentation including all the plots prior to 14 days of the conference.</a:t>
+            </a:r>
+          </a:p>
+          <a:p>
+            <a:pPr marL="228600" indent="-228600">
+              <a:buAutoNum type="arabicPeriod"/>
+            </a:pPr>
+            <a:endParaRPr lang="en-US" dirty="0"/>
+          </a:p>
+          <a:p>
+            <a:pPr marL="228600" indent="-228600">
+              <a:buAutoNum type="arabicPeriod"/>
+            </a:pPr>
+            <a:r>
+              <a:rPr lang="en-US" dirty="0"/>
+              <a:t>After that I will address the comments received from the collaboration.</a:t>
+            </a:r>
+          </a:p>
+        </p:txBody>
+      </p:sp>
+      <p:sp>
+        <p:nvSpPr>
+          <p:cNvPr id="4" name="Slide Number Placeholder 3">
+            <a:extLst>
+              <a:ext uri="{FF2B5EF4-FFF2-40B4-BE49-F238E27FC236}">
+                <a16:creationId xmlns:a16="http://schemas.microsoft.com/office/drawing/2014/main" id="{BF60EEDA-4A49-3BDA-2A6F-D6A9B6D4C7BC}"/>
+              </a:ext>
+            </a:extLst>
+          </p:cNvPr>
+          <p:cNvSpPr>
+            <a:spLocks noGrp="1"/>
+          </p:cNvSpPr>
+          <p:nvPr>
+            <p:ph type="sldNum" sz="quarter" idx="10"/>
+          </p:nvPr>
+        </p:nvSpPr>
+        <p:spPr/>
+        <p:txBody>
+          <a:bodyPr/>
+          <a:lstStyle/>
+          <a:p>
+            <a:fld id="{A5A52E7F-14FA-1A49-8B8A-ECE5124983C9}" type="slidenum">
+              <a:rPr lang="en-US" smtClean="0"/>
+              <a:t>10</a:t>
+            </a:fld>
+            <a:endParaRPr lang="en-US"/>
+          </a:p>
+        </p:txBody>
+      </p:sp>
+    </p:spTree>
+    <p:extLst>
+      <p:ext uri="{BB962C8B-B14F-4D97-AF65-F5344CB8AC3E}">
+        <p14:creationId xmlns:p14="http://schemas.microsoft.com/office/powerpoint/2010/main" val="3525903465"/>
+      </p:ext>
+    </p:extLst>
+  </p:cSld>
+  <p:clrMapOvr>
+    <a:masterClrMapping/>
+  </p:clrMapOvr>
+</p:notes>
 </file>
 
 <file path=ppt/slideLayouts/slideLayout1.xml><?xml version="1.0" encoding="utf-8"?>
@@ -3824,1738 +4336,7 @@
 </p:sld>
 </file>
 
-<file path=ppt/slides/slide2.xml><?xml version="1.0" encoding="utf-8"?>
-<p:sld xmlns:a="http://schemas.openxmlformats.org/drawingml/2006/main" xmlns:r="http://schemas.openxmlformats.org/officeDocument/2006/relationships" xmlns:p="http://schemas.openxmlformats.org/presentationml/2006/main">
-  <p:cSld>
-    <p:spTree>
-      <p:nvGrpSpPr>
-        <p:cNvPr id="1" name=""/>
-        <p:cNvGrpSpPr/>
-        <p:nvPr/>
-      </p:nvGrpSpPr>
-      <p:grpSpPr>
-        <a:xfrm>
-          <a:off x="0" y="0"/>
-          <a:ext cx="0" cy="0"/>
-          <a:chOff x="0" y="0"/>
-          <a:chExt cx="0" cy="0"/>
-        </a:xfrm>
-      </p:grpSpPr>
-      <p:sp>
-        <p:nvSpPr>
-          <p:cNvPr id="2" name="Title 1">
-            <a:extLst>
-              <a:ext uri="{FF2B5EF4-FFF2-40B4-BE49-F238E27FC236}">
-                <a16:creationId xmlns:a16="http://schemas.microsoft.com/office/drawing/2014/main" id="{503C58CB-289B-C0B1-B695-4FB8E18F7A66}"/>
-              </a:ext>
-            </a:extLst>
-          </p:cNvPr>
-          <p:cNvSpPr>
-            <a:spLocks noGrp="1"/>
-          </p:cNvSpPr>
-          <p:nvPr>
-            <p:ph type="title"/>
-          </p:nvPr>
-        </p:nvSpPr>
-        <p:spPr>
-          <a:xfrm>
-            <a:off x="838200" y="156119"/>
-            <a:ext cx="10515600" cy="666841"/>
-          </a:xfrm>
-        </p:spPr>
-        <p:txBody>
-          <a:bodyPr>
-            <a:normAutofit fontScale="90000"/>
-          </a:bodyPr>
-          <a:lstStyle/>
-          <a:p>
-            <a:r>
-              <a:rPr lang="en-US" dirty="0"/>
-              <a:t>Motivation</a:t>
-            </a:r>
-          </a:p>
-        </p:txBody>
-      </p:sp>
-      <mc:AlternateContent xmlns:mc="http://schemas.openxmlformats.org/markup-compatibility/2006" xmlns:a14="http://schemas.microsoft.com/office/drawing/2010/main">
-        <mc:Choice Requires="a14">
-          <p:sp>
-            <p:nvSpPr>
-              <p:cNvPr id="3" name="Content Placeholder 2">
-                <a:extLst>
-                  <a:ext uri="{FF2B5EF4-FFF2-40B4-BE49-F238E27FC236}">
-                    <a16:creationId xmlns:a16="http://schemas.microsoft.com/office/drawing/2014/main" id="{3E3FC781-7B99-ADC3-AE8E-25054E3A4939}"/>
-                  </a:ext>
-                </a:extLst>
-              </p:cNvPr>
-              <p:cNvSpPr>
-                <a:spLocks noGrp="1"/>
-              </p:cNvSpPr>
-              <p:nvPr>
-                <p:ph idx="1"/>
-              </p:nvPr>
-            </p:nvSpPr>
-            <p:spPr>
-              <a:xfrm>
-                <a:off x="838199" y="940524"/>
-                <a:ext cx="11218817" cy="5669915"/>
-              </a:xfrm>
-            </p:spPr>
-            <p:txBody>
-              <a:bodyPr>
-                <a:normAutofit fontScale="92500" lnSpcReduction="20000"/>
-              </a:bodyPr>
-              <a:lstStyle/>
-              <a:p>
-                <a:r>
-                  <a:rPr lang="en-US" dirty="0"/>
-                  <a:t>The mass-fit method to determine the DY yields has been in use for some time.  It uses five templates to fit the total experimental yield:</a:t>
-                </a:r>
-              </a:p>
-              <a:p>
-                <a:pPr lvl="1"/>
-                <a14:m>
-                  <m:oMath xmlns:m="http://schemas.openxmlformats.org/officeDocument/2006/math">
-                    <m:r>
-                      <a:rPr lang="en-US" i="1" dirty="0" smtClean="0">
-                        <a:latin typeface="Cambria Math" panose="02040503050406030204" pitchFamily="18" charset="0"/>
-                      </a:rPr>
-                      <m:t>𝐽</m:t>
-                    </m:r>
-                    <m:r>
-                      <a:rPr lang="en-US" i="1" dirty="0" smtClean="0">
-                        <a:latin typeface="Cambria Math" panose="02040503050406030204" pitchFamily="18" charset="0"/>
-                      </a:rPr>
-                      <m:t>/</m:t>
-                    </m:r>
-                    <m:r>
-                      <a:rPr lang="en-US" i="1" dirty="0" smtClean="0">
-                        <a:latin typeface="Cambria Math" panose="02040503050406030204" pitchFamily="18" charset="0"/>
-                      </a:rPr>
-                      <m:t>𝜓</m:t>
-                    </m:r>
-                  </m:oMath>
-                </a14:m>
-                <a:r>
-                  <a:rPr lang="en-US" dirty="0"/>
-                  <a:t> template</a:t>
-                </a:r>
-              </a:p>
-              <a:p>
-                <a:pPr lvl="1"/>
-                <a14:m>
-                  <m:oMath xmlns:m="http://schemas.openxmlformats.org/officeDocument/2006/math">
-                    <m:r>
-                      <a:rPr lang="en-US" i="1" dirty="0" smtClean="0">
-                        <a:latin typeface="Cambria Math" panose="02040503050406030204" pitchFamily="18" charset="0"/>
-                      </a:rPr>
-                      <m:t>𝜓</m:t>
-                    </m:r>
-                    <m:r>
-                      <a:rPr lang="en-US" b="0" i="1" dirty="0" smtClean="0">
-                        <a:latin typeface="Cambria Math" panose="02040503050406030204" pitchFamily="18" charset="0"/>
-                      </a:rPr>
-                      <m:t>′</m:t>
-                    </m:r>
-                  </m:oMath>
-                </a14:m>
-                <a:r>
-                  <a:rPr lang="en-US" dirty="0"/>
-                  <a:t> template</a:t>
-                </a:r>
-              </a:p>
-              <a:p>
-                <a:pPr lvl="1"/>
-                <a:r>
-                  <a:rPr lang="en-US" dirty="0"/>
-                  <a:t>DY template</a:t>
-                </a:r>
-              </a:p>
-              <a:p>
-                <a:pPr lvl="1"/>
-                <a:r>
-                  <a:rPr lang="en-US" dirty="0"/>
-                  <a:t>Flask template (with fixed normalization to the total yield, based on POT ratios)</a:t>
-                </a:r>
-              </a:p>
-              <a:p>
-                <a:pPr lvl="1"/>
-                <a:r>
-                  <a:rPr lang="en-US" dirty="0"/>
-                  <a:t>Combinatoric background template</a:t>
-                </a:r>
-              </a:p>
-              <a:p>
-                <a:r>
-                  <a:rPr lang="en-US" dirty="0">
-                    <a:solidFill>
-                      <a:srgbClr val="0070C0"/>
-                    </a:solidFill>
-                  </a:rPr>
-                  <a:t>The template for the combinatoric background, based on mixed events from either the FPGA1 or FPGA4 trigger, has been used with a floating normalization.</a:t>
-                </a:r>
-              </a:p>
-              <a:p>
-                <a:r>
-                  <a:rPr lang="en-US" dirty="0">
-                    <a:solidFill>
-                      <a:srgbClr val="7030A0"/>
-                    </a:solidFill>
-                  </a:rPr>
-                  <a:t>More recently, a technique using FPGA1 events has been developed that produces an estimate of the combinatoric background with the correct normalization and shape [</a:t>
-                </a:r>
-                <a:r>
-                  <a:rPr lang="en-US" dirty="0">
-                    <a:solidFill>
-                      <a:srgbClr val="7030A0"/>
-                    </a:solidFill>
-                    <a:hlinkClick r:id="rId2">
-                      <a:extLst>
-                        <a:ext uri="{A12FA001-AC4F-418D-AE19-62706E023703}">
-                          <ahyp:hlinkClr xmlns:ahyp="http://schemas.microsoft.com/office/drawing/2018/hyperlinkcolor" val="tx"/>
-                        </a:ext>
-                      </a:extLst>
-                    </a:hlinkClick>
-                  </a:rPr>
-                  <a:t>DocDB 9955</a:t>
-                </a:r>
-                <a:r>
-                  <a:rPr lang="en-US" dirty="0">
-                    <a:solidFill>
-                      <a:srgbClr val="7030A0"/>
-                    </a:solidFill>
-                  </a:rPr>
-                  <a:t>, </a:t>
-                </a:r>
-                <a:r>
-                  <a:rPr lang="en-US" dirty="0">
-                    <a:solidFill>
-                      <a:srgbClr val="7030A0"/>
-                    </a:solidFill>
-                    <a:hlinkClick r:id="rId3">
-                      <a:extLst>
-                        <a:ext uri="{A12FA001-AC4F-418D-AE19-62706E023703}">
-                          <ahyp:hlinkClr xmlns:ahyp="http://schemas.microsoft.com/office/drawing/2018/hyperlinkcolor" val="tx"/>
-                        </a:ext>
-                      </a:extLst>
-                    </a:hlinkClick>
-                  </a:rPr>
-                  <a:t>JINST 18 P10032 (2023)</a:t>
-                </a:r>
-                <a:r>
-                  <a:rPr lang="en-US" dirty="0">
-                    <a:solidFill>
-                      <a:srgbClr val="7030A0"/>
-                    </a:solidFill>
-                  </a:rPr>
-                  <a:t>].  This component of the total yield no longer needs a floating normalization.</a:t>
-                </a:r>
-              </a:p>
-              <a:p>
-                <a:r>
-                  <a:rPr lang="en-US" dirty="0">
-                    <a:solidFill>
-                      <a:srgbClr val="FF0000"/>
-                    </a:solidFill>
-                  </a:rPr>
-                  <a:t>For the determination of DY yields in the mass range </a:t>
-                </a:r>
-                <a14:m>
-                  <m:oMath xmlns:m="http://schemas.openxmlformats.org/officeDocument/2006/math">
-                    <m:r>
-                      <a:rPr lang="en-US" i="1" dirty="0" smtClean="0">
-                        <a:solidFill>
-                          <a:srgbClr val="FF0000"/>
-                        </a:solidFill>
-                        <a:latin typeface="Cambria Math" panose="02040503050406030204" pitchFamily="18" charset="0"/>
-                      </a:rPr>
-                      <m:t>4.2&lt;</m:t>
-                    </m:r>
-                    <m:r>
-                      <a:rPr lang="en-US" i="1" dirty="0" smtClean="0">
-                        <a:solidFill>
-                          <a:srgbClr val="FF0000"/>
-                        </a:solidFill>
-                        <a:latin typeface="Cambria Math" panose="02040503050406030204" pitchFamily="18" charset="0"/>
-                      </a:rPr>
-                      <m:t>𝑀</m:t>
-                    </m:r>
-                    <m:r>
-                      <a:rPr lang="en-US" i="1" dirty="0" smtClean="0">
-                        <a:solidFill>
-                          <a:srgbClr val="FF0000"/>
-                        </a:solidFill>
-                        <a:latin typeface="Cambria Math" panose="02040503050406030204" pitchFamily="18" charset="0"/>
-                      </a:rPr>
-                      <m:t>&lt;8.8</m:t>
-                    </m:r>
-                  </m:oMath>
-                </a14:m>
-                <a:r>
-                  <a:rPr lang="en-US" dirty="0">
-                    <a:solidFill>
-                      <a:srgbClr val="FF0000"/>
-                    </a:solidFill>
-                  </a:rPr>
-                  <a:t>, the only remaining variable is the </a:t>
-                </a:r>
-                <a14:m>
-                  <m:oMath xmlns:m="http://schemas.openxmlformats.org/officeDocument/2006/math">
-                    <m:r>
-                      <a:rPr lang="en-US" i="1" dirty="0" smtClean="0">
-                        <a:solidFill>
-                          <a:srgbClr val="FF0000"/>
-                        </a:solidFill>
-                        <a:latin typeface="Cambria Math" panose="02040503050406030204" pitchFamily="18" charset="0"/>
-                      </a:rPr>
-                      <m:t>𝜓</m:t>
-                    </m:r>
-                    <m:r>
-                      <a:rPr lang="en-US" b="0" i="1" dirty="0" smtClean="0">
-                        <a:solidFill>
-                          <a:srgbClr val="FF0000"/>
-                        </a:solidFill>
-                        <a:latin typeface="Cambria Math" panose="02040503050406030204" pitchFamily="18" charset="0"/>
-                      </a:rPr>
-                      <m:t>′</m:t>
-                    </m:r>
-                  </m:oMath>
-                </a14:m>
-                <a:r>
-                  <a:rPr lang="en-US" dirty="0">
-                    <a:solidFill>
-                      <a:srgbClr val="FF0000"/>
-                    </a:solidFill>
-                  </a:rPr>
-                  <a:t> contamination.  This has already been shown to be very small, of order 1% or less compared to the total yield.  </a:t>
-                </a:r>
-                <a:r>
-                  <a:rPr lang="en-US" dirty="0"/>
-                  <a:t>(</a:t>
-                </a:r>
-                <a:r>
-                  <a:rPr lang="en-US" dirty="0">
-                    <a:hlinkClick r:id="rId4"/>
-                  </a:rPr>
-                  <a:t>DocDB 4555</a:t>
-                </a:r>
-                <a:r>
-                  <a:rPr lang="en-US" dirty="0"/>
-                  <a:t>)</a:t>
-                </a:r>
-              </a:p>
-            </p:txBody>
-          </p:sp>
-        </mc:Choice>
-        <mc:Fallback xmlns="">
-          <p:sp>
-            <p:nvSpPr>
-              <p:cNvPr id="3" name="Content Placeholder 2">
-                <a:extLst>
-                  <a:ext uri="{FF2B5EF4-FFF2-40B4-BE49-F238E27FC236}">
-                    <a16:creationId xmlns:a16="http://schemas.microsoft.com/office/drawing/2014/main" id="{3E3FC781-7B99-ADC3-AE8E-25054E3A4939}"/>
-                  </a:ext>
-                </a:extLst>
-              </p:cNvPr>
-              <p:cNvSpPr>
-                <a:spLocks noGrp="1" noRot="1" noChangeAspect="1" noMove="1" noResize="1" noEditPoints="1" noAdjustHandles="1" noChangeArrowheads="1" noChangeShapeType="1" noTextEdit="1"/>
-              </p:cNvSpPr>
-              <p:nvPr>
-                <p:ph idx="1"/>
-              </p:nvPr>
-            </p:nvSpPr>
-            <p:spPr>
-              <a:xfrm>
-                <a:off x="838199" y="940524"/>
-                <a:ext cx="11218817" cy="5669915"/>
-              </a:xfrm>
-              <a:blipFill>
-                <a:blip r:embed="rId5"/>
-                <a:stretch>
-                  <a:fillRect l="-791" t="-2679" r="-904"/>
-                </a:stretch>
-              </a:blipFill>
-            </p:spPr>
-            <p:txBody>
-              <a:bodyPr/>
-              <a:lstStyle/>
-              <a:p>
-                <a:r>
-                  <a:rPr lang="en-US">
-                    <a:noFill/>
-                  </a:rPr>
-                  <a:t> </a:t>
-                </a:r>
-              </a:p>
-            </p:txBody>
-          </p:sp>
-        </mc:Fallback>
-      </mc:AlternateContent>
-      <p:sp>
-        <p:nvSpPr>
-          <p:cNvPr id="4" name="Date Placeholder 3">
-            <a:extLst>
-              <a:ext uri="{FF2B5EF4-FFF2-40B4-BE49-F238E27FC236}">
-                <a16:creationId xmlns:a16="http://schemas.microsoft.com/office/drawing/2014/main" id="{7DFB395B-123E-9E71-ED8F-845CC2F19DF7}"/>
-              </a:ext>
-            </a:extLst>
-          </p:cNvPr>
-          <p:cNvSpPr>
-            <a:spLocks noGrp="1"/>
-          </p:cNvSpPr>
-          <p:nvPr>
-            <p:ph type="dt" sz="half" idx="10"/>
-          </p:nvPr>
-        </p:nvSpPr>
-        <p:spPr/>
-        <p:txBody>
-          <a:bodyPr/>
-          <a:lstStyle/>
-          <a:p>
-            <a:fld id="{B9FACAE8-0C34-3549-B0F2-C1260A18A5E9}" type="datetime1">
-              <a:rPr lang="en-US" smtClean="0"/>
-              <a:t>8/15/25</a:t>
-            </a:fld>
-            <a:endParaRPr lang="en-US"/>
-          </a:p>
-        </p:txBody>
-      </p:sp>
-      <p:sp>
-        <p:nvSpPr>
-          <p:cNvPr id="5" name="Slide Number Placeholder 4">
-            <a:extLst>
-              <a:ext uri="{FF2B5EF4-FFF2-40B4-BE49-F238E27FC236}">
-                <a16:creationId xmlns:a16="http://schemas.microsoft.com/office/drawing/2014/main" id="{9C65F957-5E82-9879-BCFF-6CF04D96CC75}"/>
-              </a:ext>
-            </a:extLst>
-          </p:cNvPr>
-          <p:cNvSpPr>
-            <a:spLocks noGrp="1"/>
-          </p:cNvSpPr>
-          <p:nvPr>
-            <p:ph type="sldNum" sz="quarter" idx="12"/>
-          </p:nvPr>
-        </p:nvSpPr>
-        <p:spPr/>
-        <p:txBody>
-          <a:bodyPr/>
-          <a:lstStyle/>
-          <a:p>
-            <a:fld id="{8017FDCA-9457-E54C-8F9D-F4CD5ABC5619}" type="slidenum">
-              <a:rPr lang="en-US" smtClean="0"/>
-              <a:t>2</a:t>
-            </a:fld>
-            <a:endParaRPr lang="en-US"/>
-          </a:p>
-        </p:txBody>
-      </p:sp>
-    </p:spTree>
-    <p:extLst>
-      <p:ext uri="{BB962C8B-B14F-4D97-AF65-F5344CB8AC3E}">
-        <p14:creationId xmlns:p14="http://schemas.microsoft.com/office/powerpoint/2010/main" val="1593382368"/>
-      </p:ext>
-    </p:extLst>
-  </p:cSld>
-  <p:clrMapOvr>
-    <a:masterClrMapping/>
-  </p:clrMapOvr>
-</p:sld>
-</file>
-
-<file path=ppt/slides/slide3.xml><?xml version="1.0" encoding="utf-8"?>
-<p:sld xmlns:a="http://schemas.openxmlformats.org/drawingml/2006/main" xmlns:r="http://schemas.openxmlformats.org/officeDocument/2006/relationships" xmlns:p="http://schemas.openxmlformats.org/presentationml/2006/main">
-  <p:cSld>
-    <p:spTree>
-      <p:nvGrpSpPr>
-        <p:cNvPr id="1" name=""/>
-        <p:cNvGrpSpPr/>
-        <p:nvPr/>
-      </p:nvGrpSpPr>
-      <p:grpSpPr>
-        <a:xfrm>
-          <a:off x="0" y="0"/>
-          <a:ext cx="0" cy="0"/>
-          <a:chOff x="0" y="0"/>
-          <a:chExt cx="0" cy="0"/>
-        </a:xfrm>
-      </p:grpSpPr>
-      <p:pic>
-        <p:nvPicPr>
-          <p:cNvPr id="5" name="Picture 4" descr="A table with numbers and a black and white background&#10;&#10;AI-generated content may be incorrect.">
-            <a:extLst>
-              <a:ext uri="{FF2B5EF4-FFF2-40B4-BE49-F238E27FC236}">
-                <a16:creationId xmlns:a16="http://schemas.microsoft.com/office/drawing/2014/main" id="{39992547-970C-8115-8E3A-0DDD25E5F667}"/>
-              </a:ext>
-            </a:extLst>
-          </p:cNvPr>
-          <p:cNvPicPr>
-            <a:picLocks noChangeAspect="1"/>
-          </p:cNvPicPr>
-          <p:nvPr/>
-        </p:nvPicPr>
-        <p:blipFill>
-          <a:blip r:embed="rId2"/>
-          <a:stretch>
-            <a:fillRect/>
-          </a:stretch>
-        </p:blipFill>
-        <p:spPr>
-          <a:xfrm>
-            <a:off x="2192202" y="165100"/>
-            <a:ext cx="9342301" cy="6260681"/>
-          </a:xfrm>
-          <a:prstGeom prst="rect">
-            <a:avLst/>
-          </a:prstGeom>
-        </p:spPr>
-      </p:pic>
-      <p:sp>
-        <p:nvSpPr>
-          <p:cNvPr id="7" name="Date Placeholder 6">
-            <a:extLst>
-              <a:ext uri="{FF2B5EF4-FFF2-40B4-BE49-F238E27FC236}">
-                <a16:creationId xmlns:a16="http://schemas.microsoft.com/office/drawing/2014/main" id="{CB9CCB82-31F6-1E6E-DADF-C0B3A136ABBC}"/>
-              </a:ext>
-            </a:extLst>
-          </p:cNvPr>
-          <p:cNvSpPr>
-            <a:spLocks noGrp="1"/>
-          </p:cNvSpPr>
-          <p:nvPr>
-            <p:ph type="dt" sz="half" idx="10"/>
-          </p:nvPr>
-        </p:nvSpPr>
-        <p:spPr/>
-        <p:txBody>
-          <a:bodyPr/>
-          <a:lstStyle/>
-          <a:p>
-            <a:fld id="{5D605D88-5EEA-6E46-99ED-8DAE2F38D7D4}" type="datetime1">
-              <a:rPr lang="en-US" smtClean="0"/>
-              <a:t>8/15/25</a:t>
-            </a:fld>
-            <a:endParaRPr lang="en-US"/>
-          </a:p>
-        </p:txBody>
-      </p:sp>
-      <p:sp>
-        <p:nvSpPr>
-          <p:cNvPr id="8" name="Slide Number Placeholder 7">
-            <a:extLst>
-              <a:ext uri="{FF2B5EF4-FFF2-40B4-BE49-F238E27FC236}">
-                <a16:creationId xmlns:a16="http://schemas.microsoft.com/office/drawing/2014/main" id="{E73B784D-FD27-4A70-04F1-1D55BA552D7B}"/>
-              </a:ext>
-            </a:extLst>
-          </p:cNvPr>
-          <p:cNvSpPr>
-            <a:spLocks noGrp="1"/>
-          </p:cNvSpPr>
-          <p:nvPr>
-            <p:ph type="sldNum" sz="quarter" idx="12"/>
-          </p:nvPr>
-        </p:nvSpPr>
-        <p:spPr/>
-        <p:txBody>
-          <a:bodyPr/>
-          <a:lstStyle/>
-          <a:p>
-            <a:fld id="{8017FDCA-9457-E54C-8F9D-F4CD5ABC5619}" type="slidenum">
-              <a:rPr lang="en-US" smtClean="0"/>
-              <a:t>3</a:t>
-            </a:fld>
-            <a:endParaRPr lang="en-US"/>
-          </a:p>
-        </p:txBody>
-      </p:sp>
-      <p:sp>
-        <p:nvSpPr>
-          <p:cNvPr id="9" name="TextBox 8">
-            <a:extLst>
-              <a:ext uri="{FF2B5EF4-FFF2-40B4-BE49-F238E27FC236}">
-                <a16:creationId xmlns:a16="http://schemas.microsoft.com/office/drawing/2014/main" id="{AA3D3DD0-0FC9-6C29-6CFD-A32A6D64E51E}"/>
-              </a:ext>
-            </a:extLst>
-          </p:cNvPr>
-          <p:cNvSpPr txBox="1"/>
-          <p:nvPr/>
-        </p:nvSpPr>
-        <p:spPr>
-          <a:xfrm>
-            <a:off x="222069" y="391886"/>
-            <a:ext cx="1430200" cy="646331"/>
-          </a:xfrm>
-          <a:prstGeom prst="rect">
-            <a:avLst/>
-          </a:prstGeom>
-          <a:noFill/>
-        </p:spPr>
-        <p:txBody>
-          <a:bodyPr wrap="none" rtlCol="0">
-            <a:spAutoFit/>
-          </a:bodyPr>
-          <a:lstStyle/>
-          <a:p>
-            <a:r>
-              <a:rPr lang="en-US" dirty="0" err="1"/>
-              <a:t>DocDB</a:t>
-            </a:r>
-            <a:r>
-              <a:rPr lang="en-US" dirty="0"/>
-              <a:t> 4555</a:t>
-            </a:r>
-          </a:p>
-          <a:p>
-            <a:r>
-              <a:rPr lang="en-US" dirty="0"/>
-              <a:t>RS 67 R008</a:t>
-            </a:r>
-          </a:p>
-        </p:txBody>
-      </p:sp>
-    </p:spTree>
-    <p:extLst>
-      <p:ext uri="{BB962C8B-B14F-4D97-AF65-F5344CB8AC3E}">
-        <p14:creationId xmlns:p14="http://schemas.microsoft.com/office/powerpoint/2010/main" val="2880209006"/>
-      </p:ext>
-    </p:extLst>
-  </p:cSld>
-  <p:clrMapOvr>
-    <a:masterClrMapping/>
-  </p:clrMapOvr>
-</p:sld>
-</file>
-
-<file path=ppt/slides/slide4.xml><?xml version="1.0" encoding="utf-8"?>
-<p:sld xmlns:a="http://schemas.openxmlformats.org/drawingml/2006/main" xmlns:r="http://schemas.openxmlformats.org/officeDocument/2006/relationships" xmlns:p="http://schemas.openxmlformats.org/presentationml/2006/main">
-  <p:cSld>
-    <p:spTree>
-      <p:nvGrpSpPr>
-        <p:cNvPr id="1" name=""/>
-        <p:cNvGrpSpPr/>
-        <p:nvPr/>
-      </p:nvGrpSpPr>
-      <p:grpSpPr>
-        <a:xfrm>
-          <a:off x="0" y="0"/>
-          <a:ext cx="0" cy="0"/>
-          <a:chOff x="0" y="0"/>
-          <a:chExt cx="0" cy="0"/>
-        </a:xfrm>
-      </p:grpSpPr>
-      <p:pic>
-        <p:nvPicPr>
-          <p:cNvPr id="5" name="Picture 4" descr="A table with numbers and a black and white background&#10;&#10;AI-generated content may be incorrect.">
-            <a:extLst>
-              <a:ext uri="{FF2B5EF4-FFF2-40B4-BE49-F238E27FC236}">
-                <a16:creationId xmlns:a16="http://schemas.microsoft.com/office/drawing/2014/main" id="{E9F3FC08-6E5D-D6EF-B7B9-6241D933083F}"/>
-              </a:ext>
-            </a:extLst>
-          </p:cNvPr>
-          <p:cNvPicPr>
-            <a:picLocks noChangeAspect="1"/>
-          </p:cNvPicPr>
-          <p:nvPr/>
-        </p:nvPicPr>
-        <p:blipFill>
-          <a:blip r:embed="rId2"/>
-          <a:stretch>
-            <a:fillRect/>
-          </a:stretch>
-        </p:blipFill>
-        <p:spPr>
-          <a:xfrm>
-            <a:off x="2218328" y="165100"/>
-            <a:ext cx="9342301" cy="6260681"/>
-          </a:xfrm>
-          <a:prstGeom prst="rect">
-            <a:avLst/>
-          </a:prstGeom>
-        </p:spPr>
-      </p:pic>
-      <p:sp>
-        <p:nvSpPr>
-          <p:cNvPr id="6" name="TextBox 5">
-            <a:extLst>
-              <a:ext uri="{FF2B5EF4-FFF2-40B4-BE49-F238E27FC236}">
-                <a16:creationId xmlns:a16="http://schemas.microsoft.com/office/drawing/2014/main" id="{AA86BE6C-8D01-406C-E81A-2D0A8AC9E314}"/>
-              </a:ext>
-            </a:extLst>
-          </p:cNvPr>
-          <p:cNvSpPr txBox="1"/>
-          <p:nvPr/>
-        </p:nvSpPr>
-        <p:spPr>
-          <a:xfrm>
-            <a:off x="222069" y="391886"/>
-            <a:ext cx="1430200" cy="646331"/>
-          </a:xfrm>
-          <a:prstGeom prst="rect">
-            <a:avLst/>
-          </a:prstGeom>
-          <a:noFill/>
-        </p:spPr>
-        <p:txBody>
-          <a:bodyPr wrap="none" rtlCol="0">
-            <a:spAutoFit/>
-          </a:bodyPr>
-          <a:lstStyle/>
-          <a:p>
-            <a:r>
-              <a:rPr lang="en-US" dirty="0" err="1"/>
-              <a:t>DocDB</a:t>
-            </a:r>
-            <a:r>
-              <a:rPr lang="en-US" dirty="0"/>
-              <a:t> 4555</a:t>
-            </a:r>
-          </a:p>
-          <a:p>
-            <a:r>
-              <a:rPr lang="en-US" dirty="0"/>
-              <a:t>RS 67 R008</a:t>
-            </a:r>
-          </a:p>
-        </p:txBody>
-      </p:sp>
-      <p:sp>
-        <p:nvSpPr>
-          <p:cNvPr id="7" name="Date Placeholder 6">
-            <a:extLst>
-              <a:ext uri="{FF2B5EF4-FFF2-40B4-BE49-F238E27FC236}">
-                <a16:creationId xmlns:a16="http://schemas.microsoft.com/office/drawing/2014/main" id="{AFF82930-40DA-B559-B581-F7368E22B8AC}"/>
-              </a:ext>
-            </a:extLst>
-          </p:cNvPr>
-          <p:cNvSpPr>
-            <a:spLocks noGrp="1"/>
-          </p:cNvSpPr>
-          <p:nvPr>
-            <p:ph type="dt" sz="half" idx="10"/>
-          </p:nvPr>
-        </p:nvSpPr>
-        <p:spPr/>
-        <p:txBody>
-          <a:bodyPr/>
-          <a:lstStyle/>
-          <a:p>
-            <a:fld id="{04071618-D969-3D46-B63B-C6FF038D7AB1}" type="datetime1">
-              <a:rPr lang="en-US" smtClean="0"/>
-              <a:t>8/15/25</a:t>
-            </a:fld>
-            <a:endParaRPr lang="en-US"/>
-          </a:p>
-        </p:txBody>
-      </p:sp>
-      <p:sp>
-        <p:nvSpPr>
-          <p:cNvPr id="8" name="Slide Number Placeholder 7">
-            <a:extLst>
-              <a:ext uri="{FF2B5EF4-FFF2-40B4-BE49-F238E27FC236}">
-                <a16:creationId xmlns:a16="http://schemas.microsoft.com/office/drawing/2014/main" id="{DA8127C9-E92E-291E-7DD4-F0B1130D5D1C}"/>
-              </a:ext>
-            </a:extLst>
-          </p:cNvPr>
-          <p:cNvSpPr>
-            <a:spLocks noGrp="1"/>
-          </p:cNvSpPr>
-          <p:nvPr>
-            <p:ph type="sldNum" sz="quarter" idx="12"/>
-          </p:nvPr>
-        </p:nvSpPr>
-        <p:spPr/>
-        <p:txBody>
-          <a:bodyPr/>
-          <a:lstStyle/>
-          <a:p>
-            <a:fld id="{8017FDCA-9457-E54C-8F9D-F4CD5ABC5619}" type="slidenum">
-              <a:rPr lang="en-US" smtClean="0"/>
-              <a:t>4</a:t>
-            </a:fld>
-            <a:endParaRPr lang="en-US"/>
-          </a:p>
-        </p:txBody>
-      </p:sp>
-    </p:spTree>
-    <p:extLst>
-      <p:ext uri="{BB962C8B-B14F-4D97-AF65-F5344CB8AC3E}">
-        <p14:creationId xmlns:p14="http://schemas.microsoft.com/office/powerpoint/2010/main" val="1290043047"/>
-      </p:ext>
-    </p:extLst>
-  </p:cSld>
-  <p:clrMapOvr>
-    <a:masterClrMapping/>
-  </p:clrMapOvr>
-</p:sld>
-</file>
-
-<file path=ppt/slides/slide5.xml><?xml version="1.0" encoding="utf-8"?>
-<p:sld xmlns:a="http://schemas.openxmlformats.org/drawingml/2006/main" xmlns:r="http://schemas.openxmlformats.org/officeDocument/2006/relationships" xmlns:p="http://schemas.openxmlformats.org/presentationml/2006/main">
-  <p:cSld>
-    <p:spTree>
-      <p:nvGrpSpPr>
-        <p:cNvPr id="1" name=""/>
-        <p:cNvGrpSpPr/>
-        <p:nvPr/>
-      </p:nvGrpSpPr>
-      <p:grpSpPr>
-        <a:xfrm>
-          <a:off x="0" y="0"/>
-          <a:ext cx="0" cy="0"/>
-          <a:chOff x="0" y="0"/>
-          <a:chExt cx="0" cy="0"/>
-        </a:xfrm>
-      </p:grpSpPr>
-      <mc:AlternateContent xmlns:mc="http://schemas.openxmlformats.org/markup-compatibility/2006" xmlns:a14="http://schemas.microsoft.com/office/drawing/2010/main">
-        <mc:Choice Requires="a14">
-          <p:sp>
-            <p:nvSpPr>
-              <p:cNvPr id="2" name="Title 1">
-                <a:extLst>
-                  <a:ext uri="{FF2B5EF4-FFF2-40B4-BE49-F238E27FC236}">
-                    <a16:creationId xmlns:a16="http://schemas.microsoft.com/office/drawing/2014/main" id="{A3EA8B8B-4975-F2BE-1FEC-15463A3FC9F4}"/>
-                  </a:ext>
-                </a:extLst>
-              </p:cNvPr>
-              <p:cNvSpPr>
-                <a:spLocks noGrp="1"/>
-              </p:cNvSpPr>
-              <p:nvPr>
-                <p:ph type="title"/>
-              </p:nvPr>
-            </p:nvSpPr>
-            <p:spPr/>
-            <p:txBody>
-              <a:bodyPr/>
-              <a:lstStyle/>
-              <a:p>
-                <a:r>
-                  <a:rPr lang="en-US" dirty="0"/>
-                  <a:t>Additional Studies of </a:t>
-                </a:r>
-                <a14:m>
-                  <m:oMath xmlns:m="http://schemas.openxmlformats.org/officeDocument/2006/math">
-                    <m:r>
-                      <a:rPr lang="en-US" i="1" dirty="0" smtClean="0">
-                        <a:latin typeface="Cambria Math" panose="02040503050406030204" pitchFamily="18" charset="0"/>
-                      </a:rPr>
-                      <m:t>𝜓</m:t>
-                    </m:r>
-                    <m:r>
-                      <a:rPr lang="en-US" b="0" i="1" dirty="0" smtClean="0">
-                        <a:latin typeface="Cambria Math" panose="02040503050406030204" pitchFamily="18" charset="0"/>
-                      </a:rPr>
-                      <m:t>′</m:t>
-                    </m:r>
-                  </m:oMath>
-                </a14:m>
-                <a:r>
-                  <a:rPr lang="en-US" dirty="0"/>
-                  <a:t> Contamination</a:t>
-                </a:r>
-              </a:p>
-            </p:txBody>
-          </p:sp>
-        </mc:Choice>
-        <mc:Fallback xmlns="">
-          <p:sp>
-            <p:nvSpPr>
-              <p:cNvPr id="2" name="Title 1">
-                <a:extLst>
-                  <a:ext uri="{FF2B5EF4-FFF2-40B4-BE49-F238E27FC236}">
-                    <a16:creationId xmlns:a16="http://schemas.microsoft.com/office/drawing/2014/main" id="{A3EA8B8B-4975-F2BE-1FEC-15463A3FC9F4}"/>
-                  </a:ext>
-                </a:extLst>
-              </p:cNvPr>
-              <p:cNvSpPr>
-                <a:spLocks noGrp="1" noRot="1" noChangeAspect="1" noMove="1" noResize="1" noEditPoints="1" noAdjustHandles="1" noChangeArrowheads="1" noChangeShapeType="1" noTextEdit="1"/>
-              </p:cNvSpPr>
-              <p:nvPr>
-                <p:ph type="title"/>
-              </p:nvPr>
-            </p:nvSpPr>
-            <p:spPr>
-              <a:blipFill>
-                <a:blip r:embed="rId2"/>
-                <a:stretch>
-                  <a:fillRect l="-2413"/>
-                </a:stretch>
-              </a:blipFill>
-            </p:spPr>
-            <p:txBody>
-              <a:bodyPr/>
-              <a:lstStyle/>
-              <a:p>
-                <a:r>
-                  <a:rPr lang="en-US">
-                    <a:noFill/>
-                  </a:rPr>
-                  <a:t> </a:t>
-                </a:r>
-              </a:p>
-            </p:txBody>
-          </p:sp>
-        </mc:Fallback>
-      </mc:AlternateContent>
-      <p:sp>
-        <p:nvSpPr>
-          <p:cNvPr id="4" name="Date Placeholder 3">
-            <a:extLst>
-              <a:ext uri="{FF2B5EF4-FFF2-40B4-BE49-F238E27FC236}">
-                <a16:creationId xmlns:a16="http://schemas.microsoft.com/office/drawing/2014/main" id="{2BB8CAED-FECE-0FFE-34F2-CB8EA38F5216}"/>
-              </a:ext>
-            </a:extLst>
-          </p:cNvPr>
-          <p:cNvSpPr>
-            <a:spLocks noGrp="1"/>
-          </p:cNvSpPr>
-          <p:nvPr>
-            <p:ph type="dt" sz="half" idx="10"/>
-          </p:nvPr>
-        </p:nvSpPr>
-        <p:spPr/>
-        <p:txBody>
-          <a:bodyPr/>
-          <a:lstStyle/>
-          <a:p>
-            <a:fld id="{3B9977D7-0EE6-4641-8458-2B150046FE11}" type="datetime1">
-              <a:rPr lang="en-US" smtClean="0"/>
-              <a:t>8/15/25</a:t>
-            </a:fld>
-            <a:endParaRPr lang="en-US"/>
-          </a:p>
-        </p:txBody>
-      </p:sp>
-      <p:sp>
-        <p:nvSpPr>
-          <p:cNvPr id="5" name="Slide Number Placeholder 4">
-            <a:extLst>
-              <a:ext uri="{FF2B5EF4-FFF2-40B4-BE49-F238E27FC236}">
-                <a16:creationId xmlns:a16="http://schemas.microsoft.com/office/drawing/2014/main" id="{0D31F815-4DFD-C2E6-E9EF-950469EAF00C}"/>
-              </a:ext>
-            </a:extLst>
-          </p:cNvPr>
-          <p:cNvSpPr>
-            <a:spLocks noGrp="1"/>
-          </p:cNvSpPr>
-          <p:nvPr>
-            <p:ph type="sldNum" sz="quarter" idx="12"/>
-          </p:nvPr>
-        </p:nvSpPr>
-        <p:spPr/>
-        <p:txBody>
-          <a:bodyPr/>
-          <a:lstStyle/>
-          <a:p>
-            <a:fld id="{8017FDCA-9457-E54C-8F9D-F4CD5ABC5619}" type="slidenum">
-              <a:rPr lang="en-US" smtClean="0"/>
-              <a:t>5</a:t>
-            </a:fld>
-            <a:endParaRPr lang="en-US"/>
-          </a:p>
-        </p:txBody>
-      </p:sp>
-      <p:sp>
-        <p:nvSpPr>
-          <p:cNvPr id="3" name="TextBox 2">
-            <a:extLst>
-              <a:ext uri="{FF2B5EF4-FFF2-40B4-BE49-F238E27FC236}">
-                <a16:creationId xmlns:a16="http://schemas.microsoft.com/office/drawing/2014/main" id="{C97FA668-F473-B77A-698A-067402A3E233}"/>
-              </a:ext>
-            </a:extLst>
-          </p:cNvPr>
-          <p:cNvSpPr txBox="1"/>
-          <p:nvPr/>
-        </p:nvSpPr>
-        <p:spPr>
-          <a:xfrm>
-            <a:off x="236351" y="1290780"/>
-            <a:ext cx="12180963" cy="5632311"/>
-          </a:xfrm>
-          <a:prstGeom prst="rect">
-            <a:avLst/>
-          </a:prstGeom>
-          <a:noFill/>
-        </p:spPr>
-        <p:txBody>
-          <a:bodyPr wrap="none" rtlCol="0">
-            <a:spAutoFit/>
-          </a:bodyPr>
-          <a:lstStyle/>
-          <a:p>
-            <a:pPr marL="285750" indent="-285750">
-              <a:buFont typeface="Arial" panose="020B0604020202020204" pitchFamily="34" charset="0"/>
-              <a:buChar char="•"/>
-            </a:pPr>
-            <a:r>
-              <a:rPr lang="en-US" dirty="0"/>
-              <a:t>Files used:</a:t>
-            </a:r>
-          </a:p>
-          <a:p>
-            <a:pPr marL="742950" lvl="1" indent="-285750">
-              <a:buFont typeface="Arial" panose="020B0604020202020204" pitchFamily="34" charset="0"/>
-              <a:buChar char="•"/>
-            </a:pPr>
-            <a:r>
-              <a:rPr lang="en-US" dirty="0"/>
-              <a:t>Data:</a:t>
-            </a:r>
-          </a:p>
-          <a:p>
-            <a:pPr marL="1200150" lvl="2" indent="-285750">
-              <a:buFont typeface="Arial" panose="020B0604020202020204" pitchFamily="34" charset="0"/>
-              <a:buChar char="•"/>
-            </a:pPr>
-            <a:r>
-              <a:rPr lang="en-US" dirty="0">
-                <a:solidFill>
-                  <a:srgbClr val="000000"/>
-                </a:solidFill>
-                <a:effectLst/>
-                <a:latin typeface="Helvetica" pitchFamily="2" charset="0"/>
-              </a:rPr>
-              <a:t>Real data: </a:t>
-            </a:r>
-            <a:r>
-              <a:rPr lang="en-US" dirty="0" err="1"/>
-              <a:t>chleung</a:t>
-            </a:r>
-            <a:r>
-              <a:rPr lang="en-US" dirty="0"/>
-              <a:t>/</a:t>
-            </a:r>
-            <a:r>
-              <a:rPr lang="en-US" dirty="0" err="1"/>
-              <a:t>rootfiles</a:t>
-            </a:r>
-            <a:r>
-              <a:rPr lang="en-US" dirty="0"/>
-              <a:t>/67/FPGA1/R008_roadset67_0_2111v42_tmp_noPhys_noOcc.root</a:t>
-            </a:r>
-          </a:p>
-          <a:p>
-            <a:pPr marL="1200150" lvl="2" indent="-285750">
-              <a:buFont typeface="Arial" panose="020B0604020202020204" pitchFamily="34" charset="0"/>
-              <a:buChar char="•"/>
-            </a:pPr>
-            <a:r>
-              <a:rPr lang="en-US" dirty="0">
-                <a:solidFill>
-                  <a:srgbClr val="000000"/>
-                </a:solidFill>
-                <a:effectLst/>
-                <a:latin typeface="Helvetica" pitchFamily="2" charset="0"/>
-              </a:rPr>
-              <a:t>Mixed data (RS67): </a:t>
-            </a:r>
-            <a:r>
-              <a:rPr lang="en-US" b="0" i="0" dirty="0">
-                <a:effectLst/>
-                <a:latin typeface="gg mono"/>
-              </a:rPr>
-              <a:t>/</a:t>
-            </a:r>
-            <a:r>
-              <a:rPr lang="en-US" b="0" i="0" dirty="0" err="1">
-                <a:effectLst/>
-                <a:latin typeface="gg mono"/>
-              </a:rPr>
-              <a:t>seaquest</a:t>
-            </a:r>
-            <a:r>
-              <a:rPr lang="en-US" b="0" i="0" dirty="0">
-                <a:effectLst/>
-                <a:latin typeface="gg mono"/>
-              </a:rPr>
-              <a:t>/users/</a:t>
-            </a:r>
-            <a:r>
-              <a:rPr lang="en-US" b="0" i="0" dirty="0" err="1">
-                <a:effectLst/>
-                <a:latin typeface="gg mono"/>
-              </a:rPr>
-              <a:t>apun</a:t>
-            </a:r>
-            <a:r>
-              <a:rPr lang="en-US" b="0" i="0" dirty="0">
-                <a:effectLst/>
-                <a:latin typeface="gg mono"/>
-              </a:rPr>
-              <a:t>/e906_projects/rs67_merged_files/merged_RS67_3089LH2.root</a:t>
-            </a:r>
-          </a:p>
-          <a:p>
-            <a:pPr marL="1200150" lvl="2" indent="-285750">
-              <a:buFont typeface="Arial" panose="020B0604020202020204" pitchFamily="34" charset="0"/>
-              <a:buChar char="•"/>
-            </a:pPr>
-            <a:r>
-              <a:rPr lang="en-US" dirty="0">
-                <a:solidFill>
-                  <a:srgbClr val="000000"/>
-                </a:solidFill>
-                <a:latin typeface="Helvetica" pitchFamily="2" charset="0"/>
-              </a:rPr>
-              <a:t>Empty</a:t>
-            </a:r>
-            <a:r>
-              <a:rPr lang="en-US" dirty="0">
-                <a:solidFill>
-                  <a:srgbClr val="000000"/>
-                </a:solidFill>
-                <a:effectLst/>
-                <a:latin typeface="Helvetica" pitchFamily="2" charset="0"/>
-              </a:rPr>
-              <a:t> Flask Mix (RS67): </a:t>
-            </a:r>
-            <a:r>
-              <a:rPr lang="en-US" b="0" i="0" dirty="0">
-                <a:effectLst/>
-                <a:latin typeface="gg mono"/>
-              </a:rPr>
-              <a:t>/</a:t>
-            </a:r>
-            <a:r>
-              <a:rPr lang="en-US" b="0" i="0" dirty="0" err="1">
-                <a:effectLst/>
-                <a:latin typeface="gg mono"/>
-              </a:rPr>
-              <a:t>seaquest</a:t>
-            </a:r>
-            <a:r>
-              <a:rPr lang="en-US" b="0" i="0" dirty="0">
-                <a:effectLst/>
-                <a:latin typeface="gg mono"/>
-              </a:rPr>
-              <a:t>/users/</a:t>
-            </a:r>
-            <a:r>
-              <a:rPr lang="en-US" b="0" i="0" dirty="0" err="1">
-                <a:effectLst/>
-                <a:latin typeface="gg mono"/>
-              </a:rPr>
-              <a:t>apun</a:t>
-            </a:r>
-            <a:r>
-              <a:rPr lang="en-US" b="0" i="0" dirty="0">
-                <a:effectLst/>
-                <a:latin typeface="gg mono"/>
-              </a:rPr>
-              <a:t>/e906_projects/rs67_merged_files/merged_RS67_3089flask.root</a:t>
-            </a:r>
-            <a:endParaRPr lang="en-US" dirty="0">
-              <a:solidFill>
-                <a:srgbClr val="000000"/>
-              </a:solidFill>
-              <a:effectLst/>
-              <a:latin typeface="Helvetica" pitchFamily="2" charset="0"/>
-            </a:endParaRPr>
-          </a:p>
-          <a:p>
-            <a:pPr lvl="1"/>
-            <a:endParaRPr lang="en-US" strike="sngStrike" dirty="0">
-              <a:solidFill>
-                <a:srgbClr val="000000"/>
-              </a:solidFill>
-              <a:effectLst/>
-              <a:latin typeface="Helvetica" pitchFamily="2" charset="0"/>
-            </a:endParaRPr>
-          </a:p>
-          <a:p>
-            <a:pPr marL="742950" lvl="1" indent="-285750">
-              <a:buFont typeface="Arial" panose="020B0604020202020204" pitchFamily="34" charset="0"/>
-              <a:buChar char="•"/>
-            </a:pPr>
-            <a:r>
-              <a:rPr lang="en-US" dirty="0">
-                <a:solidFill>
-                  <a:srgbClr val="000000"/>
-                </a:solidFill>
-                <a:effectLst/>
-                <a:latin typeface="Helvetica" pitchFamily="2" charset="0"/>
-              </a:rPr>
-              <a:t>GMC for LH2 (made for RS67):</a:t>
-            </a:r>
-          </a:p>
-          <a:p>
-            <a:pPr marL="1200150" lvl="2" indent="-285750">
-              <a:buFont typeface="Arial" panose="020B0604020202020204" pitchFamily="34" charset="0"/>
-              <a:buChar char="•"/>
-            </a:pPr>
-            <a:r>
-              <a:rPr lang="en-US" dirty="0">
-                <a:solidFill>
-                  <a:srgbClr val="000000"/>
-                </a:solidFill>
-                <a:effectLst/>
-                <a:latin typeface="Helvetica" pitchFamily="2" charset="0"/>
-              </a:rPr>
-              <a:t>D-Y: </a:t>
-            </a:r>
-            <a:r>
-              <a:rPr lang="en-US" dirty="0" err="1">
-                <a:solidFill>
-                  <a:srgbClr val="000000"/>
-                </a:solidFill>
-                <a:effectLst/>
-                <a:latin typeface="Helvetica" pitchFamily="2" charset="0"/>
-              </a:rPr>
-              <a:t>chleung</a:t>
-            </a:r>
-            <a:r>
-              <a:rPr lang="en-US" dirty="0">
-                <a:solidFill>
-                  <a:srgbClr val="000000"/>
-                </a:solidFill>
-                <a:effectLst/>
-                <a:latin typeface="Helvetica" pitchFamily="2" charset="0"/>
-              </a:rPr>
-              <a:t>/</a:t>
-            </a:r>
-            <a:r>
-              <a:rPr lang="en-US" dirty="0" err="1">
-                <a:solidFill>
-                  <a:srgbClr val="000000"/>
-                </a:solidFill>
-                <a:effectLst/>
-                <a:latin typeface="Helvetica" pitchFamily="2" charset="0"/>
-              </a:rPr>
-              <a:t>pT_ReWeight</a:t>
-            </a:r>
-            <a:r>
-              <a:rPr lang="en-US" dirty="0">
-                <a:solidFill>
-                  <a:srgbClr val="000000"/>
-                </a:solidFill>
-                <a:effectLst/>
-                <a:latin typeface="Helvetica" pitchFamily="2" charset="0"/>
-              </a:rPr>
-              <a:t>/mc_drellyan_LH2_M027_S002_messy_occ_pTxFweight_v2.root</a:t>
-            </a:r>
-          </a:p>
-          <a:p>
-            <a:pPr marL="1200150" lvl="2" indent="-285750">
-              <a:buFont typeface="Arial" panose="020B0604020202020204" pitchFamily="34" charset="0"/>
-              <a:buChar char="•"/>
-            </a:pPr>
-            <a:r>
-              <a:rPr lang="en-US" dirty="0">
-                <a:solidFill>
-                  <a:srgbClr val="000000"/>
-                </a:solidFill>
-                <a:effectLst/>
-                <a:latin typeface="Helvetica" pitchFamily="2" charset="0"/>
-              </a:rPr>
-              <a:t>J/</a:t>
-            </a:r>
-            <a:r>
-              <a:rPr lang="el-GR" dirty="0">
-                <a:solidFill>
-                  <a:srgbClr val="000000"/>
-                </a:solidFill>
-                <a:effectLst/>
-                <a:latin typeface="Helvetica" pitchFamily="2" charset="0"/>
-              </a:rPr>
-              <a:t>ψ: </a:t>
-            </a:r>
-            <a:r>
-              <a:rPr lang="en-US" dirty="0" err="1">
-                <a:solidFill>
-                  <a:srgbClr val="000000"/>
-                </a:solidFill>
-                <a:effectLst/>
-                <a:latin typeface="Helvetica" pitchFamily="2" charset="0"/>
-              </a:rPr>
-              <a:t>chleung</a:t>
-            </a:r>
-            <a:r>
-              <a:rPr lang="en-US" dirty="0">
-                <a:solidFill>
-                  <a:srgbClr val="000000"/>
-                </a:solidFill>
-                <a:effectLst/>
-                <a:latin typeface="Helvetica" pitchFamily="2" charset="0"/>
-              </a:rPr>
-              <a:t>/</a:t>
-            </a:r>
-            <a:r>
-              <a:rPr lang="en-US" dirty="0" err="1">
-                <a:solidFill>
-                  <a:srgbClr val="000000"/>
-                </a:solidFill>
-                <a:effectLst/>
-                <a:latin typeface="Helvetica" pitchFamily="2" charset="0"/>
-              </a:rPr>
-              <a:t>pT_ReWeight</a:t>
-            </a:r>
-            <a:r>
-              <a:rPr lang="en-US" dirty="0">
-                <a:solidFill>
-                  <a:srgbClr val="000000"/>
-                </a:solidFill>
-                <a:effectLst/>
-                <a:latin typeface="Helvetica" pitchFamily="2" charset="0"/>
-              </a:rPr>
-              <a:t>/mc_jpsi_LH2_M027_S002_messy_occ_pTxFweight_v2.root</a:t>
-            </a:r>
-          </a:p>
-          <a:p>
-            <a:pPr marL="1200150" lvl="2" indent="-285750">
-              <a:buFont typeface="Arial" panose="020B0604020202020204" pitchFamily="34" charset="0"/>
-              <a:buChar char="•"/>
-            </a:pPr>
-            <a:r>
-              <a:rPr lang="el-GR" dirty="0">
-                <a:solidFill>
-                  <a:srgbClr val="000000"/>
-                </a:solidFill>
-                <a:effectLst/>
-                <a:latin typeface="Helvetica" pitchFamily="2" charset="0"/>
-              </a:rPr>
-              <a:t>ψ′: </a:t>
-            </a:r>
-            <a:r>
-              <a:rPr lang="en-US" dirty="0" err="1">
-                <a:solidFill>
-                  <a:srgbClr val="000000"/>
-                </a:solidFill>
-                <a:effectLst/>
-                <a:latin typeface="Helvetica" pitchFamily="2" charset="0"/>
-              </a:rPr>
-              <a:t>chleung</a:t>
-            </a:r>
-            <a:r>
-              <a:rPr lang="en-US" dirty="0">
-                <a:solidFill>
-                  <a:srgbClr val="000000"/>
-                </a:solidFill>
-                <a:effectLst/>
-                <a:latin typeface="Helvetica" pitchFamily="2" charset="0"/>
-              </a:rPr>
-              <a:t>/</a:t>
-            </a:r>
-            <a:r>
-              <a:rPr lang="en-US" dirty="0" err="1">
-                <a:solidFill>
-                  <a:srgbClr val="000000"/>
-                </a:solidFill>
-                <a:effectLst/>
-                <a:latin typeface="Helvetica" pitchFamily="2" charset="0"/>
-              </a:rPr>
-              <a:t>pT_ReWeight</a:t>
-            </a:r>
-            <a:r>
-              <a:rPr lang="en-US" dirty="0">
-                <a:solidFill>
-                  <a:srgbClr val="000000"/>
-                </a:solidFill>
-                <a:effectLst/>
-                <a:latin typeface="Helvetica" pitchFamily="2" charset="0"/>
-              </a:rPr>
-              <a:t>/mc_psiprime_LH2_M027_S002_messy_occ_pTxFweight_v2.root</a:t>
-            </a:r>
-          </a:p>
-          <a:p>
-            <a:pPr marL="1200150" lvl="2" indent="-285750">
-              <a:buFont typeface="Arial" panose="020B0604020202020204" pitchFamily="34" charset="0"/>
-              <a:buChar char="•"/>
-            </a:pPr>
-            <a:endParaRPr lang="en-US" dirty="0">
-              <a:solidFill>
-                <a:srgbClr val="000000"/>
-              </a:solidFill>
-              <a:latin typeface="Helvetica" pitchFamily="2" charset="0"/>
-            </a:endParaRPr>
-          </a:p>
-          <a:p>
-            <a:pPr marL="742950" lvl="1" indent="-285750">
-              <a:buFont typeface="Arial" panose="020B0604020202020204" pitchFamily="34" charset="0"/>
-              <a:buChar char="•"/>
-            </a:pPr>
-            <a:r>
-              <a:rPr lang="en-US" dirty="0">
-                <a:solidFill>
-                  <a:srgbClr val="000000"/>
-                </a:solidFill>
-                <a:effectLst/>
-                <a:latin typeface="Helvetica" pitchFamily="2" charset="0"/>
-              </a:rPr>
-              <a:t>Theory Curves (NLO):</a:t>
-            </a:r>
-          </a:p>
-          <a:p>
-            <a:pPr marL="1200150" lvl="2" indent="-285750">
-              <a:buFont typeface="Arial" panose="020B0604020202020204" pitchFamily="34" charset="0"/>
-              <a:buChar char="•"/>
-            </a:pPr>
-            <a:r>
-              <a:rPr lang="en-US" dirty="0">
-                <a:solidFill>
-                  <a:srgbClr val="000000"/>
-                </a:solidFill>
-                <a:latin typeface="Helvetica" pitchFamily="2" charset="0"/>
-              </a:rPr>
-              <a:t>CT18:</a:t>
-            </a:r>
-          </a:p>
-          <a:p>
-            <a:pPr marL="1657350" lvl="3" indent="-285750">
-              <a:buFont typeface="Arial" panose="020B0604020202020204" pitchFamily="34" charset="0"/>
-              <a:buChar char="•"/>
-            </a:pPr>
-            <a:r>
-              <a:rPr lang="en-US" dirty="0" err="1"/>
-              <a:t>chleung</a:t>
-            </a:r>
-            <a:r>
-              <a:rPr lang="en-US" dirty="0"/>
-              <a:t>/theory/new/v2/E906/NNPDF40_xFnew_p.root</a:t>
-            </a:r>
-          </a:p>
-          <a:p>
-            <a:pPr marL="1200150" lvl="2" indent="-285750">
-              <a:buFont typeface="Arial" panose="020B0604020202020204" pitchFamily="34" charset="0"/>
-              <a:buChar char="•"/>
-            </a:pPr>
-            <a:r>
-              <a:rPr lang="en-US" dirty="0">
-                <a:solidFill>
-                  <a:srgbClr val="000000"/>
-                </a:solidFill>
-                <a:effectLst/>
-                <a:latin typeface="Helvetica" pitchFamily="2" charset="0"/>
-              </a:rPr>
-              <a:t>NNPDF40:</a:t>
-            </a:r>
-          </a:p>
-          <a:p>
-            <a:pPr marL="1657350" lvl="3" indent="-285750">
-              <a:buFont typeface="Arial" panose="020B0604020202020204" pitchFamily="34" charset="0"/>
-              <a:buChar char="•"/>
-            </a:pPr>
-            <a:r>
-              <a:rPr lang="en-US" dirty="0" err="1"/>
-              <a:t>chleung</a:t>
-            </a:r>
-            <a:r>
-              <a:rPr lang="en-US" dirty="0"/>
-              <a:t>/theory/new/v2/E906/CT18_xFnew_p.root</a:t>
-            </a:r>
-            <a:br>
-              <a:rPr lang="en-US" dirty="0">
-                <a:solidFill>
-                  <a:srgbClr val="000000"/>
-                </a:solidFill>
-                <a:effectLst/>
-                <a:latin typeface="Helvetica" pitchFamily="2" charset="0"/>
-              </a:rPr>
-            </a:br>
-            <a:endParaRPr lang="en-US" dirty="0">
-              <a:solidFill>
-                <a:srgbClr val="000000"/>
-              </a:solidFill>
-              <a:effectLst/>
-              <a:latin typeface="Helvetica" pitchFamily="2" charset="0"/>
-            </a:endParaRPr>
-          </a:p>
-          <a:p>
-            <a:pPr marL="742950" lvl="1" indent="-285750">
-              <a:buFont typeface="Arial" panose="020B0604020202020204" pitchFamily="34" charset="0"/>
-              <a:buChar char="•"/>
-            </a:pPr>
-            <a:r>
-              <a:rPr lang="en-US" dirty="0">
-                <a:solidFill>
-                  <a:srgbClr val="000000"/>
-                </a:solidFill>
-                <a:latin typeface="Helvetica" pitchFamily="2" charset="0"/>
-              </a:rPr>
-              <a:t>Weights used: </a:t>
-            </a:r>
-          </a:p>
-          <a:p>
-            <a:pPr marL="1200150" lvl="2" indent="-285750">
-              <a:buFont typeface="Arial" panose="020B0604020202020204" pitchFamily="34" charset="0"/>
-              <a:buChar char="•"/>
-            </a:pPr>
-            <a:r>
-              <a:rPr lang="en-US" dirty="0">
-                <a:solidFill>
-                  <a:srgbClr val="000000"/>
-                </a:solidFill>
-                <a:latin typeface="Helvetica" pitchFamily="2" charset="0"/>
-              </a:rPr>
-              <a:t>M027_S002: J/Psi:`</a:t>
-            </a:r>
-            <a:r>
-              <a:rPr lang="en-US" dirty="0" err="1">
-                <a:solidFill>
-                  <a:srgbClr val="000000"/>
-                </a:solidFill>
-                <a:latin typeface="Helvetica" pitchFamily="2" charset="0"/>
-              </a:rPr>
-              <a:t>ReWeight</a:t>
-            </a:r>
-            <a:r>
-              <a:rPr lang="en-US" dirty="0">
-                <a:solidFill>
-                  <a:srgbClr val="000000"/>
-                </a:solidFill>
-                <a:latin typeface="Helvetica" pitchFamily="2" charset="0"/>
-              </a:rPr>
-              <a:t>` DY: `</a:t>
-            </a:r>
-            <a:r>
-              <a:rPr lang="en-US" dirty="0" err="1">
-                <a:solidFill>
-                  <a:srgbClr val="000000"/>
-                </a:solidFill>
-                <a:latin typeface="Helvetica" pitchFamily="2" charset="0"/>
-              </a:rPr>
-              <a:t>ReWeight</a:t>
-            </a:r>
-            <a:r>
-              <a:rPr lang="en-US" dirty="0">
-                <a:solidFill>
-                  <a:srgbClr val="000000"/>
-                </a:solidFill>
-                <a:latin typeface="Helvetica" pitchFamily="2" charset="0"/>
-              </a:rPr>
-              <a:t>` </a:t>
-            </a:r>
-            <a:r>
-              <a:rPr lang="en-US" dirty="0" err="1">
-                <a:solidFill>
-                  <a:srgbClr val="000000"/>
-                </a:solidFill>
-                <a:latin typeface="Helvetica" pitchFamily="2" charset="0"/>
-              </a:rPr>
-              <a:t>PsiP</a:t>
-            </a:r>
-            <a:r>
-              <a:rPr lang="en-US" dirty="0">
-                <a:solidFill>
-                  <a:srgbClr val="000000"/>
-                </a:solidFill>
-                <a:latin typeface="Helvetica" pitchFamily="2" charset="0"/>
-              </a:rPr>
-              <a:t>: `</a:t>
-            </a:r>
-            <a:r>
-              <a:rPr lang="en-US" dirty="0" err="1">
-                <a:solidFill>
-                  <a:srgbClr val="000000"/>
-                </a:solidFill>
-                <a:latin typeface="Helvetica" pitchFamily="2" charset="0"/>
-              </a:rPr>
-              <a:t>ReWeight</a:t>
-            </a:r>
-            <a:r>
-              <a:rPr lang="en-US" dirty="0">
-                <a:solidFill>
-                  <a:srgbClr val="000000"/>
-                </a:solidFill>
-                <a:latin typeface="Helvetica" pitchFamily="2" charset="0"/>
-              </a:rPr>
-              <a:t>`</a:t>
-            </a:r>
-          </a:p>
-          <a:p>
-            <a:pPr marL="1657350" lvl="3" indent="-285750">
-              <a:buFont typeface="Arial" panose="020B0604020202020204" pitchFamily="34" charset="0"/>
-              <a:buChar char="•"/>
-            </a:pPr>
-            <a:endParaRPr lang="en-US" dirty="0">
-              <a:solidFill>
-                <a:srgbClr val="000000"/>
-              </a:solidFill>
-              <a:latin typeface="Helvetica" pitchFamily="2" charset="0"/>
-            </a:endParaRPr>
-          </a:p>
-        </p:txBody>
-      </p:sp>
-      <mc:AlternateContent xmlns:mc="http://schemas.openxmlformats.org/markup-compatibility/2006">
-        <mc:Choice xmlns:a14="http://schemas.microsoft.com/office/drawing/2010/main" Requires="a14">
-          <p:sp>
-            <p:nvSpPr>
-              <p:cNvPr id="6" name="TextBox 5">
-                <a:extLst>
-                  <a:ext uri="{FF2B5EF4-FFF2-40B4-BE49-F238E27FC236}">
-                    <a16:creationId xmlns:a16="http://schemas.microsoft.com/office/drawing/2014/main" id="{A6C081C8-5946-8E90-AF18-21DBA5E88F0A}"/>
-                  </a:ext>
-                </a:extLst>
-              </p:cNvPr>
-              <p:cNvSpPr txBox="1"/>
-              <p:nvPr/>
-            </p:nvSpPr>
-            <p:spPr>
-              <a:xfrm>
-                <a:off x="7982143" y="4575168"/>
-                <a:ext cx="3557256" cy="646331"/>
-              </a:xfrm>
-              <a:prstGeom prst="rect">
-                <a:avLst/>
-              </a:prstGeom>
-              <a:noFill/>
-            </p:spPr>
-            <p:txBody>
-              <a:bodyPr wrap="none" rtlCol="0">
-                <a:spAutoFit/>
-              </a:bodyPr>
-              <a:lstStyle/>
-              <a:p>
-                <a:pPr marL="285750" indent="-285750">
-                  <a:buFont typeface="Arial" panose="020B0604020202020204" pitchFamily="34" charset="0"/>
-                  <a:buChar char="•"/>
-                </a:pPr>
-                <a:r>
-                  <a:rPr lang="en-US" dirty="0"/>
-                  <a:t>Live POT: </a:t>
-                </a:r>
-                <a14:m>
-                  <m:oMath xmlns:m="http://schemas.openxmlformats.org/officeDocument/2006/math">
-                    <m:r>
-                      <a:rPr lang="en-US" b="0" i="1" smtClean="0">
-                        <a:latin typeface="Cambria Math" panose="02040503050406030204" pitchFamily="18" charset="0"/>
-                      </a:rPr>
-                      <m:t>2.87305×</m:t>
-                    </m:r>
-                    <m:sSup>
-                      <m:sSupPr>
-                        <m:ctrlPr>
-                          <a:rPr lang="en-US" b="0" i="1" smtClean="0">
-                            <a:latin typeface="Cambria Math" panose="02040503050406030204" pitchFamily="18" charset="0"/>
-                          </a:rPr>
-                        </m:ctrlPr>
-                      </m:sSupPr>
-                      <m:e>
-                        <m:r>
-                          <a:rPr lang="en-US" b="0" i="1" smtClean="0">
-                            <a:latin typeface="Cambria Math" panose="02040503050406030204" pitchFamily="18" charset="0"/>
-                          </a:rPr>
-                          <m:t>10</m:t>
-                        </m:r>
-                      </m:e>
-                      <m:sup>
-                        <m:r>
-                          <a:rPr lang="en-US" b="0" i="1" smtClean="0">
-                            <a:latin typeface="Cambria Math" panose="02040503050406030204" pitchFamily="18" charset="0"/>
-                          </a:rPr>
-                          <m:t>17</m:t>
-                        </m:r>
-                      </m:sup>
-                    </m:sSup>
-                  </m:oMath>
-                </a14:m>
-                <a:endParaRPr lang="en-US" dirty="0"/>
-              </a:p>
-              <a:p>
-                <a:pPr marL="285750" indent="-285750">
-                  <a:buFont typeface="Arial" panose="020B0604020202020204" pitchFamily="34" charset="0"/>
-                  <a:buChar char="•"/>
-                </a:pPr>
-                <a:r>
-                  <a:rPr lang="en-US" dirty="0"/>
-                  <a:t>Empty Flask POT: </a:t>
-                </a:r>
-                <a14:m>
-                  <m:oMath xmlns:m="http://schemas.openxmlformats.org/officeDocument/2006/math">
-                    <m:r>
-                      <a:rPr lang="en-US" b="0" i="1" smtClean="0">
-                        <a:latin typeface="Cambria Math" panose="02040503050406030204" pitchFamily="18" charset="0"/>
-                      </a:rPr>
-                      <m:t>5.78261×</m:t>
-                    </m:r>
-                    <m:sSup>
-                      <m:sSupPr>
-                        <m:ctrlPr>
-                          <a:rPr lang="en-US" b="0" i="1" smtClean="0">
-                            <a:latin typeface="Cambria Math" panose="02040503050406030204" pitchFamily="18" charset="0"/>
-                          </a:rPr>
-                        </m:ctrlPr>
-                      </m:sSupPr>
-                      <m:e>
-                        <m:r>
-                          <a:rPr lang="en-US" b="0" i="1" smtClean="0">
-                            <a:latin typeface="Cambria Math" panose="02040503050406030204" pitchFamily="18" charset="0"/>
-                          </a:rPr>
-                          <m:t>10</m:t>
-                        </m:r>
-                      </m:e>
-                      <m:sup>
-                        <m:r>
-                          <a:rPr lang="en-US" b="0" i="1" smtClean="0">
-                            <a:latin typeface="Cambria Math" panose="02040503050406030204" pitchFamily="18" charset="0"/>
-                          </a:rPr>
-                          <m:t>16</m:t>
-                        </m:r>
-                      </m:sup>
-                    </m:sSup>
-                  </m:oMath>
-                </a14:m>
-                <a:endParaRPr lang="en-US" dirty="0"/>
-              </a:p>
-            </p:txBody>
-          </p:sp>
-        </mc:Choice>
-        <mc:Fallback>
-          <p:sp>
-            <p:nvSpPr>
-              <p:cNvPr id="6" name="TextBox 5">
-                <a:extLst>
-                  <a:ext uri="{FF2B5EF4-FFF2-40B4-BE49-F238E27FC236}">
-                    <a16:creationId xmlns:a16="http://schemas.microsoft.com/office/drawing/2014/main" id="{A6C081C8-5946-8E90-AF18-21DBA5E88F0A}"/>
-                  </a:ext>
-                </a:extLst>
-              </p:cNvPr>
-              <p:cNvSpPr txBox="1">
-                <a:spLocks noRot="1" noChangeAspect="1" noMove="1" noResize="1" noEditPoints="1" noAdjustHandles="1" noChangeArrowheads="1" noChangeShapeType="1" noTextEdit="1"/>
-              </p:cNvSpPr>
-              <p:nvPr/>
-            </p:nvSpPr>
-            <p:spPr>
-              <a:xfrm>
-                <a:off x="7982143" y="4575168"/>
-                <a:ext cx="3557256" cy="646331"/>
-              </a:xfrm>
-              <a:prstGeom prst="rect">
-                <a:avLst/>
-              </a:prstGeom>
-              <a:blipFill>
-                <a:blip r:embed="rId3"/>
-                <a:stretch>
-                  <a:fillRect l="-1068" t="-3846" r="-1423" b="-13462"/>
-                </a:stretch>
-              </a:blipFill>
-            </p:spPr>
-            <p:txBody>
-              <a:bodyPr/>
-              <a:lstStyle/>
-              <a:p>
-                <a:r>
-                  <a:rPr lang="en-US">
-                    <a:noFill/>
-                  </a:rPr>
-                  <a:t> </a:t>
-                </a:r>
-              </a:p>
-            </p:txBody>
-          </p:sp>
-        </mc:Fallback>
-      </mc:AlternateContent>
-    </p:spTree>
-    <p:extLst>
-      <p:ext uri="{BB962C8B-B14F-4D97-AF65-F5344CB8AC3E}">
-        <p14:creationId xmlns:p14="http://schemas.microsoft.com/office/powerpoint/2010/main" val="1505188122"/>
-      </p:ext>
-    </p:extLst>
-  </p:cSld>
-  <p:clrMapOvr>
-    <a:masterClrMapping/>
-  </p:clrMapOvr>
-</p:sld>
-</file>
-
-<file path=ppt/slides/slide6.xml><?xml version="1.0" encoding="utf-8"?>
+<file path=ppt/slides/slide10.xml><?xml version="1.0" encoding="utf-8"?>
 <p:sld xmlns:a="http://schemas.openxmlformats.org/drawingml/2006/main" xmlns:r="http://schemas.openxmlformats.org/officeDocument/2006/relationships" xmlns:p="http://schemas.openxmlformats.org/presentationml/2006/main">
   <p:cSld>
     <p:spTree>
@@ -5563,7 +4344,7 @@
         <p:cNvPr id="1" name="">
           <a:extLst>
             <a:ext uri="{FF2B5EF4-FFF2-40B4-BE49-F238E27FC236}">
-              <a16:creationId xmlns:a16="http://schemas.microsoft.com/office/drawing/2014/main" id="{3C06B395-DC93-BDA1-6D2B-394D5B9E4E4E}"/>
+              <a16:creationId xmlns:a16="http://schemas.microsoft.com/office/drawing/2014/main" id="{B6F48203-8D4F-FBB5-5098-527E2DCE3D03}"/>
             </a:ext>
           </a:extLst>
         </p:cNvPr>
@@ -5578,161 +4359,99 @@
           <a:chExt cx="0" cy="0"/>
         </a:xfrm>
       </p:grpSpPr>
-      <mc:AlternateContent xmlns:mc="http://schemas.openxmlformats.org/markup-compatibility/2006">
-        <mc:Choice xmlns:a14="http://schemas.microsoft.com/office/drawing/2010/main" Requires="a14">
-          <p:sp>
-            <p:nvSpPr>
-              <p:cNvPr id="2" name="Title 1">
-                <a:extLst>
-                  <a:ext uri="{FF2B5EF4-FFF2-40B4-BE49-F238E27FC236}">
-                    <a16:creationId xmlns:a16="http://schemas.microsoft.com/office/drawing/2014/main" id="{376009B5-78F1-9EAC-F070-F95DAEEC5C1A}"/>
-                  </a:ext>
-                </a:extLst>
-              </p:cNvPr>
-              <p:cNvSpPr>
-                <a:spLocks noGrp="1"/>
-              </p:cNvSpPr>
-              <p:nvPr>
-                <p:ph type="title"/>
-              </p:nvPr>
-            </p:nvSpPr>
-            <p:spPr/>
-            <p:txBody>
-              <a:bodyPr/>
-              <a:lstStyle/>
-              <a:p>
-                <a:r>
-                  <a:rPr lang="en-US" dirty="0"/>
-                  <a:t>Additional Studies of </a:t>
-                </a:r>
-                <a14:m>
-                  <m:oMath xmlns:m="http://schemas.openxmlformats.org/officeDocument/2006/math">
-                    <m:r>
-                      <a:rPr lang="en-US" i="1" dirty="0" smtClean="0">
-                        <a:latin typeface="Cambria Math" panose="02040503050406030204" pitchFamily="18" charset="0"/>
-                      </a:rPr>
-                      <m:t>𝜓</m:t>
-                    </m:r>
-                    <m:r>
-                      <a:rPr lang="en-US" b="0" i="1" dirty="0" smtClean="0">
-                        <a:latin typeface="Cambria Math" panose="02040503050406030204" pitchFamily="18" charset="0"/>
-                      </a:rPr>
-                      <m:t>′</m:t>
-                    </m:r>
-                  </m:oMath>
-                </a14:m>
-                <a:r>
-                  <a:rPr lang="en-US" dirty="0"/>
-                  <a:t> Contamination</a:t>
-                </a:r>
-              </a:p>
-            </p:txBody>
-          </p:sp>
-        </mc:Choice>
-        <mc:Fallback>
-          <p:sp>
-            <p:nvSpPr>
-              <p:cNvPr id="2" name="Title 1">
-                <a:extLst>
-                  <a:ext uri="{FF2B5EF4-FFF2-40B4-BE49-F238E27FC236}">
-                    <a16:creationId xmlns:a16="http://schemas.microsoft.com/office/drawing/2014/main" id="{376009B5-78F1-9EAC-F070-F95DAEEC5C1A}"/>
-                  </a:ext>
-                </a:extLst>
-              </p:cNvPr>
-              <p:cNvSpPr>
-                <a:spLocks noGrp="1" noRot="1" noChangeAspect="1" noMove="1" noResize="1" noEditPoints="1" noAdjustHandles="1" noChangeArrowheads="1" noChangeShapeType="1" noTextEdit="1"/>
-              </p:cNvSpPr>
-              <p:nvPr>
-                <p:ph type="title"/>
-              </p:nvPr>
-            </p:nvSpPr>
-            <p:spPr>
-              <a:blipFill>
-                <a:blip r:embed="rId2"/>
-                <a:stretch>
-                  <a:fillRect l="-2413"/>
-                </a:stretch>
-              </a:blipFill>
-            </p:spPr>
-            <p:txBody>
-              <a:bodyPr/>
-              <a:lstStyle/>
-              <a:p>
-                <a:r>
-                  <a:rPr lang="en-US">
-                    <a:noFill/>
-                  </a:rPr>
-                  <a:t> </a:t>
-                </a:r>
-              </a:p>
-            </p:txBody>
-          </p:sp>
-        </mc:Fallback>
-      </mc:AlternateContent>
-      <p:sp>
-        <p:nvSpPr>
-          <p:cNvPr id="4" name="Date Placeholder 3">
-            <a:extLst>
-              <a:ext uri="{FF2B5EF4-FFF2-40B4-BE49-F238E27FC236}">
-                <a16:creationId xmlns:a16="http://schemas.microsoft.com/office/drawing/2014/main" id="{68A8BACF-C5DB-4E89-9103-083B3E9C767C}"/>
-              </a:ext>
-            </a:extLst>
-          </p:cNvPr>
-          <p:cNvSpPr>
-            <a:spLocks noGrp="1"/>
-          </p:cNvSpPr>
-          <p:nvPr>
-            <p:ph type="dt" sz="half" idx="10"/>
-          </p:nvPr>
-        </p:nvSpPr>
-        <p:spPr/>
-        <p:txBody>
-          <a:bodyPr/>
-          <a:lstStyle/>
-          <a:p>
-            <a:fld id="{3B9977D7-0EE6-4641-8458-2B150046FE11}" type="datetime1">
-              <a:rPr lang="en-US" smtClean="0"/>
-              <a:t>8/15/25</a:t>
-            </a:fld>
-            <a:endParaRPr lang="en-US"/>
-          </a:p>
-        </p:txBody>
-      </p:sp>
-      <p:sp>
-        <p:nvSpPr>
-          <p:cNvPr id="5" name="Slide Number Placeholder 4">
-            <a:extLst>
-              <a:ext uri="{FF2B5EF4-FFF2-40B4-BE49-F238E27FC236}">
-                <a16:creationId xmlns:a16="http://schemas.microsoft.com/office/drawing/2014/main" id="{C9E6FDA9-D1B0-086F-ED3C-7DA54B6EB9DE}"/>
-              </a:ext>
-            </a:extLst>
-          </p:cNvPr>
-          <p:cNvSpPr>
-            <a:spLocks noGrp="1"/>
-          </p:cNvSpPr>
-          <p:nvPr>
-            <p:ph type="sldNum" sz="quarter" idx="12"/>
-          </p:nvPr>
-        </p:nvSpPr>
-        <p:spPr/>
-        <p:txBody>
-          <a:bodyPr/>
-          <a:lstStyle/>
-          <a:p>
-            <a:fld id="{8017FDCA-9457-E54C-8F9D-F4CD5ABC5619}" type="slidenum">
-              <a:rPr lang="en-US" smtClean="0"/>
-              <a:t>6</a:t>
-            </a:fld>
-            <a:endParaRPr lang="en-US"/>
-          </a:p>
-        </p:txBody>
-      </p:sp>
-      <p:sp>
-        <p:nvSpPr>
-          <p:cNvPr id="7" name="TextBox 6">
-            <a:extLst>
-              <a:ext uri="{FF2B5EF4-FFF2-40B4-BE49-F238E27FC236}">
-                <a16:creationId xmlns:a16="http://schemas.microsoft.com/office/drawing/2014/main" id="{EEB88693-CE10-032E-7F62-0AAF5AB64286}"/>
+      <p:sp>
+        <p:nvSpPr>
+          <p:cNvPr id="17" name="Title 1">
+            <a:extLst>
+              <a:ext uri="{FF2B5EF4-FFF2-40B4-BE49-F238E27FC236}">
+                <a16:creationId xmlns:a16="http://schemas.microsoft.com/office/drawing/2014/main" id="{5FCED0BA-F445-52BE-A5C3-537B50C7A3AF}"/>
+              </a:ext>
+            </a:extLst>
+          </p:cNvPr>
+          <p:cNvSpPr txBox="1">
+            <a:spLocks/>
+          </p:cNvSpPr>
+          <p:nvPr/>
+        </p:nvSpPr>
+        <p:spPr>
+          <a:xfrm>
+            <a:off x="109782" y="0"/>
+            <a:ext cx="10515600" cy="765313"/>
+          </a:xfrm>
+          <a:prstGeom prst="rect">
+            <a:avLst/>
+          </a:prstGeom>
+        </p:spPr>
+        <p:txBody>
+          <a:bodyPr vert="horz" lIns="91440" tIns="45720" rIns="91440" bIns="45720" rtlCol="0" anchor="b">
+            <a:normAutofit/>
+          </a:bodyPr>
+          <a:lstStyle>
+            <a:lvl1pPr algn="ctr" defTabSz="914400" rtl="0" eaLnBrk="1" latinLnBrk="0" hangingPunct="1">
+              <a:lnSpc>
+                <a:spcPct val="90000"/>
+              </a:lnSpc>
+              <a:spcBef>
+                <a:spcPct val="0"/>
+              </a:spcBef>
+              <a:buNone/>
+              <a:defRPr sz="6000" kern="1200">
+                <a:solidFill>
+                  <a:schemeClr val="tx1"/>
+                </a:solidFill>
+                <a:latin typeface="+mj-lt"/>
+                <a:ea typeface="+mj-ea"/>
+                <a:cs typeface="+mj-cs"/>
+              </a:defRPr>
+            </a:lvl1pPr>
+          </a:lstStyle>
+          <a:p>
+            <a:pPr algn="l"/>
+            <a:r>
+              <a:rPr lang="en-US" sz="4000" dirty="0">
+                <a:cs typeface="Arial" panose="020B0604020202020204" pitchFamily="34" charset="0"/>
+              </a:rPr>
+              <a:t>NMSU Mix Vs RS-67 Flask</a:t>
+            </a:r>
+          </a:p>
+        </p:txBody>
+      </p:sp>
+      <p:pic>
+        <p:nvPicPr>
+          <p:cNvPr id="5" name="Picture 4" descr="A graph of a mixture&#10;&#10;AI-generated content may be incorrect.">
+            <a:extLst>
+              <a:ext uri="{FF2B5EF4-FFF2-40B4-BE49-F238E27FC236}">
+                <a16:creationId xmlns:a16="http://schemas.microsoft.com/office/drawing/2014/main" id="{5D53C7ED-355F-3826-FEED-9C511C7663DA}"/>
+              </a:ext>
+            </a:extLst>
+          </p:cNvPr>
+          <p:cNvPicPr>
+            <a:picLocks noChangeAspect="1"/>
+          </p:cNvPicPr>
+          <p:nvPr/>
+        </p:nvPicPr>
+        <p:blipFill>
+          <a:blip r:embed="rId3"/>
+          <a:stretch>
+            <a:fillRect/>
+          </a:stretch>
+        </p:blipFill>
+        <p:spPr>
+          <a:xfrm>
+            <a:off x="6157356" y="1164059"/>
+            <a:ext cx="6034644" cy="4090091"/>
+          </a:xfrm>
+          <a:prstGeom prst="rect">
+            <a:avLst/>
+          </a:prstGeom>
+        </p:spPr>
+      </p:pic>
+      <p:sp>
+        <p:nvSpPr>
+          <p:cNvPr id="11" name="TextBox 10">
+            <a:extLst>
+              <a:ext uri="{FF2B5EF4-FFF2-40B4-BE49-F238E27FC236}">
+                <a16:creationId xmlns:a16="http://schemas.microsoft.com/office/drawing/2014/main" id="{B6D447BF-C5C6-5C35-B62F-AD155C4951F2}"/>
               </a:ext>
             </a:extLst>
           </p:cNvPr>
@@ -5741,8 +4460,8 @@
         </p:nvSpPr>
         <p:spPr>
           <a:xfrm>
-            <a:off x="98544" y="1593477"/>
-            <a:ext cx="12093456" cy="5632311"/>
+            <a:off x="6268273" y="5250419"/>
+            <a:ext cx="5812810" cy="246221"/>
           </a:xfrm>
           <a:prstGeom prst="rect">
             <a:avLst/>
@@ -5750,361 +4469,147 @@
           <a:noFill/>
         </p:spPr>
         <p:txBody>
-          <a:bodyPr wrap="square">
+          <a:bodyPr wrap="none" rtlCol="0">
             <a:spAutoFit/>
           </a:bodyPr>
           <a:lstStyle/>
           <a:p>
-            <a:pPr marL="285750" indent="-285750">
-              <a:buFont typeface="Arial" panose="020B0604020202020204" pitchFamily="34" charset="0"/>
-              <a:buChar char="•"/>
-            </a:pPr>
-            <a:r>
-              <a:rPr lang="en-US" b="1" dirty="0"/>
-              <a:t>Main cuts used:</a:t>
-            </a:r>
-          </a:p>
-          <a:p>
-            <a:pPr marL="742950" lvl="1" indent="-285750">
-              <a:buFont typeface="Arial" panose="020B0604020202020204" pitchFamily="34" charset="0"/>
-              <a:buChar char="•"/>
-            </a:pPr>
-            <a:r>
-              <a:rPr lang="en-US" dirty="0" err="1"/>
-              <a:t>TCut</a:t>
-            </a:r>
-            <a:r>
-              <a:rPr lang="en-US" dirty="0"/>
-              <a:t> </a:t>
-            </a:r>
-            <a:r>
-              <a:rPr lang="en-US" dirty="0" err="1"/>
-              <a:t>dataCut</a:t>
-            </a:r>
-            <a:r>
-              <a:rPr lang="en-US" dirty="0"/>
-              <a:t> = physicsCuts_noMassCut_2111v42_tmp &amp;&amp; </a:t>
-            </a:r>
-            <a:r>
-              <a:rPr lang="en-US" dirty="0" err="1"/>
-              <a:t>occCut</a:t>
-            </a:r>
-            <a:r>
-              <a:rPr lang="en-US" dirty="0"/>
-              <a:t> &amp;&amp; intensityCuts_2111v42 &amp;&amp; "mass&lt;8.8";</a:t>
-            </a:r>
-          </a:p>
-          <a:p>
-            <a:pPr marL="285750" indent="-285750">
-              <a:buFont typeface="Arial" panose="020B0604020202020204" pitchFamily="34" charset="0"/>
-              <a:buChar char="•"/>
-            </a:pPr>
+            <a:r>
+              <a:rPr lang="en-US" sz="1000" dirty="0"/>
+              <a:t>Comparison between NMSU mix Vs RS-67 flask mix spectra (after event selection and area normalized)</a:t>
+            </a:r>
+          </a:p>
+        </p:txBody>
+      </p:sp>
+      <p:sp>
+        <p:nvSpPr>
+          <p:cNvPr id="12" name="TextBox 11">
+            <a:extLst>
+              <a:ext uri="{FF2B5EF4-FFF2-40B4-BE49-F238E27FC236}">
+                <a16:creationId xmlns:a16="http://schemas.microsoft.com/office/drawing/2014/main" id="{D89F7C60-CB15-A68A-7E76-D8A9241BF1EB}"/>
+              </a:ext>
+            </a:extLst>
+          </p:cNvPr>
+          <p:cNvSpPr txBox="1"/>
+          <p:nvPr/>
+        </p:nvSpPr>
+        <p:spPr>
+          <a:xfrm>
+            <a:off x="763470" y="5250420"/>
+            <a:ext cx="4679486" cy="246221"/>
+          </a:xfrm>
+          <a:prstGeom prst="rect">
+            <a:avLst/>
+          </a:prstGeom>
+          <a:noFill/>
+        </p:spPr>
+        <p:txBody>
+          <a:bodyPr wrap="none" rtlCol="0">
+            <a:spAutoFit/>
+          </a:bodyPr>
+          <a:lstStyle/>
+          <a:p>
+            <a:r>
+              <a:rPr lang="en-US" sz="1000" dirty="0"/>
+              <a:t>Comparison between NMSU mix Vs RS-67 flask mix spectra (after event selection)</a:t>
+            </a:r>
+          </a:p>
+        </p:txBody>
+      </p:sp>
+      <p:sp>
+        <p:nvSpPr>
+          <p:cNvPr id="16" name="Date Placeholder 3">
+            <a:extLst>
+              <a:ext uri="{FF2B5EF4-FFF2-40B4-BE49-F238E27FC236}">
+                <a16:creationId xmlns:a16="http://schemas.microsoft.com/office/drawing/2014/main" id="{54CEAB8C-F31B-0D3C-CCD2-E5809FEC7E71}"/>
+              </a:ext>
+            </a:extLst>
+          </p:cNvPr>
+          <p:cNvSpPr>
+            <a:spLocks noGrp="1"/>
+          </p:cNvSpPr>
+          <p:nvPr>
+            <p:ph type="dt" sz="half" idx="10"/>
+          </p:nvPr>
+        </p:nvSpPr>
+        <p:spPr>
+          <a:xfrm>
+            <a:off x="832262" y="6445415"/>
+            <a:ext cx="2743200" cy="365125"/>
+          </a:xfrm>
+        </p:spPr>
+        <p:txBody>
+          <a:bodyPr/>
+          <a:lstStyle/>
+          <a:p>
+            <a:fld id="{3B9977D7-0EE6-4641-8458-2B150046FE11}" type="datetime1">
+              <a:rPr lang="en-US" smtClean="0"/>
+              <a:t>8/19/25</a:t>
+            </a:fld>
             <a:endParaRPr lang="en-US" dirty="0"/>
           </a:p>
-          <a:p>
-            <a:pPr marL="742950" lvl="1" indent="-285750">
-              <a:buFont typeface="Arial" panose="020B0604020202020204" pitchFamily="34" charset="0"/>
-              <a:buChar char="•"/>
-            </a:pPr>
-            <a:r>
-              <a:rPr lang="en-US" dirty="0" err="1"/>
-              <a:t>TCut</a:t>
-            </a:r>
-            <a:r>
-              <a:rPr lang="en-US" dirty="0"/>
-              <a:t> MCCut = chuckCutsPositive_2111v42_tmp &amp;&amp; chuckCutsNegative_2111v42_tmp &amp;&amp; chuckCutsDimuon_2111v42 &amp;&amp; physicsCuts_noMassCut_2111v42_tmp &amp;&amp; </a:t>
-            </a:r>
-            <a:r>
-              <a:rPr lang="en-US" dirty="0" err="1"/>
-              <a:t>occCut</a:t>
-            </a:r>
-            <a:r>
-              <a:rPr lang="en-US" dirty="0"/>
-              <a:t> &amp;&amp; "0.99*mass&lt;8.8";</a:t>
-            </a:r>
-          </a:p>
-          <a:p>
-            <a:pPr marL="285750" indent="-285750">
-              <a:buFont typeface="Arial" panose="020B0604020202020204" pitchFamily="34" charset="0"/>
-              <a:buChar char="•"/>
-            </a:pPr>
-            <a:endParaRPr lang="en-US" dirty="0"/>
-          </a:p>
-          <a:p>
-            <a:pPr marL="742950" lvl="1" indent="-285750">
-              <a:buFont typeface="Arial" panose="020B0604020202020204" pitchFamily="34" charset="0"/>
-              <a:buChar char="•"/>
-            </a:pPr>
-            <a:r>
-              <a:rPr lang="en-US" dirty="0" err="1"/>
-              <a:t>TCut</a:t>
-            </a:r>
-            <a:r>
-              <a:rPr lang="en-US" dirty="0"/>
-              <a:t> </a:t>
-            </a:r>
-            <a:r>
-              <a:rPr lang="en-US" dirty="0" err="1"/>
-              <a:t>mixCut</a:t>
-            </a:r>
-            <a:r>
-              <a:rPr lang="en-US" dirty="0"/>
-              <a:t> = chuckCutsPositive_2111v42_tmp &amp;&amp; chuckCutsNegative_2111v42_tmp &amp;&amp; chuckCutsDimuon_2111v42 &amp;&amp; physicsCuts_noMassCut_2111v42_tmp &amp;&amp; </a:t>
-            </a:r>
-            <a:r>
-              <a:rPr lang="en-US" dirty="0" err="1"/>
-              <a:t>occCut</a:t>
-            </a:r>
-            <a:r>
-              <a:rPr lang="en-US" dirty="0"/>
-              <a:t> &amp;&amp; "mass&lt;8.8";</a:t>
-            </a:r>
-          </a:p>
-          <a:p>
-            <a:pPr marL="742950" lvl="1" indent="-285750">
-              <a:buFont typeface="Arial" panose="020B0604020202020204" pitchFamily="34" charset="0"/>
-              <a:buChar char="•"/>
-            </a:pPr>
-            <a:endParaRPr lang="en-US" dirty="0"/>
-          </a:p>
-          <a:p>
-            <a:pPr marL="285750" indent="-285750">
-              <a:buFont typeface="Arial" panose="020B0604020202020204" pitchFamily="34" charset="0"/>
-              <a:buChar char="•"/>
-            </a:pPr>
-            <a:r>
-              <a:rPr lang="en-US" b="1" dirty="0"/>
-              <a:t>Histograms filled:</a:t>
-            </a:r>
-          </a:p>
-          <a:p>
-            <a:pPr marL="742950" lvl="1" indent="-285750">
-              <a:buFont typeface="Arial" panose="020B0604020202020204" pitchFamily="34" charset="0"/>
-              <a:buChar char="•"/>
-            </a:pPr>
-            <a:r>
-              <a:rPr lang="en-US" dirty="0" err="1"/>
-              <a:t>dataTree</a:t>
-            </a:r>
-            <a:r>
-              <a:rPr lang="en-US" dirty="0"/>
-              <a:t>-&gt;Draw("mass&gt;&gt;h_data",</a:t>
-            </a:r>
-            <a:r>
-              <a:rPr lang="en-US" dirty="0" err="1"/>
-              <a:t>dataCut</a:t>
-            </a:r>
-            <a:r>
-              <a:rPr lang="en-US" dirty="0"/>
-              <a:t>&amp;&amp;</a:t>
-            </a:r>
-            <a:r>
-              <a:rPr lang="en-US" dirty="0" err="1"/>
-              <a:t>TString</a:t>
-            </a:r>
-            <a:r>
-              <a:rPr lang="en-US" dirty="0"/>
-              <a:t>::Format("</a:t>
-            </a:r>
-            <a:r>
-              <a:rPr lang="en-US" dirty="0" err="1"/>
-              <a:t>targetPos</a:t>
-            </a:r>
-            <a:r>
-              <a:rPr lang="en-US" dirty="0"/>
-              <a:t>==%</a:t>
-            </a:r>
-            <a:r>
-              <a:rPr lang="en-US" dirty="0" err="1"/>
-              <a:t>i</a:t>
-            </a:r>
-            <a:r>
-              <a:rPr lang="en-US" dirty="0"/>
-              <a:t>",target), "</a:t>
-            </a:r>
-            <a:r>
-              <a:rPr lang="en-US" dirty="0" err="1"/>
-              <a:t>goff</a:t>
-            </a:r>
-            <a:r>
-              <a:rPr lang="en-US" dirty="0"/>
-              <a:t>"); here: target==1 (LH2)</a:t>
-            </a:r>
-          </a:p>
-          <a:p>
-            <a:pPr marL="742950" lvl="1" indent="-285750">
-              <a:buFont typeface="Arial" panose="020B0604020202020204" pitchFamily="34" charset="0"/>
-              <a:buChar char="•"/>
-            </a:pPr>
-            <a:r>
-              <a:rPr lang="en-US" dirty="0" err="1"/>
-              <a:t>dataTree</a:t>
-            </a:r>
-            <a:r>
-              <a:rPr lang="en-US" dirty="0"/>
-              <a:t>-&gt;Draw("mass&gt;&gt;h_flask",</a:t>
-            </a:r>
-            <a:r>
-              <a:rPr lang="en-US" dirty="0" err="1"/>
-              <a:t>dataCut</a:t>
-            </a:r>
-            <a:r>
-              <a:rPr lang="en-US" dirty="0"/>
-              <a:t>&amp;&amp;</a:t>
-            </a:r>
-            <a:r>
-              <a:rPr lang="en-US" dirty="0" err="1"/>
-              <a:t>TString</a:t>
-            </a:r>
-            <a:r>
-              <a:rPr lang="en-US" dirty="0"/>
-              <a:t>::Format("</a:t>
-            </a:r>
-            <a:r>
-              <a:rPr lang="en-US" dirty="0" err="1"/>
-              <a:t>targetPos</a:t>
-            </a:r>
-            <a:r>
-              <a:rPr lang="en-US" dirty="0"/>
-              <a:t>==%</a:t>
-            </a:r>
-            <a:r>
-              <a:rPr lang="en-US" dirty="0" err="1"/>
-              <a:t>i</a:t>
-            </a:r>
-            <a:r>
-              <a:rPr lang="en-US" dirty="0"/>
-              <a:t>",</a:t>
-            </a:r>
-            <a:r>
-              <a:rPr lang="en-US" dirty="0" err="1"/>
-              <a:t>flaskPos</a:t>
-            </a:r>
-            <a:r>
-              <a:rPr lang="en-US" dirty="0"/>
-              <a:t>),"</a:t>
-            </a:r>
-            <a:r>
-              <a:rPr lang="en-US" dirty="0" err="1"/>
-              <a:t>goff</a:t>
-            </a:r>
-            <a:r>
-              <a:rPr lang="en-US" dirty="0"/>
-              <a:t>"); here: </a:t>
-            </a:r>
-            <a:r>
-              <a:rPr lang="en-US" dirty="0" err="1"/>
-              <a:t>flaskPos</a:t>
-            </a:r>
-            <a:r>
-              <a:rPr lang="en-US" dirty="0"/>
-              <a:t>==2</a:t>
-            </a:r>
-          </a:p>
-          <a:p>
-            <a:pPr marL="742950" lvl="1" indent="-285750">
-              <a:buFont typeface="Arial" panose="020B0604020202020204" pitchFamily="34" charset="0"/>
-              <a:buChar char="•"/>
-            </a:pPr>
-            <a:r>
-              <a:rPr lang="en-US" dirty="0" err="1"/>
-              <a:t>mixTree</a:t>
-            </a:r>
-            <a:r>
-              <a:rPr lang="en-US" dirty="0"/>
-              <a:t>-&gt;Draw("mass&gt;&gt;h_mix",</a:t>
-            </a:r>
-            <a:r>
-              <a:rPr lang="en-US" dirty="0" err="1"/>
-              <a:t>mixCut</a:t>
-            </a:r>
-            <a:r>
-              <a:rPr lang="en-US" dirty="0"/>
-              <a:t>, "</a:t>
-            </a:r>
-            <a:r>
-              <a:rPr lang="en-US" dirty="0" err="1"/>
-              <a:t>goff</a:t>
-            </a:r>
-            <a:r>
-              <a:rPr lang="en-US" dirty="0"/>
-              <a:t>");</a:t>
-            </a:r>
-          </a:p>
-          <a:p>
-            <a:pPr marL="742950" lvl="1" indent="-285750">
-              <a:buFont typeface="Arial" panose="020B0604020202020204" pitchFamily="34" charset="0"/>
-              <a:buChar char="•"/>
-            </a:pPr>
-            <a:r>
-              <a:rPr lang="en-US" dirty="0" err="1"/>
-              <a:t>mcTree</a:t>
-            </a:r>
-            <a:r>
-              <a:rPr lang="en-US" dirty="0"/>
-              <a:t>-&gt;Draw("0.99*mass&gt;&gt;"</a:t>
-            </a:r>
-            <a:r>
-              <a:rPr lang="en-US" dirty="0" err="1"/>
-              <a:t>hName</a:t>
-            </a:r>
-            <a:r>
-              <a:rPr lang="en-US" dirty="0"/>
-              <a:t>, "</a:t>
-            </a:r>
-            <a:r>
-              <a:rPr lang="en-US" dirty="0" err="1"/>
-              <a:t>ReWeight</a:t>
-            </a:r>
-            <a:r>
-              <a:rPr lang="en-US" dirty="0"/>
-              <a:t>"*MCCut, "</a:t>
-            </a:r>
-            <a:r>
-              <a:rPr lang="en-US" dirty="0" err="1"/>
-              <a:t>goff</a:t>
-            </a:r>
-            <a:r>
-              <a:rPr lang="en-US" dirty="0"/>
-              <a:t>");</a:t>
-            </a:r>
-          </a:p>
-          <a:p>
-            <a:pPr marL="742950" lvl="1" indent="-285750">
-              <a:buFont typeface="Arial" panose="020B0604020202020204" pitchFamily="34" charset="0"/>
-              <a:buChar char="•"/>
-            </a:pPr>
-            <a:endParaRPr lang="en-US" dirty="0"/>
-          </a:p>
-          <a:p>
-            <a:pPr marL="742950" lvl="1" indent="-285750">
-              <a:buFont typeface="Arial" panose="020B0604020202020204" pitchFamily="34" charset="0"/>
-              <a:buChar char="•"/>
-            </a:pPr>
-            <a:endParaRPr lang="en-US" dirty="0"/>
-          </a:p>
-          <a:p>
-            <a:pPr marL="742950" lvl="1" indent="-285750">
-              <a:buFont typeface="Arial" panose="020B0604020202020204" pitchFamily="34" charset="0"/>
-              <a:buChar char="•"/>
-            </a:pPr>
-            <a:endParaRPr lang="en-US" dirty="0"/>
-          </a:p>
-          <a:p>
-            <a:pPr marL="742950" lvl="1" indent="-285750">
-              <a:buFont typeface="Arial" panose="020B0604020202020204" pitchFamily="34" charset="0"/>
-              <a:buChar char="•"/>
-            </a:pPr>
-            <a:endParaRPr lang="en-US" dirty="0"/>
-          </a:p>
-          <a:p>
-            <a:pPr marL="742950" lvl="1" indent="-285750">
-              <a:buFont typeface="Arial" panose="020B0604020202020204" pitchFamily="34" charset="0"/>
-              <a:buChar char="•"/>
-            </a:pPr>
-            <a:endParaRPr lang="en-US" dirty="0"/>
-          </a:p>
-          <a:p>
+        </p:txBody>
+      </p:sp>
+      <p:pic>
+        <p:nvPicPr>
+          <p:cNvPr id="19" name="Picture 18" descr="A graph of a mixture&#10;&#10;AI-generated content may be incorrect.">
+            <a:extLst>
+              <a:ext uri="{FF2B5EF4-FFF2-40B4-BE49-F238E27FC236}">
+                <a16:creationId xmlns:a16="http://schemas.microsoft.com/office/drawing/2014/main" id="{BED5F735-0462-BE3A-EF44-9BB9CA86E12C}"/>
+              </a:ext>
+            </a:extLst>
+          </p:cNvPr>
+          <p:cNvPicPr>
+            <a:picLocks noChangeAspect="1"/>
+          </p:cNvPicPr>
+          <p:nvPr/>
+        </p:nvPicPr>
+        <p:blipFill>
+          <a:blip r:embed="rId4"/>
+          <a:stretch>
+            <a:fillRect/>
+          </a:stretch>
+        </p:blipFill>
+        <p:spPr>
+          <a:xfrm>
+            <a:off x="0" y="1168083"/>
+            <a:ext cx="5893842" cy="4082337"/>
+          </a:xfrm>
+          <a:prstGeom prst="rect">
+            <a:avLst/>
+          </a:prstGeom>
+        </p:spPr>
+      </p:pic>
+      <p:sp>
+        <p:nvSpPr>
+          <p:cNvPr id="20" name="Slide Number Placeholder 4">
+            <a:extLst>
+              <a:ext uri="{FF2B5EF4-FFF2-40B4-BE49-F238E27FC236}">
+                <a16:creationId xmlns:a16="http://schemas.microsoft.com/office/drawing/2014/main" id="{20C08A3D-4E12-6CA8-9E5E-9815A0C818DE}"/>
+              </a:ext>
+            </a:extLst>
+          </p:cNvPr>
+          <p:cNvSpPr>
+            <a:spLocks noGrp="1"/>
+          </p:cNvSpPr>
+          <p:nvPr>
+            <p:ph type="sldNum" sz="quarter" idx="12"/>
+          </p:nvPr>
+        </p:nvSpPr>
+        <p:spPr>
+          <a:xfrm>
+            <a:off x="8610600" y="6356350"/>
+            <a:ext cx="2743200" cy="365125"/>
+          </a:xfrm>
+        </p:spPr>
+        <p:txBody>
+          <a:bodyPr/>
+          <a:lstStyle/>
+          <a:p>
+            <a:fld id="{8017FDCA-9457-E54C-8F9D-F4CD5ABC5619}" type="slidenum">
+              <a:rPr lang="en-US" smtClean="0"/>
+              <a:t>10</a:t>
+            </a:fld>
             <a:endParaRPr lang="en-US" dirty="0"/>
           </a:p>
         </p:txBody>
@@ -6112,7 +4617,7 @@
     </p:spTree>
     <p:extLst>
       <p:ext uri="{BB962C8B-B14F-4D97-AF65-F5344CB8AC3E}">
-        <p14:creationId xmlns:p14="http://schemas.microsoft.com/office/powerpoint/2010/main" val="986881186"/>
+        <p14:creationId xmlns:p14="http://schemas.microsoft.com/office/powerpoint/2010/main" val="2523616687"/>
       </p:ext>
     </p:extLst>
   </p:cSld>
@@ -6122,7 +4627,7 @@
 </p:sld>
 </file>
 
-<file path=ppt/slides/slide7.xml><?xml version="1.0" encoding="utf-8"?>
+<file path=ppt/slides/slide11.xml><?xml version="1.0" encoding="utf-8"?>
 <p:sld xmlns:a="http://schemas.openxmlformats.org/drawingml/2006/main" xmlns:r="http://schemas.openxmlformats.org/officeDocument/2006/relationships" xmlns:p="http://schemas.openxmlformats.org/presentationml/2006/main">
   <p:cSld>
     <p:spTree>
@@ -6802,7 +5307,7 @@
           <a:p>
             <a:fld id="{8017FDCA-9457-E54C-8F9D-F4CD5ABC5619}" type="slidenum">
               <a:rPr lang="en-US" smtClean="0"/>
-              <a:t>7</a:t>
+              <a:t>11</a:t>
             </a:fld>
             <a:endParaRPr lang="en-US"/>
           </a:p>
@@ -6812,6 +5317,4200 @@
     <p:extLst>
       <p:ext uri="{BB962C8B-B14F-4D97-AF65-F5344CB8AC3E}">
         <p14:creationId xmlns:p14="http://schemas.microsoft.com/office/powerpoint/2010/main" val="3102594020"/>
+      </p:ext>
+    </p:extLst>
+  </p:cSld>
+  <p:clrMapOvr>
+    <a:masterClrMapping/>
+  </p:clrMapOvr>
+</p:sld>
+</file>
+
+<file path=ppt/slides/slide2.xml><?xml version="1.0" encoding="utf-8"?>
+<p:sld xmlns:a="http://schemas.openxmlformats.org/drawingml/2006/main" xmlns:r="http://schemas.openxmlformats.org/officeDocument/2006/relationships" xmlns:p="http://schemas.openxmlformats.org/presentationml/2006/main">
+  <p:cSld>
+    <p:spTree>
+      <p:nvGrpSpPr>
+        <p:cNvPr id="1" name=""/>
+        <p:cNvGrpSpPr/>
+        <p:nvPr/>
+      </p:nvGrpSpPr>
+      <p:grpSpPr>
+        <a:xfrm>
+          <a:off x="0" y="0"/>
+          <a:ext cx="0" cy="0"/>
+          <a:chOff x="0" y="0"/>
+          <a:chExt cx="0" cy="0"/>
+        </a:xfrm>
+      </p:grpSpPr>
+      <p:sp>
+        <p:nvSpPr>
+          <p:cNvPr id="2" name="Title 1">
+            <a:extLst>
+              <a:ext uri="{FF2B5EF4-FFF2-40B4-BE49-F238E27FC236}">
+                <a16:creationId xmlns:a16="http://schemas.microsoft.com/office/drawing/2014/main" id="{503C58CB-289B-C0B1-B695-4FB8E18F7A66}"/>
+              </a:ext>
+            </a:extLst>
+          </p:cNvPr>
+          <p:cNvSpPr>
+            <a:spLocks noGrp="1"/>
+          </p:cNvSpPr>
+          <p:nvPr>
+            <p:ph type="title"/>
+          </p:nvPr>
+        </p:nvSpPr>
+        <p:spPr>
+          <a:xfrm>
+            <a:off x="838200" y="156119"/>
+            <a:ext cx="10515600" cy="666841"/>
+          </a:xfrm>
+        </p:spPr>
+        <p:txBody>
+          <a:bodyPr>
+            <a:normAutofit fontScale="90000"/>
+          </a:bodyPr>
+          <a:lstStyle/>
+          <a:p>
+            <a:r>
+              <a:rPr lang="en-US" dirty="0"/>
+              <a:t>Motivation</a:t>
+            </a:r>
+          </a:p>
+        </p:txBody>
+      </p:sp>
+      <mc:AlternateContent xmlns:mc="http://schemas.openxmlformats.org/markup-compatibility/2006" xmlns:a14="http://schemas.microsoft.com/office/drawing/2010/main">
+        <mc:Choice Requires="a14">
+          <p:sp>
+            <p:nvSpPr>
+              <p:cNvPr id="3" name="Content Placeholder 2">
+                <a:extLst>
+                  <a:ext uri="{FF2B5EF4-FFF2-40B4-BE49-F238E27FC236}">
+                    <a16:creationId xmlns:a16="http://schemas.microsoft.com/office/drawing/2014/main" id="{3E3FC781-7B99-ADC3-AE8E-25054E3A4939}"/>
+                  </a:ext>
+                </a:extLst>
+              </p:cNvPr>
+              <p:cNvSpPr>
+                <a:spLocks noGrp="1"/>
+              </p:cNvSpPr>
+              <p:nvPr>
+                <p:ph idx="1"/>
+              </p:nvPr>
+            </p:nvSpPr>
+            <p:spPr>
+              <a:xfrm>
+                <a:off x="838199" y="940524"/>
+                <a:ext cx="11218817" cy="5669915"/>
+              </a:xfrm>
+            </p:spPr>
+            <p:txBody>
+              <a:bodyPr>
+                <a:normAutofit fontScale="92500" lnSpcReduction="20000"/>
+              </a:bodyPr>
+              <a:lstStyle/>
+              <a:p>
+                <a:r>
+                  <a:rPr lang="en-US" dirty="0"/>
+                  <a:t>The mass-fit method to determine the DY yields has been in use for some time.  It uses five templates to fit the total experimental yield:</a:t>
+                </a:r>
+              </a:p>
+              <a:p>
+                <a:pPr lvl="1"/>
+                <a14:m>
+                  <m:oMath xmlns:m="http://schemas.openxmlformats.org/officeDocument/2006/math">
+                    <m:r>
+                      <a:rPr lang="en-US" i="1" dirty="0" smtClean="0">
+                        <a:latin typeface="Cambria Math" panose="02040503050406030204" pitchFamily="18" charset="0"/>
+                      </a:rPr>
+                      <m:t>𝐽</m:t>
+                    </m:r>
+                    <m:r>
+                      <a:rPr lang="en-US" i="1" dirty="0" smtClean="0">
+                        <a:latin typeface="Cambria Math" panose="02040503050406030204" pitchFamily="18" charset="0"/>
+                      </a:rPr>
+                      <m:t>/</m:t>
+                    </m:r>
+                    <m:r>
+                      <a:rPr lang="en-US" i="1" dirty="0" smtClean="0">
+                        <a:latin typeface="Cambria Math" panose="02040503050406030204" pitchFamily="18" charset="0"/>
+                      </a:rPr>
+                      <m:t>𝜓</m:t>
+                    </m:r>
+                  </m:oMath>
+                </a14:m>
+                <a:r>
+                  <a:rPr lang="en-US" dirty="0"/>
+                  <a:t> template</a:t>
+                </a:r>
+              </a:p>
+              <a:p>
+                <a:pPr lvl="1"/>
+                <a14:m>
+                  <m:oMath xmlns:m="http://schemas.openxmlformats.org/officeDocument/2006/math">
+                    <m:r>
+                      <a:rPr lang="en-US" i="1" dirty="0" smtClean="0">
+                        <a:latin typeface="Cambria Math" panose="02040503050406030204" pitchFamily="18" charset="0"/>
+                      </a:rPr>
+                      <m:t>𝜓</m:t>
+                    </m:r>
+                    <m:r>
+                      <a:rPr lang="en-US" b="0" i="1" dirty="0" smtClean="0">
+                        <a:latin typeface="Cambria Math" panose="02040503050406030204" pitchFamily="18" charset="0"/>
+                      </a:rPr>
+                      <m:t>′</m:t>
+                    </m:r>
+                  </m:oMath>
+                </a14:m>
+                <a:r>
+                  <a:rPr lang="en-US" dirty="0"/>
+                  <a:t> template</a:t>
+                </a:r>
+              </a:p>
+              <a:p>
+                <a:pPr lvl="1"/>
+                <a:r>
+                  <a:rPr lang="en-US" dirty="0"/>
+                  <a:t>DY template</a:t>
+                </a:r>
+              </a:p>
+              <a:p>
+                <a:pPr lvl="1"/>
+                <a:r>
+                  <a:rPr lang="en-US" dirty="0"/>
+                  <a:t>Flask template (with fixed normalization to the total yield, based on POT ratios)</a:t>
+                </a:r>
+              </a:p>
+              <a:p>
+                <a:pPr lvl="1"/>
+                <a:r>
+                  <a:rPr lang="en-US" dirty="0"/>
+                  <a:t>Combinatoric background template</a:t>
+                </a:r>
+              </a:p>
+              <a:p>
+                <a:r>
+                  <a:rPr lang="en-US" dirty="0">
+                    <a:solidFill>
+                      <a:srgbClr val="0070C0"/>
+                    </a:solidFill>
+                  </a:rPr>
+                  <a:t>The template for the combinatoric background, based on mixed events from either the FPGA1 or FPGA4 trigger, has been used with a floating normalization.</a:t>
+                </a:r>
+              </a:p>
+              <a:p>
+                <a:r>
+                  <a:rPr lang="en-US" dirty="0">
+                    <a:solidFill>
+                      <a:srgbClr val="7030A0"/>
+                    </a:solidFill>
+                  </a:rPr>
+                  <a:t>More recently, a technique using FPGA1 events has been developed that produces an estimate of the combinatoric background with the correct normalization and shape [</a:t>
+                </a:r>
+                <a:r>
+                  <a:rPr lang="en-US" dirty="0">
+                    <a:solidFill>
+                      <a:srgbClr val="7030A0"/>
+                    </a:solidFill>
+                    <a:hlinkClick r:id="rId2">
+                      <a:extLst>
+                        <a:ext uri="{A12FA001-AC4F-418D-AE19-62706E023703}">
+                          <ahyp:hlinkClr xmlns:ahyp="http://schemas.microsoft.com/office/drawing/2018/hyperlinkcolor" val="tx"/>
+                        </a:ext>
+                      </a:extLst>
+                    </a:hlinkClick>
+                  </a:rPr>
+                  <a:t>DocDB 9955</a:t>
+                </a:r>
+                <a:r>
+                  <a:rPr lang="en-US" dirty="0">
+                    <a:solidFill>
+                      <a:srgbClr val="7030A0"/>
+                    </a:solidFill>
+                  </a:rPr>
+                  <a:t>, </a:t>
+                </a:r>
+                <a:r>
+                  <a:rPr lang="en-US" dirty="0">
+                    <a:solidFill>
+                      <a:srgbClr val="7030A0"/>
+                    </a:solidFill>
+                    <a:hlinkClick r:id="rId3">
+                      <a:extLst>
+                        <a:ext uri="{A12FA001-AC4F-418D-AE19-62706E023703}">
+                          <ahyp:hlinkClr xmlns:ahyp="http://schemas.microsoft.com/office/drawing/2018/hyperlinkcolor" val="tx"/>
+                        </a:ext>
+                      </a:extLst>
+                    </a:hlinkClick>
+                  </a:rPr>
+                  <a:t>JINST 18 P10032 (2023)</a:t>
+                </a:r>
+                <a:r>
+                  <a:rPr lang="en-US" dirty="0">
+                    <a:solidFill>
+                      <a:srgbClr val="7030A0"/>
+                    </a:solidFill>
+                  </a:rPr>
+                  <a:t>].  This component of the total yield no longer needs a floating normalization.</a:t>
+                </a:r>
+              </a:p>
+              <a:p>
+                <a:r>
+                  <a:rPr lang="en-US" dirty="0">
+                    <a:solidFill>
+                      <a:srgbClr val="FF0000"/>
+                    </a:solidFill>
+                  </a:rPr>
+                  <a:t>For the determination of DY yields in the mass range </a:t>
+                </a:r>
+                <a14:m>
+                  <m:oMath xmlns:m="http://schemas.openxmlformats.org/officeDocument/2006/math">
+                    <m:r>
+                      <a:rPr lang="en-US" i="1" dirty="0" smtClean="0">
+                        <a:solidFill>
+                          <a:srgbClr val="FF0000"/>
+                        </a:solidFill>
+                        <a:latin typeface="Cambria Math" panose="02040503050406030204" pitchFamily="18" charset="0"/>
+                      </a:rPr>
+                      <m:t>4.2&lt;</m:t>
+                    </m:r>
+                    <m:r>
+                      <a:rPr lang="en-US" i="1" dirty="0" smtClean="0">
+                        <a:solidFill>
+                          <a:srgbClr val="FF0000"/>
+                        </a:solidFill>
+                        <a:latin typeface="Cambria Math" panose="02040503050406030204" pitchFamily="18" charset="0"/>
+                      </a:rPr>
+                      <m:t>𝑀</m:t>
+                    </m:r>
+                    <m:r>
+                      <a:rPr lang="en-US" i="1" dirty="0" smtClean="0">
+                        <a:solidFill>
+                          <a:srgbClr val="FF0000"/>
+                        </a:solidFill>
+                        <a:latin typeface="Cambria Math" panose="02040503050406030204" pitchFamily="18" charset="0"/>
+                      </a:rPr>
+                      <m:t>&lt;8.8</m:t>
+                    </m:r>
+                  </m:oMath>
+                </a14:m>
+                <a:r>
+                  <a:rPr lang="en-US" dirty="0">
+                    <a:solidFill>
+                      <a:srgbClr val="FF0000"/>
+                    </a:solidFill>
+                  </a:rPr>
+                  <a:t>, the only remaining variable is the </a:t>
+                </a:r>
+                <a14:m>
+                  <m:oMath xmlns:m="http://schemas.openxmlformats.org/officeDocument/2006/math">
+                    <m:r>
+                      <a:rPr lang="en-US" i="1" dirty="0" smtClean="0">
+                        <a:solidFill>
+                          <a:srgbClr val="FF0000"/>
+                        </a:solidFill>
+                        <a:latin typeface="Cambria Math" panose="02040503050406030204" pitchFamily="18" charset="0"/>
+                      </a:rPr>
+                      <m:t>𝜓</m:t>
+                    </m:r>
+                    <m:r>
+                      <a:rPr lang="en-US" b="0" i="1" dirty="0" smtClean="0">
+                        <a:solidFill>
+                          <a:srgbClr val="FF0000"/>
+                        </a:solidFill>
+                        <a:latin typeface="Cambria Math" panose="02040503050406030204" pitchFamily="18" charset="0"/>
+                      </a:rPr>
+                      <m:t>′</m:t>
+                    </m:r>
+                  </m:oMath>
+                </a14:m>
+                <a:r>
+                  <a:rPr lang="en-US" dirty="0">
+                    <a:solidFill>
+                      <a:srgbClr val="FF0000"/>
+                    </a:solidFill>
+                  </a:rPr>
+                  <a:t> contamination.  This has already been shown to be very small, of order 1% or less compared to the total yield.  </a:t>
+                </a:r>
+                <a:r>
+                  <a:rPr lang="en-US" dirty="0"/>
+                  <a:t>(</a:t>
+                </a:r>
+                <a:r>
+                  <a:rPr lang="en-US" dirty="0">
+                    <a:hlinkClick r:id="rId4"/>
+                  </a:rPr>
+                  <a:t>DocDB 4555</a:t>
+                </a:r>
+                <a:r>
+                  <a:rPr lang="en-US" dirty="0"/>
+                  <a:t>)</a:t>
+                </a:r>
+              </a:p>
+            </p:txBody>
+          </p:sp>
+        </mc:Choice>
+        <mc:Fallback xmlns="">
+          <p:sp>
+            <p:nvSpPr>
+              <p:cNvPr id="3" name="Content Placeholder 2">
+                <a:extLst>
+                  <a:ext uri="{FF2B5EF4-FFF2-40B4-BE49-F238E27FC236}">
+                    <a16:creationId xmlns:a16="http://schemas.microsoft.com/office/drawing/2014/main" id="{3E3FC781-7B99-ADC3-AE8E-25054E3A4939}"/>
+                  </a:ext>
+                </a:extLst>
+              </p:cNvPr>
+              <p:cNvSpPr>
+                <a:spLocks noGrp="1" noRot="1" noChangeAspect="1" noMove="1" noResize="1" noEditPoints="1" noAdjustHandles="1" noChangeArrowheads="1" noChangeShapeType="1" noTextEdit="1"/>
+              </p:cNvSpPr>
+              <p:nvPr>
+                <p:ph idx="1"/>
+              </p:nvPr>
+            </p:nvSpPr>
+            <p:spPr>
+              <a:xfrm>
+                <a:off x="838199" y="940524"/>
+                <a:ext cx="11218817" cy="5669915"/>
+              </a:xfrm>
+              <a:blipFill>
+                <a:blip r:embed="rId5"/>
+                <a:stretch>
+                  <a:fillRect l="-791" t="-2679" r="-904"/>
+                </a:stretch>
+              </a:blipFill>
+            </p:spPr>
+            <p:txBody>
+              <a:bodyPr/>
+              <a:lstStyle/>
+              <a:p>
+                <a:r>
+                  <a:rPr lang="en-US">
+                    <a:noFill/>
+                  </a:rPr>
+                  <a:t> </a:t>
+                </a:r>
+              </a:p>
+            </p:txBody>
+          </p:sp>
+        </mc:Fallback>
+      </mc:AlternateContent>
+      <p:sp>
+        <p:nvSpPr>
+          <p:cNvPr id="4" name="Date Placeholder 3">
+            <a:extLst>
+              <a:ext uri="{FF2B5EF4-FFF2-40B4-BE49-F238E27FC236}">
+                <a16:creationId xmlns:a16="http://schemas.microsoft.com/office/drawing/2014/main" id="{7DFB395B-123E-9E71-ED8F-845CC2F19DF7}"/>
+              </a:ext>
+            </a:extLst>
+          </p:cNvPr>
+          <p:cNvSpPr>
+            <a:spLocks noGrp="1"/>
+          </p:cNvSpPr>
+          <p:nvPr>
+            <p:ph type="dt" sz="half" idx="10"/>
+          </p:nvPr>
+        </p:nvSpPr>
+        <p:spPr/>
+        <p:txBody>
+          <a:bodyPr/>
+          <a:lstStyle/>
+          <a:p>
+            <a:fld id="{B9FACAE8-0C34-3549-B0F2-C1260A18A5E9}" type="datetime1">
+              <a:rPr lang="en-US" smtClean="0"/>
+              <a:t>8/15/25</a:t>
+            </a:fld>
+            <a:endParaRPr lang="en-US"/>
+          </a:p>
+        </p:txBody>
+      </p:sp>
+      <p:sp>
+        <p:nvSpPr>
+          <p:cNvPr id="5" name="Slide Number Placeholder 4">
+            <a:extLst>
+              <a:ext uri="{FF2B5EF4-FFF2-40B4-BE49-F238E27FC236}">
+                <a16:creationId xmlns:a16="http://schemas.microsoft.com/office/drawing/2014/main" id="{9C65F957-5E82-9879-BCFF-6CF04D96CC75}"/>
+              </a:ext>
+            </a:extLst>
+          </p:cNvPr>
+          <p:cNvSpPr>
+            <a:spLocks noGrp="1"/>
+          </p:cNvSpPr>
+          <p:nvPr>
+            <p:ph type="sldNum" sz="quarter" idx="12"/>
+          </p:nvPr>
+        </p:nvSpPr>
+        <p:spPr/>
+        <p:txBody>
+          <a:bodyPr/>
+          <a:lstStyle/>
+          <a:p>
+            <a:fld id="{8017FDCA-9457-E54C-8F9D-F4CD5ABC5619}" type="slidenum">
+              <a:rPr lang="en-US" smtClean="0"/>
+              <a:t>2</a:t>
+            </a:fld>
+            <a:endParaRPr lang="en-US"/>
+          </a:p>
+        </p:txBody>
+      </p:sp>
+    </p:spTree>
+    <p:extLst>
+      <p:ext uri="{BB962C8B-B14F-4D97-AF65-F5344CB8AC3E}">
+        <p14:creationId xmlns:p14="http://schemas.microsoft.com/office/powerpoint/2010/main" val="1593382368"/>
+      </p:ext>
+    </p:extLst>
+  </p:cSld>
+  <p:clrMapOvr>
+    <a:masterClrMapping/>
+  </p:clrMapOvr>
+</p:sld>
+</file>
+
+<file path=ppt/slides/slide3.xml><?xml version="1.0" encoding="utf-8"?>
+<p:sld xmlns:a="http://schemas.openxmlformats.org/drawingml/2006/main" xmlns:r="http://schemas.openxmlformats.org/officeDocument/2006/relationships" xmlns:p="http://schemas.openxmlformats.org/presentationml/2006/main">
+  <p:cSld>
+    <p:spTree>
+      <p:nvGrpSpPr>
+        <p:cNvPr id="1" name=""/>
+        <p:cNvGrpSpPr/>
+        <p:nvPr/>
+      </p:nvGrpSpPr>
+      <p:grpSpPr>
+        <a:xfrm>
+          <a:off x="0" y="0"/>
+          <a:ext cx="0" cy="0"/>
+          <a:chOff x="0" y="0"/>
+          <a:chExt cx="0" cy="0"/>
+        </a:xfrm>
+      </p:grpSpPr>
+      <p:pic>
+        <p:nvPicPr>
+          <p:cNvPr id="5" name="Picture 4" descr="A table with numbers and a black and white background&#10;&#10;AI-generated content may be incorrect.">
+            <a:extLst>
+              <a:ext uri="{FF2B5EF4-FFF2-40B4-BE49-F238E27FC236}">
+                <a16:creationId xmlns:a16="http://schemas.microsoft.com/office/drawing/2014/main" id="{39992547-970C-8115-8E3A-0DDD25E5F667}"/>
+              </a:ext>
+            </a:extLst>
+          </p:cNvPr>
+          <p:cNvPicPr>
+            <a:picLocks noChangeAspect="1"/>
+          </p:cNvPicPr>
+          <p:nvPr/>
+        </p:nvPicPr>
+        <p:blipFill>
+          <a:blip r:embed="rId2"/>
+          <a:stretch>
+            <a:fillRect/>
+          </a:stretch>
+        </p:blipFill>
+        <p:spPr>
+          <a:xfrm>
+            <a:off x="2192202" y="165100"/>
+            <a:ext cx="9342301" cy="6260681"/>
+          </a:xfrm>
+          <a:prstGeom prst="rect">
+            <a:avLst/>
+          </a:prstGeom>
+        </p:spPr>
+      </p:pic>
+      <p:sp>
+        <p:nvSpPr>
+          <p:cNvPr id="7" name="Date Placeholder 6">
+            <a:extLst>
+              <a:ext uri="{FF2B5EF4-FFF2-40B4-BE49-F238E27FC236}">
+                <a16:creationId xmlns:a16="http://schemas.microsoft.com/office/drawing/2014/main" id="{CB9CCB82-31F6-1E6E-DADF-C0B3A136ABBC}"/>
+              </a:ext>
+            </a:extLst>
+          </p:cNvPr>
+          <p:cNvSpPr>
+            <a:spLocks noGrp="1"/>
+          </p:cNvSpPr>
+          <p:nvPr>
+            <p:ph type="dt" sz="half" idx="10"/>
+          </p:nvPr>
+        </p:nvSpPr>
+        <p:spPr/>
+        <p:txBody>
+          <a:bodyPr/>
+          <a:lstStyle/>
+          <a:p>
+            <a:fld id="{5D605D88-5EEA-6E46-99ED-8DAE2F38D7D4}" type="datetime1">
+              <a:rPr lang="en-US" smtClean="0"/>
+              <a:t>8/15/25</a:t>
+            </a:fld>
+            <a:endParaRPr lang="en-US"/>
+          </a:p>
+        </p:txBody>
+      </p:sp>
+      <p:sp>
+        <p:nvSpPr>
+          <p:cNvPr id="8" name="Slide Number Placeholder 7">
+            <a:extLst>
+              <a:ext uri="{FF2B5EF4-FFF2-40B4-BE49-F238E27FC236}">
+                <a16:creationId xmlns:a16="http://schemas.microsoft.com/office/drawing/2014/main" id="{E73B784D-FD27-4A70-04F1-1D55BA552D7B}"/>
+              </a:ext>
+            </a:extLst>
+          </p:cNvPr>
+          <p:cNvSpPr>
+            <a:spLocks noGrp="1"/>
+          </p:cNvSpPr>
+          <p:nvPr>
+            <p:ph type="sldNum" sz="quarter" idx="12"/>
+          </p:nvPr>
+        </p:nvSpPr>
+        <p:spPr/>
+        <p:txBody>
+          <a:bodyPr/>
+          <a:lstStyle/>
+          <a:p>
+            <a:fld id="{8017FDCA-9457-E54C-8F9D-F4CD5ABC5619}" type="slidenum">
+              <a:rPr lang="en-US" smtClean="0"/>
+              <a:t>3</a:t>
+            </a:fld>
+            <a:endParaRPr lang="en-US"/>
+          </a:p>
+        </p:txBody>
+      </p:sp>
+      <p:sp>
+        <p:nvSpPr>
+          <p:cNvPr id="9" name="TextBox 8">
+            <a:extLst>
+              <a:ext uri="{FF2B5EF4-FFF2-40B4-BE49-F238E27FC236}">
+                <a16:creationId xmlns:a16="http://schemas.microsoft.com/office/drawing/2014/main" id="{AA3D3DD0-0FC9-6C29-6CFD-A32A6D64E51E}"/>
+              </a:ext>
+            </a:extLst>
+          </p:cNvPr>
+          <p:cNvSpPr txBox="1"/>
+          <p:nvPr/>
+        </p:nvSpPr>
+        <p:spPr>
+          <a:xfrm>
+            <a:off x="222069" y="391886"/>
+            <a:ext cx="1430200" cy="646331"/>
+          </a:xfrm>
+          <a:prstGeom prst="rect">
+            <a:avLst/>
+          </a:prstGeom>
+          <a:noFill/>
+        </p:spPr>
+        <p:txBody>
+          <a:bodyPr wrap="none" rtlCol="0">
+            <a:spAutoFit/>
+          </a:bodyPr>
+          <a:lstStyle/>
+          <a:p>
+            <a:r>
+              <a:rPr lang="en-US" dirty="0" err="1"/>
+              <a:t>DocDB</a:t>
+            </a:r>
+            <a:r>
+              <a:rPr lang="en-US" dirty="0"/>
+              <a:t> 4555</a:t>
+            </a:r>
+          </a:p>
+          <a:p>
+            <a:r>
+              <a:rPr lang="en-US" dirty="0"/>
+              <a:t>RS 67 R008</a:t>
+            </a:r>
+          </a:p>
+        </p:txBody>
+      </p:sp>
+    </p:spTree>
+    <p:extLst>
+      <p:ext uri="{BB962C8B-B14F-4D97-AF65-F5344CB8AC3E}">
+        <p14:creationId xmlns:p14="http://schemas.microsoft.com/office/powerpoint/2010/main" val="2880209006"/>
+      </p:ext>
+    </p:extLst>
+  </p:cSld>
+  <p:clrMapOvr>
+    <a:masterClrMapping/>
+  </p:clrMapOvr>
+</p:sld>
+</file>
+
+<file path=ppt/slides/slide4.xml><?xml version="1.0" encoding="utf-8"?>
+<p:sld xmlns:a="http://schemas.openxmlformats.org/drawingml/2006/main" xmlns:r="http://schemas.openxmlformats.org/officeDocument/2006/relationships" xmlns:p="http://schemas.openxmlformats.org/presentationml/2006/main">
+  <p:cSld>
+    <p:spTree>
+      <p:nvGrpSpPr>
+        <p:cNvPr id="1" name=""/>
+        <p:cNvGrpSpPr/>
+        <p:nvPr/>
+      </p:nvGrpSpPr>
+      <p:grpSpPr>
+        <a:xfrm>
+          <a:off x="0" y="0"/>
+          <a:ext cx="0" cy="0"/>
+          <a:chOff x="0" y="0"/>
+          <a:chExt cx="0" cy="0"/>
+        </a:xfrm>
+      </p:grpSpPr>
+      <p:pic>
+        <p:nvPicPr>
+          <p:cNvPr id="5" name="Picture 4" descr="A table with numbers and a black and white background&#10;&#10;AI-generated content may be incorrect.">
+            <a:extLst>
+              <a:ext uri="{FF2B5EF4-FFF2-40B4-BE49-F238E27FC236}">
+                <a16:creationId xmlns:a16="http://schemas.microsoft.com/office/drawing/2014/main" id="{E9F3FC08-6E5D-D6EF-B7B9-6241D933083F}"/>
+              </a:ext>
+            </a:extLst>
+          </p:cNvPr>
+          <p:cNvPicPr>
+            <a:picLocks noChangeAspect="1"/>
+          </p:cNvPicPr>
+          <p:nvPr/>
+        </p:nvPicPr>
+        <p:blipFill>
+          <a:blip r:embed="rId2"/>
+          <a:stretch>
+            <a:fillRect/>
+          </a:stretch>
+        </p:blipFill>
+        <p:spPr>
+          <a:xfrm>
+            <a:off x="2218328" y="165100"/>
+            <a:ext cx="9342301" cy="6260681"/>
+          </a:xfrm>
+          <a:prstGeom prst="rect">
+            <a:avLst/>
+          </a:prstGeom>
+        </p:spPr>
+      </p:pic>
+      <p:sp>
+        <p:nvSpPr>
+          <p:cNvPr id="6" name="TextBox 5">
+            <a:extLst>
+              <a:ext uri="{FF2B5EF4-FFF2-40B4-BE49-F238E27FC236}">
+                <a16:creationId xmlns:a16="http://schemas.microsoft.com/office/drawing/2014/main" id="{AA86BE6C-8D01-406C-E81A-2D0A8AC9E314}"/>
+              </a:ext>
+            </a:extLst>
+          </p:cNvPr>
+          <p:cNvSpPr txBox="1"/>
+          <p:nvPr/>
+        </p:nvSpPr>
+        <p:spPr>
+          <a:xfrm>
+            <a:off x="222069" y="391886"/>
+            <a:ext cx="1430200" cy="646331"/>
+          </a:xfrm>
+          <a:prstGeom prst="rect">
+            <a:avLst/>
+          </a:prstGeom>
+          <a:noFill/>
+        </p:spPr>
+        <p:txBody>
+          <a:bodyPr wrap="none" rtlCol="0">
+            <a:spAutoFit/>
+          </a:bodyPr>
+          <a:lstStyle/>
+          <a:p>
+            <a:r>
+              <a:rPr lang="en-US" dirty="0" err="1"/>
+              <a:t>DocDB</a:t>
+            </a:r>
+            <a:r>
+              <a:rPr lang="en-US" dirty="0"/>
+              <a:t> 4555</a:t>
+            </a:r>
+          </a:p>
+          <a:p>
+            <a:r>
+              <a:rPr lang="en-US" dirty="0"/>
+              <a:t>RS 67 R008</a:t>
+            </a:r>
+          </a:p>
+        </p:txBody>
+      </p:sp>
+      <p:sp>
+        <p:nvSpPr>
+          <p:cNvPr id="7" name="Date Placeholder 6">
+            <a:extLst>
+              <a:ext uri="{FF2B5EF4-FFF2-40B4-BE49-F238E27FC236}">
+                <a16:creationId xmlns:a16="http://schemas.microsoft.com/office/drawing/2014/main" id="{AFF82930-40DA-B559-B581-F7368E22B8AC}"/>
+              </a:ext>
+            </a:extLst>
+          </p:cNvPr>
+          <p:cNvSpPr>
+            <a:spLocks noGrp="1"/>
+          </p:cNvSpPr>
+          <p:nvPr>
+            <p:ph type="dt" sz="half" idx="10"/>
+          </p:nvPr>
+        </p:nvSpPr>
+        <p:spPr/>
+        <p:txBody>
+          <a:bodyPr/>
+          <a:lstStyle/>
+          <a:p>
+            <a:fld id="{04071618-D969-3D46-B63B-C6FF038D7AB1}" type="datetime1">
+              <a:rPr lang="en-US" smtClean="0"/>
+              <a:t>8/15/25</a:t>
+            </a:fld>
+            <a:endParaRPr lang="en-US"/>
+          </a:p>
+        </p:txBody>
+      </p:sp>
+      <p:sp>
+        <p:nvSpPr>
+          <p:cNvPr id="8" name="Slide Number Placeholder 7">
+            <a:extLst>
+              <a:ext uri="{FF2B5EF4-FFF2-40B4-BE49-F238E27FC236}">
+                <a16:creationId xmlns:a16="http://schemas.microsoft.com/office/drawing/2014/main" id="{DA8127C9-E92E-291E-7DD4-F0B1130D5D1C}"/>
+              </a:ext>
+            </a:extLst>
+          </p:cNvPr>
+          <p:cNvSpPr>
+            <a:spLocks noGrp="1"/>
+          </p:cNvSpPr>
+          <p:nvPr>
+            <p:ph type="sldNum" sz="quarter" idx="12"/>
+          </p:nvPr>
+        </p:nvSpPr>
+        <p:spPr/>
+        <p:txBody>
+          <a:bodyPr/>
+          <a:lstStyle/>
+          <a:p>
+            <a:fld id="{8017FDCA-9457-E54C-8F9D-F4CD5ABC5619}" type="slidenum">
+              <a:rPr lang="en-US" smtClean="0"/>
+              <a:t>4</a:t>
+            </a:fld>
+            <a:endParaRPr lang="en-US"/>
+          </a:p>
+        </p:txBody>
+      </p:sp>
+    </p:spTree>
+    <p:extLst>
+      <p:ext uri="{BB962C8B-B14F-4D97-AF65-F5344CB8AC3E}">
+        <p14:creationId xmlns:p14="http://schemas.microsoft.com/office/powerpoint/2010/main" val="1290043047"/>
+      </p:ext>
+    </p:extLst>
+  </p:cSld>
+  <p:clrMapOvr>
+    <a:masterClrMapping/>
+  </p:clrMapOvr>
+</p:sld>
+</file>
+
+<file path=ppt/slides/slide5.xml><?xml version="1.0" encoding="utf-8"?>
+<p:sld xmlns:a="http://schemas.openxmlformats.org/drawingml/2006/main" xmlns:r="http://schemas.openxmlformats.org/officeDocument/2006/relationships" xmlns:p="http://schemas.openxmlformats.org/presentationml/2006/main">
+  <p:cSld>
+    <p:spTree>
+      <p:nvGrpSpPr>
+        <p:cNvPr id="1" name=""/>
+        <p:cNvGrpSpPr/>
+        <p:nvPr/>
+      </p:nvGrpSpPr>
+      <p:grpSpPr>
+        <a:xfrm>
+          <a:off x="0" y="0"/>
+          <a:ext cx="0" cy="0"/>
+          <a:chOff x="0" y="0"/>
+          <a:chExt cx="0" cy="0"/>
+        </a:xfrm>
+      </p:grpSpPr>
+      <mc:AlternateContent xmlns:mc="http://schemas.openxmlformats.org/markup-compatibility/2006" xmlns:a14="http://schemas.microsoft.com/office/drawing/2010/main">
+        <mc:Choice Requires="a14">
+          <p:sp>
+            <p:nvSpPr>
+              <p:cNvPr id="2" name="Title 1">
+                <a:extLst>
+                  <a:ext uri="{FF2B5EF4-FFF2-40B4-BE49-F238E27FC236}">
+                    <a16:creationId xmlns:a16="http://schemas.microsoft.com/office/drawing/2014/main" id="{A3EA8B8B-4975-F2BE-1FEC-15463A3FC9F4}"/>
+                  </a:ext>
+                </a:extLst>
+              </p:cNvPr>
+              <p:cNvSpPr>
+                <a:spLocks noGrp="1"/>
+              </p:cNvSpPr>
+              <p:nvPr>
+                <p:ph type="title"/>
+              </p:nvPr>
+            </p:nvSpPr>
+            <p:spPr/>
+            <p:txBody>
+              <a:bodyPr/>
+              <a:lstStyle/>
+              <a:p>
+                <a:r>
+                  <a:rPr lang="en-US" dirty="0"/>
+                  <a:t>Additional Studies of </a:t>
+                </a:r>
+                <a14:m>
+                  <m:oMath xmlns:m="http://schemas.openxmlformats.org/officeDocument/2006/math">
+                    <m:r>
+                      <a:rPr lang="en-US" i="1" dirty="0" smtClean="0">
+                        <a:latin typeface="Cambria Math" panose="02040503050406030204" pitchFamily="18" charset="0"/>
+                      </a:rPr>
+                      <m:t>𝜓</m:t>
+                    </m:r>
+                    <m:r>
+                      <a:rPr lang="en-US" b="0" i="1" dirty="0" smtClean="0">
+                        <a:latin typeface="Cambria Math" panose="02040503050406030204" pitchFamily="18" charset="0"/>
+                      </a:rPr>
+                      <m:t>′</m:t>
+                    </m:r>
+                  </m:oMath>
+                </a14:m>
+                <a:r>
+                  <a:rPr lang="en-US" dirty="0"/>
+                  <a:t> Contamination</a:t>
+                </a:r>
+              </a:p>
+            </p:txBody>
+          </p:sp>
+        </mc:Choice>
+        <mc:Fallback xmlns="">
+          <p:sp>
+            <p:nvSpPr>
+              <p:cNvPr id="2" name="Title 1">
+                <a:extLst>
+                  <a:ext uri="{FF2B5EF4-FFF2-40B4-BE49-F238E27FC236}">
+                    <a16:creationId xmlns:a16="http://schemas.microsoft.com/office/drawing/2014/main" id="{A3EA8B8B-4975-F2BE-1FEC-15463A3FC9F4}"/>
+                  </a:ext>
+                </a:extLst>
+              </p:cNvPr>
+              <p:cNvSpPr>
+                <a:spLocks noGrp="1" noRot="1" noChangeAspect="1" noMove="1" noResize="1" noEditPoints="1" noAdjustHandles="1" noChangeArrowheads="1" noChangeShapeType="1" noTextEdit="1"/>
+              </p:cNvSpPr>
+              <p:nvPr>
+                <p:ph type="title"/>
+              </p:nvPr>
+            </p:nvSpPr>
+            <p:spPr>
+              <a:blipFill>
+                <a:blip r:embed="rId2"/>
+                <a:stretch>
+                  <a:fillRect l="-2413"/>
+                </a:stretch>
+              </a:blipFill>
+            </p:spPr>
+            <p:txBody>
+              <a:bodyPr/>
+              <a:lstStyle/>
+              <a:p>
+                <a:r>
+                  <a:rPr lang="en-US">
+                    <a:noFill/>
+                  </a:rPr>
+                  <a:t> </a:t>
+                </a:r>
+              </a:p>
+            </p:txBody>
+          </p:sp>
+        </mc:Fallback>
+      </mc:AlternateContent>
+      <p:sp>
+        <p:nvSpPr>
+          <p:cNvPr id="4" name="Date Placeholder 3">
+            <a:extLst>
+              <a:ext uri="{FF2B5EF4-FFF2-40B4-BE49-F238E27FC236}">
+                <a16:creationId xmlns:a16="http://schemas.microsoft.com/office/drawing/2014/main" id="{2BB8CAED-FECE-0FFE-34F2-CB8EA38F5216}"/>
+              </a:ext>
+            </a:extLst>
+          </p:cNvPr>
+          <p:cNvSpPr>
+            <a:spLocks noGrp="1"/>
+          </p:cNvSpPr>
+          <p:nvPr>
+            <p:ph type="dt" sz="half" idx="10"/>
+          </p:nvPr>
+        </p:nvSpPr>
+        <p:spPr/>
+        <p:txBody>
+          <a:bodyPr/>
+          <a:lstStyle/>
+          <a:p>
+            <a:fld id="{3B9977D7-0EE6-4641-8458-2B150046FE11}" type="datetime1">
+              <a:rPr lang="en-US" smtClean="0"/>
+              <a:t>8/15/25</a:t>
+            </a:fld>
+            <a:endParaRPr lang="en-US"/>
+          </a:p>
+        </p:txBody>
+      </p:sp>
+      <p:sp>
+        <p:nvSpPr>
+          <p:cNvPr id="5" name="Slide Number Placeholder 4">
+            <a:extLst>
+              <a:ext uri="{FF2B5EF4-FFF2-40B4-BE49-F238E27FC236}">
+                <a16:creationId xmlns:a16="http://schemas.microsoft.com/office/drawing/2014/main" id="{0D31F815-4DFD-C2E6-E9EF-950469EAF00C}"/>
+              </a:ext>
+            </a:extLst>
+          </p:cNvPr>
+          <p:cNvSpPr>
+            <a:spLocks noGrp="1"/>
+          </p:cNvSpPr>
+          <p:nvPr>
+            <p:ph type="sldNum" sz="quarter" idx="12"/>
+          </p:nvPr>
+        </p:nvSpPr>
+        <p:spPr/>
+        <p:txBody>
+          <a:bodyPr/>
+          <a:lstStyle/>
+          <a:p>
+            <a:fld id="{8017FDCA-9457-E54C-8F9D-F4CD5ABC5619}" type="slidenum">
+              <a:rPr lang="en-US" smtClean="0"/>
+              <a:t>5</a:t>
+            </a:fld>
+            <a:endParaRPr lang="en-US"/>
+          </a:p>
+        </p:txBody>
+      </p:sp>
+      <p:sp>
+        <p:nvSpPr>
+          <p:cNvPr id="3" name="TextBox 2">
+            <a:extLst>
+              <a:ext uri="{FF2B5EF4-FFF2-40B4-BE49-F238E27FC236}">
+                <a16:creationId xmlns:a16="http://schemas.microsoft.com/office/drawing/2014/main" id="{C97FA668-F473-B77A-698A-067402A3E233}"/>
+              </a:ext>
+            </a:extLst>
+          </p:cNvPr>
+          <p:cNvSpPr txBox="1"/>
+          <p:nvPr/>
+        </p:nvSpPr>
+        <p:spPr>
+          <a:xfrm>
+            <a:off x="89767" y="1290780"/>
+            <a:ext cx="12180963" cy="5632311"/>
+          </a:xfrm>
+          <a:prstGeom prst="rect">
+            <a:avLst/>
+          </a:prstGeom>
+          <a:noFill/>
+        </p:spPr>
+        <p:txBody>
+          <a:bodyPr wrap="none" rtlCol="0">
+            <a:spAutoFit/>
+          </a:bodyPr>
+          <a:lstStyle/>
+          <a:p>
+            <a:pPr marL="285750" indent="-285750">
+              <a:buFont typeface="Arial" panose="020B0604020202020204" pitchFamily="34" charset="0"/>
+              <a:buChar char="•"/>
+            </a:pPr>
+            <a:r>
+              <a:rPr lang="en-US" dirty="0"/>
+              <a:t>Files used:</a:t>
+            </a:r>
+          </a:p>
+          <a:p>
+            <a:pPr marL="742950" lvl="1" indent="-285750">
+              <a:buFont typeface="Arial" panose="020B0604020202020204" pitchFamily="34" charset="0"/>
+              <a:buChar char="•"/>
+            </a:pPr>
+            <a:r>
+              <a:rPr lang="en-US" dirty="0"/>
+              <a:t>Data:</a:t>
+            </a:r>
+          </a:p>
+          <a:p>
+            <a:pPr marL="1200150" lvl="2" indent="-285750">
+              <a:buFont typeface="Arial" panose="020B0604020202020204" pitchFamily="34" charset="0"/>
+              <a:buChar char="•"/>
+            </a:pPr>
+            <a:r>
+              <a:rPr lang="en-US" dirty="0">
+                <a:solidFill>
+                  <a:srgbClr val="000000"/>
+                </a:solidFill>
+                <a:effectLst/>
+                <a:latin typeface="Helvetica" pitchFamily="2" charset="0"/>
+              </a:rPr>
+              <a:t>Real data: </a:t>
+            </a:r>
+            <a:r>
+              <a:rPr lang="en-US" dirty="0" err="1"/>
+              <a:t>chleung</a:t>
+            </a:r>
+            <a:r>
+              <a:rPr lang="en-US" dirty="0"/>
+              <a:t>/</a:t>
+            </a:r>
+            <a:r>
+              <a:rPr lang="en-US" dirty="0" err="1"/>
+              <a:t>rootfiles</a:t>
+            </a:r>
+            <a:r>
+              <a:rPr lang="en-US" dirty="0"/>
+              <a:t>/67/FPGA1/R008_roadset67_0_2111v42_tmp_noPhys_noOcc.root</a:t>
+            </a:r>
+          </a:p>
+          <a:p>
+            <a:pPr marL="1200150" lvl="2" indent="-285750">
+              <a:buFont typeface="Arial" panose="020B0604020202020204" pitchFamily="34" charset="0"/>
+              <a:buChar char="•"/>
+            </a:pPr>
+            <a:r>
+              <a:rPr lang="en-US" dirty="0">
+                <a:solidFill>
+                  <a:srgbClr val="000000"/>
+                </a:solidFill>
+                <a:effectLst/>
+                <a:latin typeface="Helvetica" pitchFamily="2" charset="0"/>
+              </a:rPr>
+              <a:t>Mixed data (RS67): </a:t>
+            </a:r>
+            <a:r>
+              <a:rPr lang="en-US" b="0" i="0" dirty="0">
+                <a:effectLst/>
+                <a:latin typeface="gg mono"/>
+              </a:rPr>
+              <a:t>/</a:t>
+            </a:r>
+            <a:r>
+              <a:rPr lang="en-US" b="0" i="0" dirty="0" err="1">
+                <a:effectLst/>
+                <a:latin typeface="gg mono"/>
+              </a:rPr>
+              <a:t>seaquest</a:t>
+            </a:r>
+            <a:r>
+              <a:rPr lang="en-US" b="0" i="0" dirty="0">
+                <a:effectLst/>
+                <a:latin typeface="gg mono"/>
+              </a:rPr>
+              <a:t>/users/</a:t>
+            </a:r>
+            <a:r>
+              <a:rPr lang="en-US" b="0" i="0" dirty="0" err="1">
+                <a:effectLst/>
+                <a:latin typeface="gg mono"/>
+              </a:rPr>
+              <a:t>apun</a:t>
+            </a:r>
+            <a:r>
+              <a:rPr lang="en-US" b="0" i="0" dirty="0">
+                <a:effectLst/>
+                <a:latin typeface="gg mono"/>
+              </a:rPr>
+              <a:t>/e906_projects/rs67_merged_files/merged_RS67_3089LH2.root</a:t>
+            </a:r>
+          </a:p>
+          <a:p>
+            <a:pPr marL="1200150" lvl="2" indent="-285750">
+              <a:buFont typeface="Arial" panose="020B0604020202020204" pitchFamily="34" charset="0"/>
+              <a:buChar char="•"/>
+            </a:pPr>
+            <a:r>
+              <a:rPr lang="en-US" dirty="0">
+                <a:solidFill>
+                  <a:srgbClr val="000000"/>
+                </a:solidFill>
+                <a:latin typeface="Helvetica" pitchFamily="2" charset="0"/>
+              </a:rPr>
+              <a:t>Empty</a:t>
+            </a:r>
+            <a:r>
+              <a:rPr lang="en-US" dirty="0">
+                <a:solidFill>
+                  <a:srgbClr val="000000"/>
+                </a:solidFill>
+                <a:effectLst/>
+                <a:latin typeface="Helvetica" pitchFamily="2" charset="0"/>
+              </a:rPr>
+              <a:t> Flask Mix (RS67): </a:t>
+            </a:r>
+            <a:r>
+              <a:rPr lang="en-US" b="0" i="0" dirty="0">
+                <a:effectLst/>
+                <a:latin typeface="gg mono"/>
+              </a:rPr>
+              <a:t>/</a:t>
+            </a:r>
+            <a:r>
+              <a:rPr lang="en-US" b="0" i="0" dirty="0" err="1">
+                <a:effectLst/>
+                <a:latin typeface="gg mono"/>
+              </a:rPr>
+              <a:t>seaquest</a:t>
+            </a:r>
+            <a:r>
+              <a:rPr lang="en-US" b="0" i="0" dirty="0">
+                <a:effectLst/>
+                <a:latin typeface="gg mono"/>
+              </a:rPr>
+              <a:t>/users/</a:t>
+            </a:r>
+            <a:r>
+              <a:rPr lang="en-US" b="0" i="0" dirty="0" err="1">
+                <a:effectLst/>
+                <a:latin typeface="gg mono"/>
+              </a:rPr>
+              <a:t>apun</a:t>
+            </a:r>
+            <a:r>
+              <a:rPr lang="en-US" b="0" i="0" dirty="0">
+                <a:effectLst/>
+                <a:latin typeface="gg mono"/>
+              </a:rPr>
+              <a:t>/e906_projects/rs67_merged_files/merged_RS67_3089flask.root</a:t>
+            </a:r>
+            <a:endParaRPr lang="en-US" dirty="0">
+              <a:solidFill>
+                <a:srgbClr val="000000"/>
+              </a:solidFill>
+              <a:effectLst/>
+              <a:latin typeface="Helvetica" pitchFamily="2" charset="0"/>
+            </a:endParaRPr>
+          </a:p>
+          <a:p>
+            <a:pPr lvl="1"/>
+            <a:endParaRPr lang="en-US" strike="sngStrike" dirty="0">
+              <a:solidFill>
+                <a:srgbClr val="000000"/>
+              </a:solidFill>
+              <a:effectLst/>
+              <a:latin typeface="Helvetica" pitchFamily="2" charset="0"/>
+            </a:endParaRPr>
+          </a:p>
+          <a:p>
+            <a:pPr marL="742950" lvl="1" indent="-285750">
+              <a:buFont typeface="Arial" panose="020B0604020202020204" pitchFamily="34" charset="0"/>
+              <a:buChar char="•"/>
+            </a:pPr>
+            <a:r>
+              <a:rPr lang="en-US" dirty="0">
+                <a:solidFill>
+                  <a:srgbClr val="000000"/>
+                </a:solidFill>
+                <a:effectLst/>
+                <a:latin typeface="Helvetica" pitchFamily="2" charset="0"/>
+              </a:rPr>
+              <a:t>GMC for LH2 (made for RS67):</a:t>
+            </a:r>
+          </a:p>
+          <a:p>
+            <a:pPr marL="1200150" lvl="2" indent="-285750">
+              <a:buFont typeface="Arial" panose="020B0604020202020204" pitchFamily="34" charset="0"/>
+              <a:buChar char="•"/>
+            </a:pPr>
+            <a:r>
+              <a:rPr lang="en-US" dirty="0">
+                <a:solidFill>
+                  <a:srgbClr val="000000"/>
+                </a:solidFill>
+                <a:effectLst/>
+                <a:latin typeface="Helvetica" pitchFamily="2" charset="0"/>
+              </a:rPr>
+              <a:t>D-Y: </a:t>
+            </a:r>
+            <a:r>
+              <a:rPr lang="en-US" dirty="0" err="1">
+                <a:solidFill>
+                  <a:srgbClr val="000000"/>
+                </a:solidFill>
+                <a:effectLst/>
+                <a:latin typeface="Helvetica" pitchFamily="2" charset="0"/>
+              </a:rPr>
+              <a:t>chleung</a:t>
+            </a:r>
+            <a:r>
+              <a:rPr lang="en-US" dirty="0">
+                <a:solidFill>
+                  <a:srgbClr val="000000"/>
+                </a:solidFill>
+                <a:effectLst/>
+                <a:latin typeface="Helvetica" pitchFamily="2" charset="0"/>
+              </a:rPr>
+              <a:t>/</a:t>
+            </a:r>
+            <a:r>
+              <a:rPr lang="en-US" dirty="0" err="1">
+                <a:solidFill>
+                  <a:srgbClr val="000000"/>
+                </a:solidFill>
+                <a:effectLst/>
+                <a:latin typeface="Helvetica" pitchFamily="2" charset="0"/>
+              </a:rPr>
+              <a:t>pT_ReWeight</a:t>
+            </a:r>
+            <a:r>
+              <a:rPr lang="en-US" dirty="0">
+                <a:solidFill>
+                  <a:srgbClr val="000000"/>
+                </a:solidFill>
+                <a:effectLst/>
+                <a:latin typeface="Helvetica" pitchFamily="2" charset="0"/>
+              </a:rPr>
+              <a:t>/mc_drellyan_LH2_M027_S002_messy_occ_pTxFweight_v2.root</a:t>
+            </a:r>
+          </a:p>
+          <a:p>
+            <a:pPr marL="1200150" lvl="2" indent="-285750">
+              <a:buFont typeface="Arial" panose="020B0604020202020204" pitchFamily="34" charset="0"/>
+              <a:buChar char="•"/>
+            </a:pPr>
+            <a:r>
+              <a:rPr lang="en-US" dirty="0">
+                <a:solidFill>
+                  <a:srgbClr val="000000"/>
+                </a:solidFill>
+                <a:effectLst/>
+                <a:latin typeface="Helvetica" pitchFamily="2" charset="0"/>
+              </a:rPr>
+              <a:t>J/</a:t>
+            </a:r>
+            <a:r>
+              <a:rPr lang="el-GR" dirty="0">
+                <a:solidFill>
+                  <a:srgbClr val="000000"/>
+                </a:solidFill>
+                <a:effectLst/>
+                <a:latin typeface="Helvetica" pitchFamily="2" charset="0"/>
+              </a:rPr>
+              <a:t>ψ: </a:t>
+            </a:r>
+            <a:r>
+              <a:rPr lang="en-US" dirty="0" err="1">
+                <a:solidFill>
+                  <a:srgbClr val="000000"/>
+                </a:solidFill>
+                <a:effectLst/>
+                <a:latin typeface="Helvetica" pitchFamily="2" charset="0"/>
+              </a:rPr>
+              <a:t>chleung</a:t>
+            </a:r>
+            <a:r>
+              <a:rPr lang="en-US" dirty="0">
+                <a:solidFill>
+                  <a:srgbClr val="000000"/>
+                </a:solidFill>
+                <a:effectLst/>
+                <a:latin typeface="Helvetica" pitchFamily="2" charset="0"/>
+              </a:rPr>
+              <a:t>/</a:t>
+            </a:r>
+            <a:r>
+              <a:rPr lang="en-US" dirty="0" err="1">
+                <a:solidFill>
+                  <a:srgbClr val="000000"/>
+                </a:solidFill>
+                <a:effectLst/>
+                <a:latin typeface="Helvetica" pitchFamily="2" charset="0"/>
+              </a:rPr>
+              <a:t>pT_ReWeight</a:t>
+            </a:r>
+            <a:r>
+              <a:rPr lang="en-US" dirty="0">
+                <a:solidFill>
+                  <a:srgbClr val="000000"/>
+                </a:solidFill>
+                <a:effectLst/>
+                <a:latin typeface="Helvetica" pitchFamily="2" charset="0"/>
+              </a:rPr>
+              <a:t>/mc_jpsi_LH2_M027_S002_messy_occ_pTxFweight_v2.root</a:t>
+            </a:r>
+          </a:p>
+          <a:p>
+            <a:pPr marL="1200150" lvl="2" indent="-285750">
+              <a:buFont typeface="Arial" panose="020B0604020202020204" pitchFamily="34" charset="0"/>
+              <a:buChar char="•"/>
+            </a:pPr>
+            <a:r>
+              <a:rPr lang="el-GR" dirty="0">
+                <a:solidFill>
+                  <a:srgbClr val="000000"/>
+                </a:solidFill>
+                <a:effectLst/>
+                <a:latin typeface="Helvetica" pitchFamily="2" charset="0"/>
+              </a:rPr>
+              <a:t>ψ′: </a:t>
+            </a:r>
+            <a:r>
+              <a:rPr lang="en-US" dirty="0" err="1">
+                <a:solidFill>
+                  <a:srgbClr val="000000"/>
+                </a:solidFill>
+                <a:effectLst/>
+                <a:latin typeface="Helvetica" pitchFamily="2" charset="0"/>
+              </a:rPr>
+              <a:t>chleung</a:t>
+            </a:r>
+            <a:r>
+              <a:rPr lang="en-US" dirty="0">
+                <a:solidFill>
+                  <a:srgbClr val="000000"/>
+                </a:solidFill>
+                <a:effectLst/>
+                <a:latin typeface="Helvetica" pitchFamily="2" charset="0"/>
+              </a:rPr>
+              <a:t>/</a:t>
+            </a:r>
+            <a:r>
+              <a:rPr lang="en-US" dirty="0" err="1">
+                <a:solidFill>
+                  <a:srgbClr val="000000"/>
+                </a:solidFill>
+                <a:effectLst/>
+                <a:latin typeface="Helvetica" pitchFamily="2" charset="0"/>
+              </a:rPr>
+              <a:t>pT_ReWeight</a:t>
+            </a:r>
+            <a:r>
+              <a:rPr lang="en-US" dirty="0">
+                <a:solidFill>
+                  <a:srgbClr val="000000"/>
+                </a:solidFill>
+                <a:effectLst/>
+                <a:latin typeface="Helvetica" pitchFamily="2" charset="0"/>
+              </a:rPr>
+              <a:t>/mc_psiprime_LH2_M027_S002_messy_occ_pTxFweight_v2.root</a:t>
+            </a:r>
+          </a:p>
+          <a:p>
+            <a:pPr marL="1200150" lvl="2" indent="-285750">
+              <a:buFont typeface="Arial" panose="020B0604020202020204" pitchFamily="34" charset="0"/>
+              <a:buChar char="•"/>
+            </a:pPr>
+            <a:endParaRPr lang="en-US" dirty="0">
+              <a:solidFill>
+                <a:srgbClr val="000000"/>
+              </a:solidFill>
+              <a:latin typeface="Helvetica" pitchFamily="2" charset="0"/>
+            </a:endParaRPr>
+          </a:p>
+          <a:p>
+            <a:pPr marL="742950" lvl="1" indent="-285750">
+              <a:buFont typeface="Arial" panose="020B0604020202020204" pitchFamily="34" charset="0"/>
+              <a:buChar char="•"/>
+            </a:pPr>
+            <a:r>
+              <a:rPr lang="en-US" dirty="0">
+                <a:solidFill>
+                  <a:srgbClr val="000000"/>
+                </a:solidFill>
+                <a:effectLst/>
+                <a:latin typeface="Helvetica" pitchFamily="2" charset="0"/>
+              </a:rPr>
+              <a:t>Theory Curves (NLO):</a:t>
+            </a:r>
+          </a:p>
+          <a:p>
+            <a:pPr marL="1200150" lvl="2" indent="-285750">
+              <a:buFont typeface="Arial" panose="020B0604020202020204" pitchFamily="34" charset="0"/>
+              <a:buChar char="•"/>
+            </a:pPr>
+            <a:r>
+              <a:rPr lang="en-US" dirty="0">
+                <a:solidFill>
+                  <a:srgbClr val="000000"/>
+                </a:solidFill>
+                <a:latin typeface="Helvetica" pitchFamily="2" charset="0"/>
+              </a:rPr>
+              <a:t>CT18:</a:t>
+            </a:r>
+          </a:p>
+          <a:p>
+            <a:pPr marL="1657350" lvl="3" indent="-285750">
+              <a:buFont typeface="Arial" panose="020B0604020202020204" pitchFamily="34" charset="0"/>
+              <a:buChar char="•"/>
+            </a:pPr>
+            <a:r>
+              <a:rPr lang="en-US" dirty="0" err="1"/>
+              <a:t>chleung</a:t>
+            </a:r>
+            <a:r>
+              <a:rPr lang="en-US" dirty="0"/>
+              <a:t>/theory/new/v2/E906/NNPDF40_xFnew_p.root</a:t>
+            </a:r>
+          </a:p>
+          <a:p>
+            <a:pPr marL="1200150" lvl="2" indent="-285750">
+              <a:buFont typeface="Arial" panose="020B0604020202020204" pitchFamily="34" charset="0"/>
+              <a:buChar char="•"/>
+            </a:pPr>
+            <a:r>
+              <a:rPr lang="en-US" dirty="0">
+                <a:solidFill>
+                  <a:srgbClr val="000000"/>
+                </a:solidFill>
+                <a:effectLst/>
+                <a:latin typeface="Helvetica" pitchFamily="2" charset="0"/>
+              </a:rPr>
+              <a:t>NNPDF40:</a:t>
+            </a:r>
+          </a:p>
+          <a:p>
+            <a:pPr marL="1657350" lvl="3" indent="-285750">
+              <a:buFont typeface="Arial" panose="020B0604020202020204" pitchFamily="34" charset="0"/>
+              <a:buChar char="•"/>
+            </a:pPr>
+            <a:r>
+              <a:rPr lang="en-US" dirty="0" err="1"/>
+              <a:t>chleung</a:t>
+            </a:r>
+            <a:r>
+              <a:rPr lang="en-US" dirty="0"/>
+              <a:t>/theory/new/v2/E906/CT18_xFnew_p.root</a:t>
+            </a:r>
+            <a:br>
+              <a:rPr lang="en-US" dirty="0">
+                <a:solidFill>
+                  <a:srgbClr val="000000"/>
+                </a:solidFill>
+                <a:effectLst/>
+                <a:latin typeface="Helvetica" pitchFamily="2" charset="0"/>
+              </a:rPr>
+            </a:br>
+            <a:endParaRPr lang="en-US" dirty="0">
+              <a:solidFill>
+                <a:srgbClr val="000000"/>
+              </a:solidFill>
+              <a:effectLst/>
+              <a:latin typeface="Helvetica" pitchFamily="2" charset="0"/>
+            </a:endParaRPr>
+          </a:p>
+          <a:p>
+            <a:pPr marL="742950" lvl="1" indent="-285750">
+              <a:buFont typeface="Arial" panose="020B0604020202020204" pitchFamily="34" charset="0"/>
+              <a:buChar char="•"/>
+            </a:pPr>
+            <a:r>
+              <a:rPr lang="en-US" dirty="0">
+                <a:solidFill>
+                  <a:srgbClr val="000000"/>
+                </a:solidFill>
+                <a:latin typeface="Helvetica" pitchFamily="2" charset="0"/>
+              </a:rPr>
+              <a:t>Weights used: </a:t>
+            </a:r>
+          </a:p>
+          <a:p>
+            <a:pPr marL="1200150" lvl="2" indent="-285750">
+              <a:buFont typeface="Arial" panose="020B0604020202020204" pitchFamily="34" charset="0"/>
+              <a:buChar char="•"/>
+            </a:pPr>
+            <a:r>
+              <a:rPr lang="en-US" dirty="0">
+                <a:solidFill>
+                  <a:srgbClr val="000000"/>
+                </a:solidFill>
+                <a:latin typeface="Helvetica" pitchFamily="2" charset="0"/>
+              </a:rPr>
+              <a:t>M027_S002: J/Psi:`</a:t>
+            </a:r>
+            <a:r>
+              <a:rPr lang="en-US" dirty="0" err="1">
+                <a:solidFill>
+                  <a:srgbClr val="000000"/>
+                </a:solidFill>
+                <a:latin typeface="Helvetica" pitchFamily="2" charset="0"/>
+              </a:rPr>
+              <a:t>ReWeight</a:t>
+            </a:r>
+            <a:r>
+              <a:rPr lang="en-US" dirty="0">
+                <a:solidFill>
+                  <a:srgbClr val="000000"/>
+                </a:solidFill>
+                <a:latin typeface="Helvetica" pitchFamily="2" charset="0"/>
+              </a:rPr>
+              <a:t>` DY: `</a:t>
+            </a:r>
+            <a:r>
+              <a:rPr lang="en-US" dirty="0" err="1">
+                <a:solidFill>
+                  <a:srgbClr val="000000"/>
+                </a:solidFill>
+                <a:latin typeface="Helvetica" pitchFamily="2" charset="0"/>
+              </a:rPr>
+              <a:t>ReWeight</a:t>
+            </a:r>
+            <a:r>
+              <a:rPr lang="en-US" dirty="0">
+                <a:solidFill>
+                  <a:srgbClr val="000000"/>
+                </a:solidFill>
+                <a:latin typeface="Helvetica" pitchFamily="2" charset="0"/>
+              </a:rPr>
+              <a:t>` </a:t>
+            </a:r>
+            <a:r>
+              <a:rPr lang="en-US" dirty="0" err="1">
+                <a:solidFill>
+                  <a:srgbClr val="000000"/>
+                </a:solidFill>
+                <a:latin typeface="Helvetica" pitchFamily="2" charset="0"/>
+              </a:rPr>
+              <a:t>PsiP</a:t>
+            </a:r>
+            <a:r>
+              <a:rPr lang="en-US" dirty="0">
+                <a:solidFill>
+                  <a:srgbClr val="000000"/>
+                </a:solidFill>
+                <a:latin typeface="Helvetica" pitchFamily="2" charset="0"/>
+              </a:rPr>
+              <a:t>: `</a:t>
+            </a:r>
+            <a:r>
+              <a:rPr lang="en-US" dirty="0" err="1">
+                <a:solidFill>
+                  <a:srgbClr val="000000"/>
+                </a:solidFill>
+                <a:latin typeface="Helvetica" pitchFamily="2" charset="0"/>
+              </a:rPr>
+              <a:t>ReWeight</a:t>
+            </a:r>
+            <a:r>
+              <a:rPr lang="en-US" dirty="0">
+                <a:solidFill>
+                  <a:srgbClr val="000000"/>
+                </a:solidFill>
+                <a:latin typeface="Helvetica" pitchFamily="2" charset="0"/>
+              </a:rPr>
+              <a:t>`</a:t>
+            </a:r>
+          </a:p>
+          <a:p>
+            <a:pPr marL="1657350" lvl="3" indent="-285750">
+              <a:buFont typeface="Arial" panose="020B0604020202020204" pitchFamily="34" charset="0"/>
+              <a:buChar char="•"/>
+            </a:pPr>
+            <a:endParaRPr lang="en-US" dirty="0">
+              <a:solidFill>
+                <a:srgbClr val="000000"/>
+              </a:solidFill>
+              <a:latin typeface="Helvetica" pitchFamily="2" charset="0"/>
+            </a:endParaRPr>
+          </a:p>
+        </p:txBody>
+      </p:sp>
+      <mc:AlternateContent xmlns:mc="http://schemas.openxmlformats.org/markup-compatibility/2006">
+        <mc:Choice xmlns:a14="http://schemas.microsoft.com/office/drawing/2010/main" Requires="a14">
+          <p:sp>
+            <p:nvSpPr>
+              <p:cNvPr id="6" name="TextBox 5">
+                <a:extLst>
+                  <a:ext uri="{FF2B5EF4-FFF2-40B4-BE49-F238E27FC236}">
+                    <a16:creationId xmlns:a16="http://schemas.microsoft.com/office/drawing/2014/main" id="{A6C081C8-5946-8E90-AF18-21DBA5E88F0A}"/>
+                  </a:ext>
+                </a:extLst>
+              </p:cNvPr>
+              <p:cNvSpPr txBox="1"/>
+              <p:nvPr/>
+            </p:nvSpPr>
+            <p:spPr>
+              <a:xfrm>
+                <a:off x="7982143" y="4575168"/>
+                <a:ext cx="3557256" cy="646331"/>
+              </a:xfrm>
+              <a:prstGeom prst="rect">
+                <a:avLst/>
+              </a:prstGeom>
+              <a:noFill/>
+            </p:spPr>
+            <p:txBody>
+              <a:bodyPr wrap="none" rtlCol="0">
+                <a:spAutoFit/>
+              </a:bodyPr>
+              <a:lstStyle/>
+              <a:p>
+                <a:pPr marL="285750" indent="-285750">
+                  <a:buFont typeface="Arial" panose="020B0604020202020204" pitchFamily="34" charset="0"/>
+                  <a:buChar char="•"/>
+                </a:pPr>
+                <a:r>
+                  <a:rPr lang="en-US" dirty="0"/>
+                  <a:t>Live POT: </a:t>
+                </a:r>
+                <a14:m>
+                  <m:oMath xmlns:m="http://schemas.openxmlformats.org/officeDocument/2006/math">
+                    <m:r>
+                      <a:rPr lang="en-US" b="0" i="1" smtClean="0">
+                        <a:latin typeface="Cambria Math" panose="02040503050406030204" pitchFamily="18" charset="0"/>
+                      </a:rPr>
+                      <m:t>2.87305×</m:t>
+                    </m:r>
+                    <m:sSup>
+                      <m:sSupPr>
+                        <m:ctrlPr>
+                          <a:rPr lang="en-US" b="0" i="1" smtClean="0">
+                            <a:latin typeface="Cambria Math" panose="02040503050406030204" pitchFamily="18" charset="0"/>
+                          </a:rPr>
+                        </m:ctrlPr>
+                      </m:sSupPr>
+                      <m:e>
+                        <m:r>
+                          <a:rPr lang="en-US" b="0" i="1" smtClean="0">
+                            <a:latin typeface="Cambria Math" panose="02040503050406030204" pitchFamily="18" charset="0"/>
+                          </a:rPr>
+                          <m:t>10</m:t>
+                        </m:r>
+                      </m:e>
+                      <m:sup>
+                        <m:r>
+                          <a:rPr lang="en-US" b="0" i="1" smtClean="0">
+                            <a:latin typeface="Cambria Math" panose="02040503050406030204" pitchFamily="18" charset="0"/>
+                          </a:rPr>
+                          <m:t>17</m:t>
+                        </m:r>
+                      </m:sup>
+                    </m:sSup>
+                  </m:oMath>
+                </a14:m>
+                <a:endParaRPr lang="en-US" dirty="0"/>
+              </a:p>
+              <a:p>
+                <a:pPr marL="285750" indent="-285750">
+                  <a:buFont typeface="Arial" panose="020B0604020202020204" pitchFamily="34" charset="0"/>
+                  <a:buChar char="•"/>
+                </a:pPr>
+                <a:r>
+                  <a:rPr lang="en-US" dirty="0"/>
+                  <a:t>Empty Flask POT: </a:t>
+                </a:r>
+                <a14:m>
+                  <m:oMath xmlns:m="http://schemas.openxmlformats.org/officeDocument/2006/math">
+                    <m:r>
+                      <a:rPr lang="en-US" b="0" i="1" smtClean="0">
+                        <a:latin typeface="Cambria Math" panose="02040503050406030204" pitchFamily="18" charset="0"/>
+                      </a:rPr>
+                      <m:t>5.78261×</m:t>
+                    </m:r>
+                    <m:sSup>
+                      <m:sSupPr>
+                        <m:ctrlPr>
+                          <a:rPr lang="en-US" b="0" i="1" smtClean="0">
+                            <a:latin typeface="Cambria Math" panose="02040503050406030204" pitchFamily="18" charset="0"/>
+                          </a:rPr>
+                        </m:ctrlPr>
+                      </m:sSupPr>
+                      <m:e>
+                        <m:r>
+                          <a:rPr lang="en-US" b="0" i="1" smtClean="0">
+                            <a:latin typeface="Cambria Math" panose="02040503050406030204" pitchFamily="18" charset="0"/>
+                          </a:rPr>
+                          <m:t>10</m:t>
+                        </m:r>
+                      </m:e>
+                      <m:sup>
+                        <m:r>
+                          <a:rPr lang="en-US" b="0" i="1" smtClean="0">
+                            <a:latin typeface="Cambria Math" panose="02040503050406030204" pitchFamily="18" charset="0"/>
+                          </a:rPr>
+                          <m:t>16</m:t>
+                        </m:r>
+                      </m:sup>
+                    </m:sSup>
+                  </m:oMath>
+                </a14:m>
+                <a:endParaRPr lang="en-US" dirty="0"/>
+              </a:p>
+            </p:txBody>
+          </p:sp>
+        </mc:Choice>
+        <mc:Fallback>
+          <p:sp>
+            <p:nvSpPr>
+              <p:cNvPr id="6" name="TextBox 5">
+                <a:extLst>
+                  <a:ext uri="{FF2B5EF4-FFF2-40B4-BE49-F238E27FC236}">
+                    <a16:creationId xmlns:a16="http://schemas.microsoft.com/office/drawing/2014/main" id="{A6C081C8-5946-8E90-AF18-21DBA5E88F0A}"/>
+                  </a:ext>
+                </a:extLst>
+              </p:cNvPr>
+              <p:cNvSpPr txBox="1">
+                <a:spLocks noRot="1" noChangeAspect="1" noMove="1" noResize="1" noEditPoints="1" noAdjustHandles="1" noChangeArrowheads="1" noChangeShapeType="1" noTextEdit="1"/>
+              </p:cNvSpPr>
+              <p:nvPr/>
+            </p:nvSpPr>
+            <p:spPr>
+              <a:xfrm>
+                <a:off x="7982143" y="4575168"/>
+                <a:ext cx="3557256" cy="646331"/>
+              </a:xfrm>
+              <a:prstGeom prst="rect">
+                <a:avLst/>
+              </a:prstGeom>
+              <a:blipFill>
+                <a:blip r:embed="rId3"/>
+                <a:stretch>
+                  <a:fillRect l="-1068" t="-3846" r="-1423" b="-13462"/>
+                </a:stretch>
+              </a:blipFill>
+            </p:spPr>
+            <p:txBody>
+              <a:bodyPr/>
+              <a:lstStyle/>
+              <a:p>
+                <a:r>
+                  <a:rPr lang="en-US">
+                    <a:noFill/>
+                  </a:rPr>
+                  <a:t> </a:t>
+                </a:r>
+              </a:p>
+            </p:txBody>
+          </p:sp>
+        </mc:Fallback>
+      </mc:AlternateContent>
+    </p:spTree>
+    <p:extLst>
+      <p:ext uri="{BB962C8B-B14F-4D97-AF65-F5344CB8AC3E}">
+        <p14:creationId xmlns:p14="http://schemas.microsoft.com/office/powerpoint/2010/main" val="1505188122"/>
+      </p:ext>
+    </p:extLst>
+  </p:cSld>
+  <p:clrMapOvr>
+    <a:masterClrMapping/>
+  </p:clrMapOvr>
+</p:sld>
+</file>
+
+<file path=ppt/slides/slide6.xml><?xml version="1.0" encoding="utf-8"?>
+<p:sld xmlns:a="http://schemas.openxmlformats.org/drawingml/2006/main" xmlns:r="http://schemas.openxmlformats.org/officeDocument/2006/relationships" xmlns:p="http://schemas.openxmlformats.org/presentationml/2006/main">
+  <p:cSld>
+    <p:spTree>
+      <p:nvGrpSpPr>
+        <p:cNvPr id="1" name="">
+          <a:extLst>
+            <a:ext uri="{FF2B5EF4-FFF2-40B4-BE49-F238E27FC236}">
+              <a16:creationId xmlns:a16="http://schemas.microsoft.com/office/drawing/2014/main" id="{3C06B395-DC93-BDA1-6D2B-394D5B9E4E4E}"/>
+            </a:ext>
+          </a:extLst>
+        </p:cNvPr>
+        <p:cNvGrpSpPr/>
+        <p:nvPr/>
+      </p:nvGrpSpPr>
+      <p:grpSpPr>
+        <a:xfrm>
+          <a:off x="0" y="0"/>
+          <a:ext cx="0" cy="0"/>
+          <a:chOff x="0" y="0"/>
+          <a:chExt cx="0" cy="0"/>
+        </a:xfrm>
+      </p:grpSpPr>
+      <mc:AlternateContent xmlns:mc="http://schemas.openxmlformats.org/markup-compatibility/2006">
+        <mc:Choice xmlns:a14="http://schemas.microsoft.com/office/drawing/2010/main" Requires="a14">
+          <p:sp>
+            <p:nvSpPr>
+              <p:cNvPr id="2" name="Title 1">
+                <a:extLst>
+                  <a:ext uri="{FF2B5EF4-FFF2-40B4-BE49-F238E27FC236}">
+                    <a16:creationId xmlns:a16="http://schemas.microsoft.com/office/drawing/2014/main" id="{376009B5-78F1-9EAC-F070-F95DAEEC5C1A}"/>
+                  </a:ext>
+                </a:extLst>
+              </p:cNvPr>
+              <p:cNvSpPr>
+                <a:spLocks noGrp="1"/>
+              </p:cNvSpPr>
+              <p:nvPr>
+                <p:ph type="title"/>
+              </p:nvPr>
+            </p:nvSpPr>
+            <p:spPr/>
+            <p:txBody>
+              <a:bodyPr/>
+              <a:lstStyle/>
+              <a:p>
+                <a:r>
+                  <a:rPr lang="en-US" dirty="0"/>
+                  <a:t>Additional Studies of </a:t>
+                </a:r>
+                <a14:m>
+                  <m:oMath xmlns:m="http://schemas.openxmlformats.org/officeDocument/2006/math">
+                    <m:r>
+                      <a:rPr lang="en-US" i="1" dirty="0" smtClean="0">
+                        <a:latin typeface="Cambria Math" panose="02040503050406030204" pitchFamily="18" charset="0"/>
+                      </a:rPr>
+                      <m:t>𝜓</m:t>
+                    </m:r>
+                    <m:r>
+                      <a:rPr lang="en-US" b="0" i="1" dirty="0" smtClean="0">
+                        <a:latin typeface="Cambria Math" panose="02040503050406030204" pitchFamily="18" charset="0"/>
+                      </a:rPr>
+                      <m:t>′</m:t>
+                    </m:r>
+                  </m:oMath>
+                </a14:m>
+                <a:r>
+                  <a:rPr lang="en-US" dirty="0"/>
+                  <a:t> Contamination</a:t>
+                </a:r>
+              </a:p>
+            </p:txBody>
+          </p:sp>
+        </mc:Choice>
+        <mc:Fallback>
+          <p:sp>
+            <p:nvSpPr>
+              <p:cNvPr id="2" name="Title 1">
+                <a:extLst>
+                  <a:ext uri="{FF2B5EF4-FFF2-40B4-BE49-F238E27FC236}">
+                    <a16:creationId xmlns:a16="http://schemas.microsoft.com/office/drawing/2014/main" id="{376009B5-78F1-9EAC-F070-F95DAEEC5C1A}"/>
+                  </a:ext>
+                </a:extLst>
+              </p:cNvPr>
+              <p:cNvSpPr>
+                <a:spLocks noGrp="1" noRot="1" noChangeAspect="1" noMove="1" noResize="1" noEditPoints="1" noAdjustHandles="1" noChangeArrowheads="1" noChangeShapeType="1" noTextEdit="1"/>
+              </p:cNvSpPr>
+              <p:nvPr>
+                <p:ph type="title"/>
+              </p:nvPr>
+            </p:nvSpPr>
+            <p:spPr>
+              <a:blipFill>
+                <a:blip r:embed="rId2"/>
+                <a:stretch>
+                  <a:fillRect l="-2413"/>
+                </a:stretch>
+              </a:blipFill>
+            </p:spPr>
+            <p:txBody>
+              <a:bodyPr/>
+              <a:lstStyle/>
+              <a:p>
+                <a:r>
+                  <a:rPr lang="en-US">
+                    <a:noFill/>
+                  </a:rPr>
+                  <a:t> </a:t>
+                </a:r>
+              </a:p>
+            </p:txBody>
+          </p:sp>
+        </mc:Fallback>
+      </mc:AlternateContent>
+      <p:sp>
+        <p:nvSpPr>
+          <p:cNvPr id="4" name="Date Placeholder 3">
+            <a:extLst>
+              <a:ext uri="{FF2B5EF4-FFF2-40B4-BE49-F238E27FC236}">
+                <a16:creationId xmlns:a16="http://schemas.microsoft.com/office/drawing/2014/main" id="{68A8BACF-C5DB-4E89-9103-083B3E9C767C}"/>
+              </a:ext>
+            </a:extLst>
+          </p:cNvPr>
+          <p:cNvSpPr>
+            <a:spLocks noGrp="1"/>
+          </p:cNvSpPr>
+          <p:nvPr>
+            <p:ph type="dt" sz="half" idx="10"/>
+          </p:nvPr>
+        </p:nvSpPr>
+        <p:spPr/>
+        <p:txBody>
+          <a:bodyPr/>
+          <a:lstStyle/>
+          <a:p>
+            <a:fld id="{3B9977D7-0EE6-4641-8458-2B150046FE11}" type="datetime1">
+              <a:rPr lang="en-US" smtClean="0"/>
+              <a:t>8/15/25</a:t>
+            </a:fld>
+            <a:endParaRPr lang="en-US"/>
+          </a:p>
+        </p:txBody>
+      </p:sp>
+      <p:sp>
+        <p:nvSpPr>
+          <p:cNvPr id="5" name="Slide Number Placeholder 4">
+            <a:extLst>
+              <a:ext uri="{FF2B5EF4-FFF2-40B4-BE49-F238E27FC236}">
+                <a16:creationId xmlns:a16="http://schemas.microsoft.com/office/drawing/2014/main" id="{C9E6FDA9-D1B0-086F-ED3C-7DA54B6EB9DE}"/>
+              </a:ext>
+            </a:extLst>
+          </p:cNvPr>
+          <p:cNvSpPr>
+            <a:spLocks noGrp="1"/>
+          </p:cNvSpPr>
+          <p:nvPr>
+            <p:ph type="sldNum" sz="quarter" idx="12"/>
+          </p:nvPr>
+        </p:nvSpPr>
+        <p:spPr/>
+        <p:txBody>
+          <a:bodyPr/>
+          <a:lstStyle/>
+          <a:p>
+            <a:fld id="{8017FDCA-9457-E54C-8F9D-F4CD5ABC5619}" type="slidenum">
+              <a:rPr lang="en-US" smtClean="0"/>
+              <a:t>6</a:t>
+            </a:fld>
+            <a:endParaRPr lang="en-US"/>
+          </a:p>
+        </p:txBody>
+      </p:sp>
+      <p:sp>
+        <p:nvSpPr>
+          <p:cNvPr id="7" name="TextBox 6">
+            <a:extLst>
+              <a:ext uri="{FF2B5EF4-FFF2-40B4-BE49-F238E27FC236}">
+                <a16:creationId xmlns:a16="http://schemas.microsoft.com/office/drawing/2014/main" id="{EEB88693-CE10-032E-7F62-0AAF5AB64286}"/>
+              </a:ext>
+            </a:extLst>
+          </p:cNvPr>
+          <p:cNvSpPr txBox="1"/>
+          <p:nvPr/>
+        </p:nvSpPr>
+        <p:spPr>
+          <a:xfrm>
+            <a:off x="98544" y="1593477"/>
+            <a:ext cx="12093456" cy="5632311"/>
+          </a:xfrm>
+          <a:prstGeom prst="rect">
+            <a:avLst/>
+          </a:prstGeom>
+          <a:noFill/>
+        </p:spPr>
+        <p:txBody>
+          <a:bodyPr wrap="square">
+            <a:spAutoFit/>
+          </a:bodyPr>
+          <a:lstStyle/>
+          <a:p>
+            <a:pPr marL="285750" indent="-285750">
+              <a:buFont typeface="Arial" panose="020B0604020202020204" pitchFamily="34" charset="0"/>
+              <a:buChar char="•"/>
+            </a:pPr>
+            <a:r>
+              <a:rPr lang="en-US" b="1" dirty="0"/>
+              <a:t>Main cuts used:</a:t>
+            </a:r>
+          </a:p>
+          <a:p>
+            <a:pPr marL="742950" lvl="1" indent="-285750">
+              <a:buFont typeface="Arial" panose="020B0604020202020204" pitchFamily="34" charset="0"/>
+              <a:buChar char="•"/>
+            </a:pPr>
+            <a:r>
+              <a:rPr lang="en-US" dirty="0" err="1"/>
+              <a:t>TCut</a:t>
+            </a:r>
+            <a:r>
+              <a:rPr lang="en-US" dirty="0"/>
+              <a:t> </a:t>
+            </a:r>
+            <a:r>
+              <a:rPr lang="en-US" dirty="0" err="1"/>
+              <a:t>dataCut</a:t>
+            </a:r>
+            <a:r>
+              <a:rPr lang="en-US" dirty="0"/>
+              <a:t> = physicsCuts_noMassCut_2111v42_tmp &amp;&amp; </a:t>
+            </a:r>
+            <a:r>
+              <a:rPr lang="en-US" dirty="0" err="1"/>
+              <a:t>occCut</a:t>
+            </a:r>
+            <a:r>
+              <a:rPr lang="en-US" dirty="0"/>
+              <a:t> &amp;&amp; intensityCuts_2111v42 &amp;&amp; "mass&lt;8.8";</a:t>
+            </a:r>
+          </a:p>
+          <a:p>
+            <a:pPr marL="285750" indent="-285750">
+              <a:buFont typeface="Arial" panose="020B0604020202020204" pitchFamily="34" charset="0"/>
+              <a:buChar char="•"/>
+            </a:pPr>
+            <a:endParaRPr lang="en-US" dirty="0"/>
+          </a:p>
+          <a:p>
+            <a:pPr marL="742950" lvl="1" indent="-285750">
+              <a:buFont typeface="Arial" panose="020B0604020202020204" pitchFamily="34" charset="0"/>
+              <a:buChar char="•"/>
+            </a:pPr>
+            <a:r>
+              <a:rPr lang="en-US" dirty="0" err="1"/>
+              <a:t>TCut</a:t>
+            </a:r>
+            <a:r>
+              <a:rPr lang="en-US" dirty="0"/>
+              <a:t> MCCut = chuckCutsPositive_2111v42_tmp &amp;&amp; chuckCutsNegative_2111v42_tmp &amp;&amp; chuckCutsDimuon_2111v42 &amp;&amp; physicsCuts_noMassCut_2111v42_tmp &amp;&amp; </a:t>
+            </a:r>
+            <a:r>
+              <a:rPr lang="en-US" dirty="0" err="1"/>
+              <a:t>occCut</a:t>
+            </a:r>
+            <a:r>
+              <a:rPr lang="en-US" dirty="0"/>
+              <a:t> &amp;&amp; "0.99*mass&lt;8.8";</a:t>
+            </a:r>
+          </a:p>
+          <a:p>
+            <a:pPr marL="285750" indent="-285750">
+              <a:buFont typeface="Arial" panose="020B0604020202020204" pitchFamily="34" charset="0"/>
+              <a:buChar char="•"/>
+            </a:pPr>
+            <a:endParaRPr lang="en-US" dirty="0"/>
+          </a:p>
+          <a:p>
+            <a:pPr marL="742950" lvl="1" indent="-285750">
+              <a:buFont typeface="Arial" panose="020B0604020202020204" pitchFamily="34" charset="0"/>
+              <a:buChar char="•"/>
+            </a:pPr>
+            <a:r>
+              <a:rPr lang="en-US" dirty="0" err="1"/>
+              <a:t>TCut</a:t>
+            </a:r>
+            <a:r>
+              <a:rPr lang="en-US" dirty="0"/>
+              <a:t> </a:t>
+            </a:r>
+            <a:r>
+              <a:rPr lang="en-US" dirty="0" err="1"/>
+              <a:t>mixCut</a:t>
+            </a:r>
+            <a:r>
+              <a:rPr lang="en-US" dirty="0"/>
+              <a:t> = chuckCutsPositive_2111v42_tmp &amp;&amp; chuckCutsNegative_2111v42_tmp &amp;&amp; chuckCutsDimuon_2111v42 &amp;&amp; physicsCuts_noMassCut_2111v42_tmp &amp;&amp; </a:t>
+            </a:r>
+            <a:r>
+              <a:rPr lang="en-US" dirty="0" err="1"/>
+              <a:t>occCut</a:t>
+            </a:r>
+            <a:r>
+              <a:rPr lang="en-US" dirty="0"/>
+              <a:t> &amp;&amp; "mass&lt;8.8";</a:t>
+            </a:r>
+          </a:p>
+          <a:p>
+            <a:pPr marL="742950" lvl="1" indent="-285750">
+              <a:buFont typeface="Arial" panose="020B0604020202020204" pitchFamily="34" charset="0"/>
+              <a:buChar char="•"/>
+            </a:pPr>
+            <a:endParaRPr lang="en-US" dirty="0"/>
+          </a:p>
+          <a:p>
+            <a:pPr marL="285750" indent="-285750">
+              <a:buFont typeface="Arial" panose="020B0604020202020204" pitchFamily="34" charset="0"/>
+              <a:buChar char="•"/>
+            </a:pPr>
+            <a:r>
+              <a:rPr lang="en-US" b="1" dirty="0"/>
+              <a:t>Histograms filled:</a:t>
+            </a:r>
+          </a:p>
+          <a:p>
+            <a:pPr marL="742950" lvl="1" indent="-285750">
+              <a:buFont typeface="Arial" panose="020B0604020202020204" pitchFamily="34" charset="0"/>
+              <a:buChar char="•"/>
+            </a:pPr>
+            <a:r>
+              <a:rPr lang="en-US" dirty="0" err="1"/>
+              <a:t>dataTree</a:t>
+            </a:r>
+            <a:r>
+              <a:rPr lang="en-US" dirty="0"/>
+              <a:t>-&gt;Draw("mass&gt;&gt;h_data",</a:t>
+            </a:r>
+            <a:r>
+              <a:rPr lang="en-US" dirty="0" err="1"/>
+              <a:t>dataCut</a:t>
+            </a:r>
+            <a:r>
+              <a:rPr lang="en-US" dirty="0"/>
+              <a:t>&amp;&amp;</a:t>
+            </a:r>
+            <a:r>
+              <a:rPr lang="en-US" dirty="0" err="1"/>
+              <a:t>TString</a:t>
+            </a:r>
+            <a:r>
+              <a:rPr lang="en-US" dirty="0"/>
+              <a:t>::Format("</a:t>
+            </a:r>
+            <a:r>
+              <a:rPr lang="en-US" dirty="0" err="1"/>
+              <a:t>targetPos</a:t>
+            </a:r>
+            <a:r>
+              <a:rPr lang="en-US" dirty="0"/>
+              <a:t>==%</a:t>
+            </a:r>
+            <a:r>
+              <a:rPr lang="en-US" dirty="0" err="1"/>
+              <a:t>i</a:t>
+            </a:r>
+            <a:r>
+              <a:rPr lang="en-US" dirty="0"/>
+              <a:t>",target), "</a:t>
+            </a:r>
+            <a:r>
+              <a:rPr lang="en-US" dirty="0" err="1"/>
+              <a:t>goff</a:t>
+            </a:r>
+            <a:r>
+              <a:rPr lang="en-US" dirty="0"/>
+              <a:t>"); here: target==1 (LH2)</a:t>
+            </a:r>
+          </a:p>
+          <a:p>
+            <a:pPr marL="742950" lvl="1" indent="-285750">
+              <a:buFont typeface="Arial" panose="020B0604020202020204" pitchFamily="34" charset="0"/>
+              <a:buChar char="•"/>
+            </a:pPr>
+            <a:r>
+              <a:rPr lang="en-US" dirty="0" err="1"/>
+              <a:t>dataTree</a:t>
+            </a:r>
+            <a:r>
+              <a:rPr lang="en-US" dirty="0"/>
+              <a:t>-&gt;Draw("mass&gt;&gt;h_flask",</a:t>
+            </a:r>
+            <a:r>
+              <a:rPr lang="en-US" dirty="0" err="1"/>
+              <a:t>dataCut</a:t>
+            </a:r>
+            <a:r>
+              <a:rPr lang="en-US" dirty="0"/>
+              <a:t>&amp;&amp;</a:t>
+            </a:r>
+            <a:r>
+              <a:rPr lang="en-US" dirty="0" err="1"/>
+              <a:t>TString</a:t>
+            </a:r>
+            <a:r>
+              <a:rPr lang="en-US" dirty="0"/>
+              <a:t>::Format("</a:t>
+            </a:r>
+            <a:r>
+              <a:rPr lang="en-US" dirty="0" err="1"/>
+              <a:t>targetPos</a:t>
+            </a:r>
+            <a:r>
+              <a:rPr lang="en-US" dirty="0"/>
+              <a:t>==%</a:t>
+            </a:r>
+            <a:r>
+              <a:rPr lang="en-US" dirty="0" err="1"/>
+              <a:t>i</a:t>
+            </a:r>
+            <a:r>
+              <a:rPr lang="en-US" dirty="0"/>
+              <a:t>",</a:t>
+            </a:r>
+            <a:r>
+              <a:rPr lang="en-US" dirty="0" err="1"/>
+              <a:t>flaskPos</a:t>
+            </a:r>
+            <a:r>
+              <a:rPr lang="en-US" dirty="0"/>
+              <a:t>),"</a:t>
+            </a:r>
+            <a:r>
+              <a:rPr lang="en-US" dirty="0" err="1"/>
+              <a:t>goff</a:t>
+            </a:r>
+            <a:r>
+              <a:rPr lang="en-US" dirty="0"/>
+              <a:t>"); here: </a:t>
+            </a:r>
+            <a:r>
+              <a:rPr lang="en-US" dirty="0" err="1"/>
+              <a:t>flaskPos</a:t>
+            </a:r>
+            <a:r>
+              <a:rPr lang="en-US" dirty="0"/>
+              <a:t>==2</a:t>
+            </a:r>
+          </a:p>
+          <a:p>
+            <a:pPr marL="742950" lvl="1" indent="-285750">
+              <a:buFont typeface="Arial" panose="020B0604020202020204" pitchFamily="34" charset="0"/>
+              <a:buChar char="•"/>
+            </a:pPr>
+            <a:r>
+              <a:rPr lang="en-US" dirty="0" err="1"/>
+              <a:t>mixTree</a:t>
+            </a:r>
+            <a:r>
+              <a:rPr lang="en-US" dirty="0"/>
+              <a:t>-&gt;Draw("mass&gt;&gt;h_mix",</a:t>
+            </a:r>
+            <a:r>
+              <a:rPr lang="en-US" dirty="0" err="1"/>
+              <a:t>mixCut</a:t>
+            </a:r>
+            <a:r>
+              <a:rPr lang="en-US" dirty="0"/>
+              <a:t>, "</a:t>
+            </a:r>
+            <a:r>
+              <a:rPr lang="en-US" dirty="0" err="1"/>
+              <a:t>goff</a:t>
+            </a:r>
+            <a:r>
+              <a:rPr lang="en-US" dirty="0"/>
+              <a:t>");</a:t>
+            </a:r>
+          </a:p>
+          <a:p>
+            <a:pPr marL="742950" lvl="1" indent="-285750">
+              <a:buFont typeface="Arial" panose="020B0604020202020204" pitchFamily="34" charset="0"/>
+              <a:buChar char="•"/>
+            </a:pPr>
+            <a:r>
+              <a:rPr lang="en-US" dirty="0" err="1"/>
+              <a:t>mcTree</a:t>
+            </a:r>
+            <a:r>
+              <a:rPr lang="en-US" dirty="0"/>
+              <a:t>-&gt;Draw("0.99*mass&gt;&gt;"</a:t>
+            </a:r>
+            <a:r>
+              <a:rPr lang="en-US" dirty="0" err="1"/>
+              <a:t>hName</a:t>
+            </a:r>
+            <a:r>
+              <a:rPr lang="en-US" dirty="0"/>
+              <a:t>, "</a:t>
+            </a:r>
+            <a:r>
+              <a:rPr lang="en-US" dirty="0" err="1"/>
+              <a:t>ReWeight</a:t>
+            </a:r>
+            <a:r>
+              <a:rPr lang="en-US" dirty="0"/>
+              <a:t>"*MCCut, "</a:t>
+            </a:r>
+            <a:r>
+              <a:rPr lang="en-US" dirty="0" err="1"/>
+              <a:t>goff</a:t>
+            </a:r>
+            <a:r>
+              <a:rPr lang="en-US" dirty="0"/>
+              <a:t>");</a:t>
+            </a:r>
+          </a:p>
+          <a:p>
+            <a:pPr marL="742950" lvl="1" indent="-285750">
+              <a:buFont typeface="Arial" panose="020B0604020202020204" pitchFamily="34" charset="0"/>
+              <a:buChar char="•"/>
+            </a:pPr>
+            <a:endParaRPr lang="en-US" dirty="0"/>
+          </a:p>
+          <a:p>
+            <a:pPr marL="742950" lvl="1" indent="-285750">
+              <a:buFont typeface="Arial" panose="020B0604020202020204" pitchFamily="34" charset="0"/>
+              <a:buChar char="•"/>
+            </a:pPr>
+            <a:endParaRPr lang="en-US" dirty="0"/>
+          </a:p>
+          <a:p>
+            <a:pPr marL="742950" lvl="1" indent="-285750">
+              <a:buFont typeface="Arial" panose="020B0604020202020204" pitchFamily="34" charset="0"/>
+              <a:buChar char="•"/>
+            </a:pPr>
+            <a:endParaRPr lang="en-US" dirty="0"/>
+          </a:p>
+          <a:p>
+            <a:pPr marL="742950" lvl="1" indent="-285750">
+              <a:buFont typeface="Arial" panose="020B0604020202020204" pitchFamily="34" charset="0"/>
+              <a:buChar char="•"/>
+            </a:pPr>
+            <a:endParaRPr lang="en-US" dirty="0"/>
+          </a:p>
+          <a:p>
+            <a:pPr marL="742950" lvl="1" indent="-285750">
+              <a:buFont typeface="Arial" panose="020B0604020202020204" pitchFamily="34" charset="0"/>
+              <a:buChar char="•"/>
+            </a:pPr>
+            <a:endParaRPr lang="en-US" dirty="0"/>
+          </a:p>
+          <a:p>
+            <a:endParaRPr lang="en-US" dirty="0"/>
+          </a:p>
+        </p:txBody>
+      </p:sp>
+    </p:spTree>
+    <p:extLst>
+      <p:ext uri="{BB962C8B-B14F-4D97-AF65-F5344CB8AC3E}">
+        <p14:creationId xmlns:p14="http://schemas.microsoft.com/office/powerpoint/2010/main" val="986881186"/>
+      </p:ext>
+    </p:extLst>
+  </p:cSld>
+  <p:clrMapOvr>
+    <a:masterClrMapping/>
+  </p:clrMapOvr>
+</p:sld>
+</file>
+
+<file path=ppt/slides/slide7.xml><?xml version="1.0" encoding="utf-8"?>
+<p:sld xmlns:a="http://schemas.openxmlformats.org/drawingml/2006/main" xmlns:r="http://schemas.openxmlformats.org/officeDocument/2006/relationships" xmlns:p="http://schemas.openxmlformats.org/presentationml/2006/main">
+  <p:cSld>
+    <p:spTree>
+      <p:nvGrpSpPr>
+        <p:cNvPr id="1" name="">
+          <a:extLst>
+            <a:ext uri="{FF2B5EF4-FFF2-40B4-BE49-F238E27FC236}">
+              <a16:creationId xmlns:a16="http://schemas.microsoft.com/office/drawing/2014/main" id="{6A5A5700-37E3-6580-837D-56C22E17DD5A}"/>
+            </a:ext>
+          </a:extLst>
+        </p:cNvPr>
+        <p:cNvGrpSpPr/>
+        <p:nvPr/>
+      </p:nvGrpSpPr>
+      <p:grpSpPr>
+        <a:xfrm>
+          <a:off x="0" y="0"/>
+          <a:ext cx="0" cy="0"/>
+          <a:chOff x="0" y="0"/>
+          <a:chExt cx="0" cy="0"/>
+        </a:xfrm>
+      </p:grpSpPr>
+      <p:sp>
+        <p:nvSpPr>
+          <p:cNvPr id="2" name="Title 1">
+            <a:extLst>
+              <a:ext uri="{FF2B5EF4-FFF2-40B4-BE49-F238E27FC236}">
+                <a16:creationId xmlns:a16="http://schemas.microsoft.com/office/drawing/2014/main" id="{573BDD94-CE45-7C2A-0FEC-C3E99E81ABFA}"/>
+              </a:ext>
+            </a:extLst>
+          </p:cNvPr>
+          <p:cNvSpPr>
+            <a:spLocks noGrp="1"/>
+          </p:cNvSpPr>
+          <p:nvPr>
+            <p:ph type="title"/>
+          </p:nvPr>
+        </p:nvSpPr>
+        <p:spPr/>
+        <p:txBody>
+          <a:bodyPr/>
+          <a:lstStyle/>
+          <a:p>
+            <a:r>
+              <a:rPr lang="en-US" dirty="0"/>
+              <a:t>Previous </a:t>
+            </a:r>
+            <a:r>
+              <a:rPr lang="en-US" dirty="0" err="1"/>
+              <a:t>MassFit</a:t>
+            </a:r>
+            <a:r>
+              <a:rPr lang="en-US" dirty="0"/>
+              <a:t> Presented in </a:t>
+            </a:r>
+            <a:r>
+              <a:rPr lang="en-US" dirty="0" err="1"/>
+              <a:t>Docdb</a:t>
+            </a:r>
+            <a:r>
+              <a:rPr lang="en-US" dirty="0"/>
+              <a:t> 11224</a:t>
+            </a:r>
+            <a:br>
+              <a:rPr lang="en-US" dirty="0"/>
+            </a:br>
+            <a:endParaRPr lang="en-US" dirty="0"/>
+          </a:p>
+        </p:txBody>
+      </p:sp>
+      <p:sp>
+        <p:nvSpPr>
+          <p:cNvPr id="4" name="Date Placeholder 3">
+            <a:extLst>
+              <a:ext uri="{FF2B5EF4-FFF2-40B4-BE49-F238E27FC236}">
+                <a16:creationId xmlns:a16="http://schemas.microsoft.com/office/drawing/2014/main" id="{87FB4C23-9436-82A8-0F09-E0AB28C5700C}"/>
+              </a:ext>
+            </a:extLst>
+          </p:cNvPr>
+          <p:cNvSpPr>
+            <a:spLocks noGrp="1"/>
+          </p:cNvSpPr>
+          <p:nvPr>
+            <p:ph type="dt" sz="half" idx="10"/>
+          </p:nvPr>
+        </p:nvSpPr>
+        <p:spPr/>
+        <p:txBody>
+          <a:bodyPr/>
+          <a:lstStyle/>
+          <a:p>
+            <a:fld id="{3B9977D7-0EE6-4641-8458-2B150046FE11}" type="datetime1">
+              <a:rPr lang="en-US" smtClean="0"/>
+              <a:t>8/19/25</a:t>
+            </a:fld>
+            <a:endParaRPr lang="en-US" dirty="0"/>
+          </a:p>
+        </p:txBody>
+      </p:sp>
+      <p:sp>
+        <p:nvSpPr>
+          <p:cNvPr id="5" name="Slide Number Placeholder 4">
+            <a:extLst>
+              <a:ext uri="{FF2B5EF4-FFF2-40B4-BE49-F238E27FC236}">
+                <a16:creationId xmlns:a16="http://schemas.microsoft.com/office/drawing/2014/main" id="{4B8D344D-BDEB-0A7C-733C-551C12B97D73}"/>
+              </a:ext>
+            </a:extLst>
+          </p:cNvPr>
+          <p:cNvSpPr>
+            <a:spLocks noGrp="1"/>
+          </p:cNvSpPr>
+          <p:nvPr>
+            <p:ph type="sldNum" sz="quarter" idx="12"/>
+          </p:nvPr>
+        </p:nvSpPr>
+        <p:spPr/>
+        <p:txBody>
+          <a:bodyPr/>
+          <a:lstStyle/>
+          <a:p>
+            <a:fld id="{8017FDCA-9457-E54C-8F9D-F4CD5ABC5619}" type="slidenum">
+              <a:rPr lang="en-US" smtClean="0"/>
+              <a:t>7</a:t>
+            </a:fld>
+            <a:endParaRPr lang="en-US" dirty="0"/>
+          </a:p>
+        </p:txBody>
+      </p:sp>
+      <p:grpSp>
+        <p:nvGrpSpPr>
+          <p:cNvPr id="8" name="Group 7">
+            <a:extLst>
+              <a:ext uri="{FF2B5EF4-FFF2-40B4-BE49-F238E27FC236}">
+                <a16:creationId xmlns:a16="http://schemas.microsoft.com/office/drawing/2014/main" id="{2DE9B6B1-0845-008C-F337-A5A6CF1172D7}"/>
+              </a:ext>
+            </a:extLst>
+          </p:cNvPr>
+          <p:cNvGrpSpPr/>
+          <p:nvPr/>
+        </p:nvGrpSpPr>
+        <p:grpSpPr>
+          <a:xfrm>
+            <a:off x="288530" y="1309816"/>
+            <a:ext cx="7100811" cy="4888098"/>
+            <a:chOff x="300887" y="758217"/>
+            <a:chExt cx="7772400" cy="5170008"/>
+          </a:xfrm>
+        </p:grpSpPr>
+        <p:pic>
+          <p:nvPicPr>
+            <p:cNvPr id="9" name="Picture 8" descr="A graph of a graph&#10;&#10;AI-generated content may be incorrect.">
+              <a:extLst>
+                <a:ext uri="{FF2B5EF4-FFF2-40B4-BE49-F238E27FC236}">
+                  <a16:creationId xmlns:a16="http://schemas.microsoft.com/office/drawing/2014/main" id="{EB970549-9803-32F1-5A0F-D357F9DA38C6}"/>
+                </a:ext>
+              </a:extLst>
+            </p:cNvPr>
+            <p:cNvPicPr>
+              <a:picLocks noChangeAspect="1"/>
+            </p:cNvPicPr>
+            <p:nvPr/>
+          </p:nvPicPr>
+          <p:blipFill>
+            <a:blip r:embed="rId2"/>
+            <a:stretch>
+              <a:fillRect/>
+            </a:stretch>
+          </p:blipFill>
+          <p:spPr>
+            <a:xfrm>
+              <a:off x="300887" y="758217"/>
+              <a:ext cx="7772400" cy="5170008"/>
+            </a:xfrm>
+            <a:prstGeom prst="rect">
+              <a:avLst/>
+            </a:prstGeom>
+          </p:spPr>
+        </p:pic>
+        <p:cxnSp>
+          <p:nvCxnSpPr>
+            <p:cNvPr id="10" name="Straight Connector 9">
+              <a:extLst>
+                <a:ext uri="{FF2B5EF4-FFF2-40B4-BE49-F238E27FC236}">
+                  <a16:creationId xmlns:a16="http://schemas.microsoft.com/office/drawing/2014/main" id="{9904B4D9-1703-A415-B093-5ACBF4BC3049}"/>
+                </a:ext>
+              </a:extLst>
+            </p:cNvPr>
+            <p:cNvCxnSpPr>
+              <a:cxnSpLocks/>
+            </p:cNvCxnSpPr>
+            <p:nvPr/>
+          </p:nvCxnSpPr>
+          <p:spPr>
+            <a:xfrm flipV="1">
+              <a:off x="3178849" y="2001148"/>
+              <a:ext cx="0" cy="3557064"/>
+            </a:xfrm>
+            <a:prstGeom prst="line">
+              <a:avLst/>
+            </a:prstGeom>
+            <a:ln w="19050">
+              <a:solidFill>
+                <a:srgbClr val="FF0000"/>
+              </a:solidFill>
+            </a:ln>
+          </p:spPr>
+          <p:style>
+            <a:lnRef idx="1">
+              <a:schemeClr val="accent1"/>
+            </a:lnRef>
+            <a:fillRef idx="0">
+              <a:schemeClr val="accent1"/>
+            </a:fillRef>
+            <a:effectRef idx="0">
+              <a:schemeClr val="accent1"/>
+            </a:effectRef>
+            <a:fontRef idx="minor">
+              <a:schemeClr val="tx1"/>
+            </a:fontRef>
+          </p:style>
+        </p:cxnSp>
+        <p:cxnSp>
+          <p:nvCxnSpPr>
+            <p:cNvPr id="11" name="Straight Connector 10">
+              <a:extLst>
+                <a:ext uri="{FF2B5EF4-FFF2-40B4-BE49-F238E27FC236}">
+                  <a16:creationId xmlns:a16="http://schemas.microsoft.com/office/drawing/2014/main" id="{5B529740-221A-0419-3473-A92100453B48}"/>
+                </a:ext>
+              </a:extLst>
+            </p:cNvPr>
+            <p:cNvCxnSpPr>
+              <a:cxnSpLocks/>
+            </p:cNvCxnSpPr>
+            <p:nvPr/>
+          </p:nvCxnSpPr>
+          <p:spPr>
+            <a:xfrm flipV="1">
+              <a:off x="7529835" y="2001148"/>
+              <a:ext cx="0" cy="3557064"/>
+            </a:xfrm>
+            <a:prstGeom prst="line">
+              <a:avLst/>
+            </a:prstGeom>
+            <a:ln w="19050">
+              <a:solidFill>
+                <a:srgbClr val="FF0000"/>
+              </a:solidFill>
+            </a:ln>
+          </p:spPr>
+          <p:style>
+            <a:lnRef idx="1">
+              <a:schemeClr val="accent1"/>
+            </a:lnRef>
+            <a:fillRef idx="0">
+              <a:schemeClr val="accent1"/>
+            </a:fillRef>
+            <a:effectRef idx="0">
+              <a:schemeClr val="accent1"/>
+            </a:effectRef>
+            <a:fontRef idx="minor">
+              <a:schemeClr val="tx1"/>
+            </a:fontRef>
+          </p:style>
+        </p:cxnSp>
+        <p:cxnSp>
+          <p:nvCxnSpPr>
+            <p:cNvPr id="12" name="Straight Arrow Connector 11">
+              <a:extLst>
+                <a:ext uri="{FF2B5EF4-FFF2-40B4-BE49-F238E27FC236}">
+                  <a16:creationId xmlns:a16="http://schemas.microsoft.com/office/drawing/2014/main" id="{66DC61C1-78DC-B3D4-5532-CC3E8192860B}"/>
+                </a:ext>
+              </a:extLst>
+            </p:cNvPr>
+            <p:cNvCxnSpPr/>
+            <p:nvPr/>
+          </p:nvCxnSpPr>
+          <p:spPr>
+            <a:xfrm>
+              <a:off x="3164488" y="2001148"/>
+              <a:ext cx="363853" cy="0"/>
+            </a:xfrm>
+            <a:prstGeom prst="straightConnector1">
+              <a:avLst/>
+            </a:prstGeom>
+            <a:ln w="19050">
+              <a:solidFill>
+                <a:srgbClr val="FF0000"/>
+              </a:solidFill>
+              <a:tailEnd type="triangle"/>
+            </a:ln>
+          </p:spPr>
+          <p:style>
+            <a:lnRef idx="1">
+              <a:schemeClr val="accent1"/>
+            </a:lnRef>
+            <a:fillRef idx="0">
+              <a:schemeClr val="accent1"/>
+            </a:fillRef>
+            <a:effectRef idx="0">
+              <a:schemeClr val="accent1"/>
+            </a:effectRef>
+            <a:fontRef idx="minor">
+              <a:schemeClr val="tx1"/>
+            </a:fontRef>
+          </p:style>
+        </p:cxnSp>
+        <p:cxnSp>
+          <p:nvCxnSpPr>
+            <p:cNvPr id="13" name="Straight Arrow Connector 12">
+              <a:extLst>
+                <a:ext uri="{FF2B5EF4-FFF2-40B4-BE49-F238E27FC236}">
+                  <a16:creationId xmlns:a16="http://schemas.microsoft.com/office/drawing/2014/main" id="{2369EE07-E581-D5C4-8187-8B7C2BBB9848}"/>
+                </a:ext>
+              </a:extLst>
+            </p:cNvPr>
+            <p:cNvCxnSpPr>
+              <a:cxnSpLocks/>
+            </p:cNvCxnSpPr>
+            <p:nvPr/>
+          </p:nvCxnSpPr>
+          <p:spPr>
+            <a:xfrm flipH="1">
+              <a:off x="7185129" y="2001148"/>
+              <a:ext cx="363853" cy="0"/>
+            </a:xfrm>
+            <a:prstGeom prst="straightConnector1">
+              <a:avLst/>
+            </a:prstGeom>
+            <a:ln w="19050">
+              <a:solidFill>
+                <a:srgbClr val="FF0000"/>
+              </a:solidFill>
+              <a:tailEnd type="triangle"/>
+            </a:ln>
+          </p:spPr>
+          <p:style>
+            <a:lnRef idx="1">
+              <a:schemeClr val="accent1"/>
+            </a:lnRef>
+            <a:fillRef idx="0">
+              <a:schemeClr val="accent1"/>
+            </a:fillRef>
+            <a:effectRef idx="0">
+              <a:schemeClr val="accent1"/>
+            </a:effectRef>
+            <a:fontRef idx="minor">
+              <a:schemeClr val="tx1"/>
+            </a:fontRef>
+          </p:style>
+        </p:cxnSp>
+      </p:grpSp>
+      <p:pic>
+        <p:nvPicPr>
+          <p:cNvPr id="26" name="Picture 25" descr="A table with numbers and a number of data&#10;&#10;AI-generated content may be incorrect.">
+            <a:extLst>
+              <a:ext uri="{FF2B5EF4-FFF2-40B4-BE49-F238E27FC236}">
+                <a16:creationId xmlns:a16="http://schemas.microsoft.com/office/drawing/2014/main" id="{BC42A7A6-6949-AC1C-071A-C60340FE0BAB}"/>
+              </a:ext>
+            </a:extLst>
+          </p:cNvPr>
+          <p:cNvPicPr>
+            <a:picLocks noChangeAspect="1"/>
+          </p:cNvPicPr>
+          <p:nvPr/>
+        </p:nvPicPr>
+        <p:blipFill>
+          <a:blip r:embed="rId3"/>
+          <a:stretch>
+            <a:fillRect/>
+          </a:stretch>
+        </p:blipFill>
+        <p:spPr>
+          <a:xfrm>
+            <a:off x="8177437" y="3719384"/>
+            <a:ext cx="3186934" cy="2128694"/>
+          </a:xfrm>
+          <a:prstGeom prst="rect">
+            <a:avLst/>
+          </a:prstGeom>
+        </p:spPr>
+      </p:pic>
+      <mc:AlternateContent xmlns:mc="http://schemas.openxmlformats.org/markup-compatibility/2006">
+        <mc:Choice xmlns:a14="http://schemas.microsoft.com/office/drawing/2010/main" Requires="a14">
+          <p:sp>
+            <p:nvSpPr>
+              <p:cNvPr id="27" name="TextBox 26">
+                <a:extLst>
+                  <a:ext uri="{FF2B5EF4-FFF2-40B4-BE49-F238E27FC236}">
+                    <a16:creationId xmlns:a16="http://schemas.microsoft.com/office/drawing/2014/main" id="{0CA2D891-DD8F-05DC-2CC1-6903F0C524E4}"/>
+                  </a:ext>
+                </a:extLst>
+              </p:cNvPr>
+              <p:cNvSpPr txBox="1"/>
+              <p:nvPr/>
+            </p:nvSpPr>
+            <p:spPr>
+              <a:xfrm>
+                <a:off x="7466934" y="1651699"/>
+                <a:ext cx="4335482" cy="276999"/>
+              </a:xfrm>
+              <a:prstGeom prst="rect">
+                <a:avLst/>
+              </a:prstGeom>
+              <a:noFill/>
+            </p:spPr>
+            <p:txBody>
+              <a:bodyPr wrap="none" lIns="0" tIns="0" rIns="0" bIns="0" rtlCol="0">
+                <a:spAutoFit/>
+              </a:bodyPr>
+              <a:lstStyle/>
+              <a:p>
+                <a:pPr/>
+                <a14:m>
+                  <m:oMathPara xmlns:m="http://schemas.openxmlformats.org/officeDocument/2006/math">
+                    <m:oMathParaPr>
+                      <m:jc m:val="centerGroup"/>
+                    </m:oMathParaPr>
+                    <m:oMath xmlns:m="http://schemas.openxmlformats.org/officeDocument/2006/math">
+                      <m:r>
+                        <a:rPr lang="en-US" b="0" i="1" smtClean="0">
+                          <a:latin typeface="Cambria Math" panose="02040503050406030204" pitchFamily="18" charset="0"/>
+                        </a:rPr>
+                        <m:t>𝐶𝑜𝑟𝑟𝑒𝑐𝑡𝑒𝑑</m:t>
+                      </m:r>
+                      <m:r>
+                        <a:rPr lang="en-US" b="0" i="1" smtClean="0">
+                          <a:latin typeface="Cambria Math" panose="02040503050406030204" pitchFamily="18" charset="0"/>
+                        </a:rPr>
+                        <m:t> </m:t>
+                      </m:r>
+                      <m:r>
+                        <a:rPr lang="en-US" b="0" i="1" smtClean="0">
+                          <a:latin typeface="Cambria Math" panose="02040503050406030204" pitchFamily="18" charset="0"/>
+                        </a:rPr>
+                        <m:t>𝐷𝑎𝑡𝑎</m:t>
+                      </m:r>
+                      <m:r>
+                        <a:rPr lang="en-US" b="0" i="1" smtClean="0">
+                          <a:latin typeface="Cambria Math" panose="02040503050406030204" pitchFamily="18" charset="0"/>
+                        </a:rPr>
+                        <m:t>=</m:t>
+                      </m:r>
+                      <m:d>
+                        <m:dPr>
+                          <m:ctrlPr>
+                            <a:rPr lang="en-US" b="0" i="1" smtClean="0">
+                              <a:latin typeface="Cambria Math" panose="02040503050406030204" pitchFamily="18" charset="0"/>
+                            </a:rPr>
+                          </m:ctrlPr>
+                        </m:dPr>
+                        <m:e>
+                          <m:r>
+                            <m:rPr>
+                              <m:nor/>
+                            </m:rPr>
+                            <a:rPr lang="en-US"/>
+                            <m:t>71324.214 </m:t>
+                          </m:r>
+                          <m:r>
+                            <a:rPr lang="en-US" b="0" i="1" smtClean="0">
+                              <a:latin typeface="Cambria Math" panose="02040503050406030204" pitchFamily="18" charset="0"/>
+                            </a:rPr>
+                            <m:t>±</m:t>
+                          </m:r>
+                          <m:r>
+                            <m:rPr>
+                              <m:nor/>
+                            </m:rPr>
+                            <a:rPr lang="en-US"/>
+                            <m:t>469.67</m:t>
+                          </m:r>
+                          <m:r>
+                            <a:rPr lang="en-US" b="0" i="1" smtClean="0">
+                              <a:latin typeface="Cambria Math" panose="02040503050406030204" pitchFamily="18" charset="0"/>
+                            </a:rPr>
+                            <m:t>1</m:t>
+                          </m:r>
+                        </m:e>
+                      </m:d>
+                    </m:oMath>
+                  </m:oMathPara>
+                </a14:m>
+                <a:endParaRPr lang="en-US" b="0" dirty="0"/>
+              </a:p>
+            </p:txBody>
+          </p:sp>
+        </mc:Choice>
+        <mc:Fallback>
+          <p:sp>
+            <p:nvSpPr>
+              <p:cNvPr id="27" name="TextBox 26">
+                <a:extLst>
+                  <a:ext uri="{FF2B5EF4-FFF2-40B4-BE49-F238E27FC236}">
+                    <a16:creationId xmlns:a16="http://schemas.microsoft.com/office/drawing/2014/main" id="{0CA2D891-DD8F-05DC-2CC1-6903F0C524E4}"/>
+                  </a:ext>
+                </a:extLst>
+              </p:cNvPr>
+              <p:cNvSpPr txBox="1">
+                <a:spLocks noRot="1" noChangeAspect="1" noMove="1" noResize="1" noEditPoints="1" noAdjustHandles="1" noChangeArrowheads="1" noChangeShapeType="1" noTextEdit="1"/>
+              </p:cNvSpPr>
+              <p:nvPr/>
+            </p:nvSpPr>
+            <p:spPr>
+              <a:xfrm>
+                <a:off x="7466934" y="1651699"/>
+                <a:ext cx="4335482" cy="276999"/>
+              </a:xfrm>
+              <a:prstGeom prst="rect">
+                <a:avLst/>
+              </a:prstGeom>
+              <a:blipFill>
+                <a:blip r:embed="rId4"/>
+                <a:stretch>
+                  <a:fillRect l="-1170" t="-22727" b="-45455"/>
+                </a:stretch>
+              </a:blipFill>
+            </p:spPr>
+            <p:txBody>
+              <a:bodyPr/>
+              <a:lstStyle/>
+              <a:p>
+                <a:r>
+                  <a:rPr lang="en-US">
+                    <a:noFill/>
+                  </a:rPr>
+                  <a:t> </a:t>
+                </a:r>
+              </a:p>
+            </p:txBody>
+          </p:sp>
+        </mc:Fallback>
+      </mc:AlternateContent>
+      <mc:AlternateContent xmlns:mc="http://schemas.openxmlformats.org/markup-compatibility/2006">
+        <mc:Choice xmlns:a14="http://schemas.microsoft.com/office/drawing/2010/main" Requires="a14">
+          <p:sp>
+            <p:nvSpPr>
+              <p:cNvPr id="29" name="TextBox 28">
+                <a:extLst>
+                  <a:ext uri="{FF2B5EF4-FFF2-40B4-BE49-F238E27FC236}">
+                    <a16:creationId xmlns:a16="http://schemas.microsoft.com/office/drawing/2014/main" id="{8D8BD9A9-10A9-8A84-5C77-BFC9BC59A8AA}"/>
+                  </a:ext>
+                </a:extLst>
+              </p:cNvPr>
+              <p:cNvSpPr txBox="1"/>
+              <p:nvPr/>
+            </p:nvSpPr>
+            <p:spPr>
+              <a:xfrm>
+                <a:off x="8374802" y="2010065"/>
+                <a:ext cx="3408562" cy="276999"/>
+              </a:xfrm>
+              <a:prstGeom prst="rect">
+                <a:avLst/>
+              </a:prstGeom>
+              <a:noFill/>
+            </p:spPr>
+            <p:txBody>
+              <a:bodyPr wrap="none" lIns="0" tIns="0" rIns="0" bIns="0" rtlCol="0">
+                <a:spAutoFit/>
+              </a:bodyPr>
+              <a:lstStyle/>
+              <a:p>
+                <a:pPr/>
+                <a14:m>
+                  <m:oMathPara xmlns:m="http://schemas.openxmlformats.org/officeDocument/2006/math">
+                    <m:oMathParaPr>
+                      <m:jc m:val="centerGroup"/>
+                    </m:oMathParaPr>
+                    <m:oMath xmlns:m="http://schemas.openxmlformats.org/officeDocument/2006/math">
+                      <m:r>
+                        <a:rPr lang="en-US" b="0" i="1" smtClean="0">
+                          <a:latin typeface="Cambria Math" panose="02040503050406030204" pitchFamily="18" charset="0"/>
+                        </a:rPr>
+                        <m:t>𝐷𝑌</m:t>
+                      </m:r>
+                      <m:r>
+                        <a:rPr lang="en-US" b="0" i="1" smtClean="0">
+                          <a:latin typeface="Cambria Math" panose="02040503050406030204" pitchFamily="18" charset="0"/>
+                        </a:rPr>
+                        <m:t> </m:t>
+                      </m:r>
+                      <m:r>
+                        <a:rPr lang="en-US" b="0" i="1" smtClean="0">
+                          <a:latin typeface="Cambria Math" panose="02040503050406030204" pitchFamily="18" charset="0"/>
+                        </a:rPr>
+                        <m:t>𝑀𝐶</m:t>
+                      </m:r>
+                      <m:r>
+                        <a:rPr lang="en-US" b="0" i="1" smtClean="0">
+                          <a:latin typeface="Cambria Math" panose="02040503050406030204" pitchFamily="18" charset="0"/>
+                        </a:rPr>
+                        <m:t>=</m:t>
+                      </m:r>
+                      <m:d>
+                        <m:dPr>
+                          <m:ctrlPr>
+                            <a:rPr lang="en-US" b="0" i="1" smtClean="0">
+                              <a:latin typeface="Cambria Math" panose="02040503050406030204" pitchFamily="18" charset="0"/>
+                            </a:rPr>
+                          </m:ctrlPr>
+                        </m:dPr>
+                        <m:e>
+                          <m:r>
+                            <a:rPr lang="en-US" b="0" i="1" smtClean="0">
+                              <a:latin typeface="Cambria Math" panose="02040503050406030204" pitchFamily="18" charset="0"/>
+                            </a:rPr>
+                            <m:t>24963.798</m:t>
+                          </m:r>
+                          <m:r>
+                            <a:rPr lang="en-US" b="0" i="1" smtClean="0">
+                              <a:latin typeface="Cambria Math" panose="02040503050406030204" pitchFamily="18" charset="0"/>
+                            </a:rPr>
+                            <m:t>±</m:t>
+                          </m:r>
+                          <m:r>
+                            <a:rPr lang="en-US" i="1">
+                              <a:latin typeface="Cambria Math" panose="02040503050406030204" pitchFamily="18" charset="0"/>
+                            </a:rPr>
+                            <m:t>233.37</m:t>
+                          </m:r>
+                          <m:r>
+                            <a:rPr lang="en-US" b="0" i="1" smtClean="0">
+                              <a:latin typeface="Cambria Math" panose="02040503050406030204" pitchFamily="18" charset="0"/>
+                            </a:rPr>
+                            <m:t>9</m:t>
+                          </m:r>
+                        </m:e>
+                      </m:d>
+                    </m:oMath>
+                  </m:oMathPara>
+                </a14:m>
+                <a:endParaRPr lang="en-US" b="0" dirty="0"/>
+              </a:p>
+            </p:txBody>
+          </p:sp>
+        </mc:Choice>
+        <mc:Fallback>
+          <p:sp>
+            <p:nvSpPr>
+              <p:cNvPr id="29" name="TextBox 28">
+                <a:extLst>
+                  <a:ext uri="{FF2B5EF4-FFF2-40B4-BE49-F238E27FC236}">
+                    <a16:creationId xmlns:a16="http://schemas.microsoft.com/office/drawing/2014/main" id="{8D8BD9A9-10A9-8A84-5C77-BFC9BC59A8AA}"/>
+                  </a:ext>
+                </a:extLst>
+              </p:cNvPr>
+              <p:cNvSpPr txBox="1">
+                <a:spLocks noRot="1" noChangeAspect="1" noMove="1" noResize="1" noEditPoints="1" noAdjustHandles="1" noChangeArrowheads="1" noChangeShapeType="1" noTextEdit="1"/>
+              </p:cNvSpPr>
+              <p:nvPr/>
+            </p:nvSpPr>
+            <p:spPr>
+              <a:xfrm>
+                <a:off x="8374802" y="2010065"/>
+                <a:ext cx="3408562" cy="276999"/>
+              </a:xfrm>
+              <a:prstGeom prst="rect">
+                <a:avLst/>
+              </a:prstGeom>
+              <a:blipFill>
+                <a:blip r:embed="rId5"/>
+                <a:stretch>
+                  <a:fillRect l="-1115" t="-9091" b="-40909"/>
+                </a:stretch>
+              </a:blipFill>
+            </p:spPr>
+            <p:txBody>
+              <a:bodyPr/>
+              <a:lstStyle/>
+              <a:p>
+                <a:r>
+                  <a:rPr lang="en-US">
+                    <a:noFill/>
+                  </a:rPr>
+                  <a:t> </a:t>
+                </a:r>
+              </a:p>
+            </p:txBody>
+          </p:sp>
+        </mc:Fallback>
+      </mc:AlternateContent>
+      <mc:AlternateContent xmlns:mc="http://schemas.openxmlformats.org/markup-compatibility/2006">
+        <mc:Choice xmlns:a14="http://schemas.microsoft.com/office/drawing/2010/main" Requires="a14">
+          <p:sp>
+            <p:nvSpPr>
+              <p:cNvPr id="30" name="TextBox 29">
+                <a:extLst>
+                  <a:ext uri="{FF2B5EF4-FFF2-40B4-BE49-F238E27FC236}">
+                    <a16:creationId xmlns:a16="http://schemas.microsoft.com/office/drawing/2014/main" id="{B17467A0-5034-FF76-42D3-5F09F76E811B}"/>
+                  </a:ext>
+                </a:extLst>
+              </p:cNvPr>
+              <p:cNvSpPr txBox="1"/>
+              <p:nvPr/>
+            </p:nvSpPr>
+            <p:spPr>
+              <a:xfrm>
+                <a:off x="8214646" y="2368431"/>
+                <a:ext cx="3447034" cy="276999"/>
+              </a:xfrm>
+              <a:prstGeom prst="rect">
+                <a:avLst/>
+              </a:prstGeom>
+              <a:noFill/>
+            </p:spPr>
+            <p:txBody>
+              <a:bodyPr wrap="none" lIns="0" tIns="0" rIns="0" bIns="0" rtlCol="0">
+                <a:spAutoFit/>
+              </a:bodyPr>
+              <a:lstStyle/>
+              <a:p>
+                <a:pPr/>
+                <a14:m>
+                  <m:oMathPara xmlns:m="http://schemas.openxmlformats.org/officeDocument/2006/math">
+                    <m:oMathParaPr>
+                      <m:jc m:val="centerGroup"/>
+                    </m:oMathParaPr>
+                    <m:oMath xmlns:m="http://schemas.openxmlformats.org/officeDocument/2006/math">
+                      <m:r>
+                        <a:rPr lang="en-US" b="0" i="1" smtClean="0">
+                          <a:latin typeface="Cambria Math" panose="02040503050406030204" pitchFamily="18" charset="0"/>
+                        </a:rPr>
+                        <m:t>𝑃𝑠𝑖𝑃</m:t>
+                      </m:r>
+                      <m:r>
+                        <a:rPr lang="en-US" b="0" i="1" smtClean="0">
+                          <a:latin typeface="Cambria Math" panose="02040503050406030204" pitchFamily="18" charset="0"/>
+                        </a:rPr>
+                        <m:t> </m:t>
+                      </m:r>
+                      <m:r>
+                        <a:rPr lang="en-US" b="0" i="1" smtClean="0">
+                          <a:latin typeface="Cambria Math" panose="02040503050406030204" pitchFamily="18" charset="0"/>
+                        </a:rPr>
+                        <m:t>𝑀𝐶</m:t>
+                      </m:r>
+                      <m:r>
+                        <a:rPr lang="en-US" b="0" i="1" smtClean="0">
+                          <a:latin typeface="Cambria Math" panose="02040503050406030204" pitchFamily="18" charset="0"/>
+                        </a:rPr>
+                        <m:t>=</m:t>
+                      </m:r>
+                      <m:d>
+                        <m:dPr>
+                          <m:ctrlPr>
+                            <a:rPr lang="en-US" b="0" i="1" smtClean="0">
+                              <a:latin typeface="Cambria Math" panose="02040503050406030204" pitchFamily="18" charset="0"/>
+                            </a:rPr>
+                          </m:ctrlPr>
+                        </m:dPr>
+                        <m:e>
+                          <m:r>
+                            <a:rPr lang="en-US" i="1">
+                              <a:latin typeface="Cambria Math" panose="02040503050406030204" pitchFamily="18" charset="0"/>
+                            </a:rPr>
+                            <m:t>10360.488</m:t>
+                          </m:r>
+                          <m:r>
+                            <a:rPr lang="en-US" b="0" i="1" smtClean="0">
+                              <a:latin typeface="Cambria Math" panose="02040503050406030204" pitchFamily="18" charset="0"/>
+                            </a:rPr>
+                            <m:t>±</m:t>
+                          </m:r>
+                          <m:r>
+                            <a:rPr lang="en-US" i="1">
+                              <a:latin typeface="Cambria Math" panose="02040503050406030204" pitchFamily="18" charset="0"/>
+                            </a:rPr>
+                            <m:t>96.483</m:t>
+                          </m:r>
+                        </m:e>
+                      </m:d>
+                    </m:oMath>
+                  </m:oMathPara>
+                </a14:m>
+                <a:endParaRPr lang="en-US" b="0" dirty="0"/>
+              </a:p>
+            </p:txBody>
+          </p:sp>
+        </mc:Choice>
+        <mc:Fallback>
+          <p:sp>
+            <p:nvSpPr>
+              <p:cNvPr id="30" name="TextBox 29">
+                <a:extLst>
+                  <a:ext uri="{FF2B5EF4-FFF2-40B4-BE49-F238E27FC236}">
+                    <a16:creationId xmlns:a16="http://schemas.microsoft.com/office/drawing/2014/main" id="{B17467A0-5034-FF76-42D3-5F09F76E811B}"/>
+                  </a:ext>
+                </a:extLst>
+              </p:cNvPr>
+              <p:cNvSpPr txBox="1">
+                <a:spLocks noRot="1" noChangeAspect="1" noMove="1" noResize="1" noEditPoints="1" noAdjustHandles="1" noChangeArrowheads="1" noChangeShapeType="1" noTextEdit="1"/>
+              </p:cNvSpPr>
+              <p:nvPr/>
+            </p:nvSpPr>
+            <p:spPr>
+              <a:xfrm>
+                <a:off x="8214646" y="2368431"/>
+                <a:ext cx="3447034" cy="276999"/>
+              </a:xfrm>
+              <a:prstGeom prst="rect">
+                <a:avLst/>
+              </a:prstGeom>
+              <a:blipFill>
+                <a:blip r:embed="rId6"/>
+                <a:stretch>
+                  <a:fillRect l="-1471" t="-8696" b="-34783"/>
+                </a:stretch>
+              </a:blipFill>
+            </p:spPr>
+            <p:txBody>
+              <a:bodyPr/>
+              <a:lstStyle/>
+              <a:p>
+                <a:r>
+                  <a:rPr lang="en-US">
+                    <a:noFill/>
+                  </a:rPr>
+                  <a:t> </a:t>
+                </a:r>
+              </a:p>
+            </p:txBody>
+          </p:sp>
+        </mc:Fallback>
+      </mc:AlternateContent>
+      <mc:AlternateContent xmlns:mc="http://schemas.openxmlformats.org/markup-compatibility/2006">
+        <mc:Choice xmlns:a14="http://schemas.microsoft.com/office/drawing/2010/main" Requires="a14">
+          <p:sp>
+            <p:nvSpPr>
+              <p:cNvPr id="31" name="TextBox 30">
+                <a:extLst>
+                  <a:ext uri="{FF2B5EF4-FFF2-40B4-BE49-F238E27FC236}">
+                    <a16:creationId xmlns:a16="http://schemas.microsoft.com/office/drawing/2014/main" id="{2EA6AF89-80BA-09DB-9408-6E897DFC1EE8}"/>
+                  </a:ext>
+                </a:extLst>
+              </p:cNvPr>
+              <p:cNvSpPr txBox="1"/>
+              <p:nvPr/>
+            </p:nvSpPr>
+            <p:spPr>
+              <a:xfrm>
+                <a:off x="8147386" y="2700263"/>
+                <a:ext cx="3640740" cy="276999"/>
+              </a:xfrm>
+              <a:prstGeom prst="rect">
+                <a:avLst/>
+              </a:prstGeom>
+              <a:noFill/>
+            </p:spPr>
+            <p:txBody>
+              <a:bodyPr wrap="none" lIns="0" tIns="0" rIns="0" bIns="0" rtlCol="0">
+                <a:spAutoFit/>
+              </a:bodyPr>
+              <a:lstStyle/>
+              <a:p>
+                <a:pPr/>
+                <a14:m>
+                  <m:oMathPara xmlns:m="http://schemas.openxmlformats.org/officeDocument/2006/math">
+                    <m:oMathParaPr>
+                      <m:jc m:val="centerGroup"/>
+                    </m:oMathParaPr>
+                    <m:oMath xmlns:m="http://schemas.openxmlformats.org/officeDocument/2006/math">
+                      <m:r>
+                        <a:rPr lang="en-US" b="0" i="1" smtClean="0">
+                          <a:latin typeface="Cambria Math" panose="02040503050406030204" pitchFamily="18" charset="0"/>
+                        </a:rPr>
+                        <m:t>𝐽</m:t>
+                      </m:r>
+                      <m:r>
+                        <a:rPr lang="en-US" b="0" i="1" smtClean="0">
+                          <a:latin typeface="Cambria Math" panose="02040503050406030204" pitchFamily="18" charset="0"/>
+                        </a:rPr>
+                        <m:t>/</m:t>
+                      </m:r>
+                      <m:r>
+                        <a:rPr lang="en-US" b="0" i="1" smtClean="0">
+                          <a:latin typeface="Cambria Math" panose="02040503050406030204" pitchFamily="18" charset="0"/>
+                        </a:rPr>
+                        <m:t>𝑃𝑠𝑖</m:t>
+                      </m:r>
+                      <m:r>
+                        <a:rPr lang="en-US" b="0" i="1" smtClean="0">
+                          <a:latin typeface="Cambria Math" panose="02040503050406030204" pitchFamily="18" charset="0"/>
+                        </a:rPr>
+                        <m:t> </m:t>
+                      </m:r>
+                      <m:r>
+                        <a:rPr lang="en-US" b="0" i="1" smtClean="0">
+                          <a:latin typeface="Cambria Math" panose="02040503050406030204" pitchFamily="18" charset="0"/>
+                        </a:rPr>
+                        <m:t>𝑀𝐶</m:t>
+                      </m:r>
+                      <m:r>
+                        <a:rPr lang="en-US" b="0" i="1" smtClean="0">
+                          <a:latin typeface="Cambria Math" panose="02040503050406030204" pitchFamily="18" charset="0"/>
+                        </a:rPr>
+                        <m:t>=</m:t>
+                      </m:r>
+                      <m:d>
+                        <m:dPr>
+                          <m:ctrlPr>
+                            <a:rPr lang="en-US" b="0" i="1" smtClean="0">
+                              <a:latin typeface="Cambria Math" panose="02040503050406030204" pitchFamily="18" charset="0"/>
+                            </a:rPr>
+                          </m:ctrlPr>
+                        </m:dPr>
+                        <m:e>
+                          <m:r>
+                            <a:rPr lang="en-US" b="0" i="1" smtClean="0">
+                              <a:latin typeface="Cambria Math" panose="02040503050406030204" pitchFamily="18" charset="0"/>
+                            </a:rPr>
+                            <m:t>34966</m:t>
+                          </m:r>
+                          <m:r>
+                            <a:rPr lang="en-US" b="0" i="1" smtClean="0">
+                              <a:latin typeface="Cambria Math" panose="02040503050406030204" pitchFamily="18" charset="0"/>
+                            </a:rPr>
+                            <m:t>.595</m:t>
+                          </m:r>
+                          <m:r>
+                            <a:rPr lang="en-US" b="0" i="1" smtClean="0">
+                              <a:latin typeface="Cambria Math" panose="02040503050406030204" pitchFamily="18" charset="0"/>
+                            </a:rPr>
+                            <m:t>±</m:t>
+                          </m:r>
+                          <m:r>
+                            <a:rPr lang="en-US" i="1">
+                              <a:latin typeface="Cambria Math" panose="02040503050406030204" pitchFamily="18" charset="0"/>
+                            </a:rPr>
+                            <m:t>762.457</m:t>
+                          </m:r>
+                        </m:e>
+                      </m:d>
+                    </m:oMath>
+                  </m:oMathPara>
+                </a14:m>
+                <a:endParaRPr lang="en-US" b="0" dirty="0"/>
+              </a:p>
+            </p:txBody>
+          </p:sp>
+        </mc:Choice>
+        <mc:Fallback>
+          <p:sp>
+            <p:nvSpPr>
+              <p:cNvPr id="31" name="TextBox 30">
+                <a:extLst>
+                  <a:ext uri="{FF2B5EF4-FFF2-40B4-BE49-F238E27FC236}">
+                    <a16:creationId xmlns:a16="http://schemas.microsoft.com/office/drawing/2014/main" id="{2EA6AF89-80BA-09DB-9408-6E897DFC1EE8}"/>
+                  </a:ext>
+                </a:extLst>
+              </p:cNvPr>
+              <p:cNvSpPr txBox="1">
+                <a:spLocks noRot="1" noChangeAspect="1" noMove="1" noResize="1" noEditPoints="1" noAdjustHandles="1" noChangeArrowheads="1" noChangeShapeType="1" noTextEdit="1"/>
+              </p:cNvSpPr>
+              <p:nvPr/>
+            </p:nvSpPr>
+            <p:spPr>
+              <a:xfrm>
+                <a:off x="8147386" y="2700263"/>
+                <a:ext cx="3640740" cy="276999"/>
+              </a:xfrm>
+              <a:prstGeom prst="rect">
+                <a:avLst/>
+              </a:prstGeom>
+              <a:blipFill>
+                <a:blip r:embed="rId7"/>
+                <a:stretch>
+                  <a:fillRect l="-1736" t="-8696" b="-34783"/>
+                </a:stretch>
+              </a:blipFill>
+            </p:spPr>
+            <p:txBody>
+              <a:bodyPr/>
+              <a:lstStyle/>
+              <a:p>
+                <a:r>
+                  <a:rPr lang="en-US">
+                    <a:noFill/>
+                  </a:rPr>
+                  <a:t> </a:t>
+                </a:r>
+              </a:p>
+            </p:txBody>
+          </p:sp>
+        </mc:Fallback>
+      </mc:AlternateContent>
+    </p:spTree>
+    <p:extLst>
+      <p:ext uri="{BB962C8B-B14F-4D97-AF65-F5344CB8AC3E}">
+        <p14:creationId xmlns:p14="http://schemas.microsoft.com/office/powerpoint/2010/main" val="1702558021"/>
+      </p:ext>
+    </p:extLst>
+  </p:cSld>
+  <p:clrMapOvr>
+    <a:masterClrMapping/>
+  </p:clrMapOvr>
+</p:sld>
+</file>
+
+<file path=ppt/slides/slide8.xml><?xml version="1.0" encoding="utf-8"?>
+<p:sld xmlns:a="http://schemas.openxmlformats.org/drawingml/2006/main" xmlns:r="http://schemas.openxmlformats.org/officeDocument/2006/relationships" xmlns:p="http://schemas.openxmlformats.org/presentationml/2006/main">
+  <p:cSld>
+    <p:spTree>
+      <p:nvGrpSpPr>
+        <p:cNvPr id="1" name="">
+          <a:extLst>
+            <a:ext uri="{FF2B5EF4-FFF2-40B4-BE49-F238E27FC236}">
+              <a16:creationId xmlns:a16="http://schemas.microsoft.com/office/drawing/2014/main" id="{73ACBBF4-FB7D-E487-EF60-4156DFCB6AE9}"/>
+            </a:ext>
+          </a:extLst>
+        </p:cNvPr>
+        <p:cNvGrpSpPr/>
+        <p:nvPr/>
+      </p:nvGrpSpPr>
+      <p:grpSpPr>
+        <a:xfrm>
+          <a:off x="0" y="0"/>
+          <a:ext cx="0" cy="0"/>
+          <a:chOff x="0" y="0"/>
+          <a:chExt cx="0" cy="0"/>
+        </a:xfrm>
+      </p:grpSpPr>
+      <p:pic>
+        <p:nvPicPr>
+          <p:cNvPr id="22" name="Picture 21">
+            <a:extLst>
+              <a:ext uri="{FF2B5EF4-FFF2-40B4-BE49-F238E27FC236}">
+                <a16:creationId xmlns:a16="http://schemas.microsoft.com/office/drawing/2014/main" id="{BB4BE4FB-2DB4-6483-4F06-2504B25DB8CF}"/>
+              </a:ext>
+            </a:extLst>
+          </p:cNvPr>
+          <p:cNvPicPr>
+            <a:picLocks noChangeAspect="1"/>
+          </p:cNvPicPr>
+          <p:nvPr/>
+        </p:nvPicPr>
+        <p:blipFill>
+          <a:blip r:embed="rId3"/>
+          <a:stretch>
+            <a:fillRect/>
+          </a:stretch>
+        </p:blipFill>
+        <p:spPr>
+          <a:xfrm>
+            <a:off x="5911182" y="372597"/>
+            <a:ext cx="6171036" cy="4428969"/>
+          </a:xfrm>
+          <a:prstGeom prst="rect">
+            <a:avLst/>
+          </a:prstGeom>
+        </p:spPr>
+      </p:pic>
+      <mc:AlternateContent xmlns:mc="http://schemas.openxmlformats.org/markup-compatibility/2006">
+        <mc:Choice xmlns:a14="http://schemas.microsoft.com/office/drawing/2010/main" Requires="a14">
+          <p:sp>
+            <p:nvSpPr>
+              <p:cNvPr id="17" name="Title 1">
+                <a:extLst>
+                  <a:ext uri="{FF2B5EF4-FFF2-40B4-BE49-F238E27FC236}">
+                    <a16:creationId xmlns:a16="http://schemas.microsoft.com/office/drawing/2014/main" id="{DB766365-E852-9CE4-73CB-1E5DE7F33110}"/>
+                  </a:ext>
+                </a:extLst>
+              </p:cNvPr>
+              <p:cNvSpPr txBox="1">
+                <a:spLocks/>
+              </p:cNvSpPr>
+              <p:nvPr/>
+            </p:nvSpPr>
+            <p:spPr>
+              <a:xfrm>
+                <a:off x="109782" y="15240"/>
+                <a:ext cx="10515600" cy="765313"/>
+              </a:xfrm>
+              <a:prstGeom prst="rect">
+                <a:avLst/>
+              </a:prstGeom>
+            </p:spPr>
+            <p:txBody>
+              <a:bodyPr vert="horz" lIns="91440" tIns="45720" rIns="91440" bIns="45720" rtlCol="0" anchor="b">
+                <a:normAutofit/>
+              </a:bodyPr>
+              <a:lstStyle>
+                <a:lvl1pPr algn="ctr" defTabSz="914400" rtl="0" eaLnBrk="1" latinLnBrk="0" hangingPunct="1">
+                  <a:lnSpc>
+                    <a:spcPct val="90000"/>
+                  </a:lnSpc>
+                  <a:spcBef>
+                    <a:spcPct val="0"/>
+                  </a:spcBef>
+                  <a:buNone/>
+                  <a:defRPr sz="6000" kern="1200">
+                    <a:solidFill>
+                      <a:schemeClr val="tx1"/>
+                    </a:solidFill>
+                    <a:latin typeface="+mj-lt"/>
+                    <a:ea typeface="+mj-ea"/>
+                    <a:cs typeface="+mj-cs"/>
+                  </a:defRPr>
+                </a:lvl1pPr>
+              </a:lstStyle>
+              <a:p>
+                <a:pPr algn="l"/>
+                <a:r>
+                  <a:rPr lang="en-US" sz="4000" dirty="0">
+                    <a:solidFill>
+                      <a:schemeClr val="tx1"/>
+                    </a:solidFill>
+                    <a:cs typeface="Arial" panose="020B0604020202020204" pitchFamily="34" charset="0"/>
+                  </a:rPr>
+                  <a:t>Impact of </a:t>
+                </a:r>
+                <a14:m>
+                  <m:oMath xmlns:m="http://schemas.openxmlformats.org/officeDocument/2006/math">
+                    <m:sSup>
+                      <m:sSupPr>
+                        <m:ctrlPr>
+                          <a:rPr lang="en-US" sz="4000" i="1" smtClean="0">
+                            <a:solidFill>
+                              <a:schemeClr val="tx1"/>
+                            </a:solidFill>
+                            <a:cs typeface="Arial" panose="020B0604020202020204" pitchFamily="34" charset="0"/>
+                          </a:rPr>
+                        </m:ctrlPr>
+                      </m:sSupPr>
+                      <m:e>
+                        <m:r>
+                          <a:rPr lang="en-US" sz="4000" b="0" i="1" smtClean="0">
+                            <a:solidFill>
+                              <a:schemeClr val="tx1"/>
+                            </a:solidFill>
+                            <a:cs typeface="Arial" panose="020B0604020202020204" pitchFamily="34" charset="0"/>
+                          </a:rPr>
+                          <m:t>𝜓</m:t>
+                        </m:r>
+                      </m:e>
+                      <m:sup>
+                        <m:r>
+                          <a:rPr lang="en-US" sz="4000" b="0" i="1" smtClean="0">
+                            <a:solidFill>
+                              <a:schemeClr val="tx1"/>
+                            </a:solidFill>
+                            <a:cs typeface="Arial" panose="020B0604020202020204" pitchFamily="34" charset="0"/>
+                          </a:rPr>
+                          <m:t>′</m:t>
+                        </m:r>
+                      </m:sup>
+                    </m:sSup>
+                  </m:oMath>
+                </a14:m>
+                <a:r>
+                  <a:rPr lang="en-US" sz="4000" dirty="0">
+                    <a:solidFill>
+                      <a:schemeClr val="tx1"/>
+                    </a:solidFill>
+                    <a:cs typeface="Arial" panose="020B0604020202020204" pitchFamily="34" charset="0"/>
+                  </a:rPr>
+                  <a:t> contamination after mass cut</a:t>
+                </a:r>
+              </a:p>
+            </p:txBody>
+          </p:sp>
+        </mc:Choice>
+        <mc:Fallback>
+          <p:sp>
+            <p:nvSpPr>
+              <p:cNvPr id="17" name="Title 1">
+                <a:extLst>
+                  <a:ext uri="{FF2B5EF4-FFF2-40B4-BE49-F238E27FC236}">
+                    <a16:creationId xmlns:a16="http://schemas.microsoft.com/office/drawing/2014/main" id="{DB766365-E852-9CE4-73CB-1E5DE7F33110}"/>
+                  </a:ext>
+                </a:extLst>
+              </p:cNvPr>
+              <p:cNvSpPr txBox="1">
+                <a:spLocks noRot="1" noChangeAspect="1" noMove="1" noResize="1" noEditPoints="1" noAdjustHandles="1" noChangeArrowheads="1" noChangeShapeType="1" noTextEdit="1"/>
+              </p:cNvSpPr>
+              <p:nvPr/>
+            </p:nvSpPr>
+            <p:spPr>
+              <a:xfrm>
+                <a:off x="109782" y="15240"/>
+                <a:ext cx="10515600" cy="765313"/>
+              </a:xfrm>
+              <a:prstGeom prst="rect">
+                <a:avLst/>
+              </a:prstGeom>
+              <a:blipFill>
+                <a:blip r:embed="rId4"/>
+                <a:stretch>
+                  <a:fillRect l="-2051" t="-4918" b="-34426"/>
+                </a:stretch>
+              </a:blipFill>
+            </p:spPr>
+            <p:txBody>
+              <a:bodyPr/>
+              <a:lstStyle/>
+              <a:p>
+                <a:r>
+                  <a:rPr lang="en-US">
+                    <a:noFill/>
+                  </a:rPr>
+                  <a:t> </a:t>
+                </a:r>
+              </a:p>
+            </p:txBody>
+          </p:sp>
+        </mc:Fallback>
+      </mc:AlternateContent>
+      <p:pic>
+        <p:nvPicPr>
+          <p:cNvPr id="19" name="Picture 18">
+            <a:extLst>
+              <a:ext uri="{FF2B5EF4-FFF2-40B4-BE49-F238E27FC236}">
+                <a16:creationId xmlns:a16="http://schemas.microsoft.com/office/drawing/2014/main" id="{2B3202B5-1AD3-F9F2-3EC7-33F335EDBF3F}"/>
+              </a:ext>
+            </a:extLst>
+          </p:cNvPr>
+          <p:cNvPicPr>
+            <a:picLocks noChangeAspect="1"/>
+          </p:cNvPicPr>
+          <p:nvPr/>
+        </p:nvPicPr>
+        <p:blipFill>
+          <a:blip r:embed="rId5"/>
+          <a:srcRect t="50248" r="6272"/>
+          <a:stretch>
+            <a:fillRect/>
+          </a:stretch>
+        </p:blipFill>
+        <p:spPr>
+          <a:xfrm>
+            <a:off x="0" y="690881"/>
+            <a:ext cx="5801400" cy="3985177"/>
+          </a:xfrm>
+          <a:prstGeom prst="rect">
+            <a:avLst/>
+          </a:prstGeom>
+        </p:spPr>
+      </p:pic>
+      <p:pic>
+        <p:nvPicPr>
+          <p:cNvPr id="3" name="Picture 2" descr="A table with numbers and a number of percentages&#10;&#10;AI-generated content may be incorrect.">
+            <a:extLst>
+              <a:ext uri="{FF2B5EF4-FFF2-40B4-BE49-F238E27FC236}">
+                <a16:creationId xmlns:a16="http://schemas.microsoft.com/office/drawing/2014/main" id="{D06E14C2-E6AA-14FA-DCCC-E205D65379C8}"/>
+              </a:ext>
+            </a:extLst>
+          </p:cNvPr>
+          <p:cNvPicPr>
+            <a:picLocks noChangeAspect="1"/>
+          </p:cNvPicPr>
+          <p:nvPr/>
+        </p:nvPicPr>
+        <p:blipFill>
+          <a:blip r:embed="rId6"/>
+          <a:stretch>
+            <a:fillRect/>
+          </a:stretch>
+        </p:blipFill>
+        <p:spPr>
+          <a:xfrm>
+            <a:off x="765651" y="4898310"/>
+            <a:ext cx="3195320" cy="1725308"/>
+          </a:xfrm>
+          <a:prstGeom prst="rect">
+            <a:avLst/>
+          </a:prstGeom>
+        </p:spPr>
+      </p:pic>
+      <p:pic>
+        <p:nvPicPr>
+          <p:cNvPr id="7" name="Picture 6" descr="A table with numbers and a percentage&#10;&#10;AI-generated content may be incorrect.">
+            <a:extLst>
+              <a:ext uri="{FF2B5EF4-FFF2-40B4-BE49-F238E27FC236}">
+                <a16:creationId xmlns:a16="http://schemas.microsoft.com/office/drawing/2014/main" id="{27351F6E-79BD-DE01-7A27-1743D069A85E}"/>
+              </a:ext>
+            </a:extLst>
+          </p:cNvPr>
+          <p:cNvPicPr>
+            <a:picLocks noChangeAspect="1"/>
+          </p:cNvPicPr>
+          <p:nvPr/>
+        </p:nvPicPr>
+        <p:blipFill>
+          <a:blip r:embed="rId7"/>
+          <a:stretch>
+            <a:fillRect/>
+          </a:stretch>
+        </p:blipFill>
+        <p:spPr>
+          <a:xfrm>
+            <a:off x="7562720" y="4898310"/>
+            <a:ext cx="3256572" cy="1725308"/>
+          </a:xfrm>
+          <a:prstGeom prst="rect">
+            <a:avLst/>
+          </a:prstGeom>
+        </p:spPr>
+      </p:pic>
+      <p:sp>
+        <p:nvSpPr>
+          <p:cNvPr id="2" name="TextBox 1">
+            <a:extLst>
+              <a:ext uri="{FF2B5EF4-FFF2-40B4-BE49-F238E27FC236}">
+                <a16:creationId xmlns:a16="http://schemas.microsoft.com/office/drawing/2014/main" id="{13A45676-6C74-1D42-5DF6-9BD5E7698CB0}"/>
+              </a:ext>
+            </a:extLst>
+          </p:cNvPr>
+          <p:cNvSpPr txBox="1"/>
+          <p:nvPr/>
+        </p:nvSpPr>
+        <p:spPr>
+          <a:xfrm>
+            <a:off x="765651" y="4506441"/>
+            <a:ext cx="3783665" cy="369332"/>
+          </a:xfrm>
+          <a:prstGeom prst="rect">
+            <a:avLst/>
+          </a:prstGeom>
+          <a:noFill/>
+        </p:spPr>
+        <p:txBody>
+          <a:bodyPr wrap="none" rtlCol="0">
+            <a:spAutoFit/>
+          </a:bodyPr>
+          <a:lstStyle/>
+          <a:p>
+            <a:r>
+              <a:rPr lang="en-US" dirty="0"/>
+              <a:t>Hugo’s mass fit using </a:t>
+            </a:r>
+            <a:r>
+              <a:rPr lang="en-US" dirty="0" err="1"/>
+              <a:t>TFractionFitter</a:t>
+            </a:r>
+            <a:endParaRPr lang="en-US" dirty="0"/>
+          </a:p>
+        </p:txBody>
+      </p:sp>
+      <p:sp>
+        <p:nvSpPr>
+          <p:cNvPr id="6" name="TextBox 5">
+            <a:extLst>
+              <a:ext uri="{FF2B5EF4-FFF2-40B4-BE49-F238E27FC236}">
+                <a16:creationId xmlns:a16="http://schemas.microsoft.com/office/drawing/2014/main" id="{A09E0C2D-5807-F006-89CE-1BF3B9A75300}"/>
+              </a:ext>
+            </a:extLst>
+          </p:cNvPr>
+          <p:cNvSpPr txBox="1"/>
+          <p:nvPr/>
+        </p:nvSpPr>
+        <p:spPr>
+          <a:xfrm>
+            <a:off x="6252102" y="4569195"/>
+            <a:ext cx="5489195" cy="369332"/>
+          </a:xfrm>
+          <a:prstGeom prst="rect">
+            <a:avLst/>
+          </a:prstGeom>
+          <a:noFill/>
+        </p:spPr>
+        <p:txBody>
+          <a:bodyPr wrap="none" rtlCol="0">
+            <a:spAutoFit/>
+          </a:bodyPr>
+          <a:lstStyle/>
+          <a:p>
+            <a:r>
+              <a:rPr lang="en-US" dirty="0"/>
+              <a:t>Reproducing Hugo’s </a:t>
+            </a:r>
+            <a:r>
+              <a:rPr lang="en-US" dirty="0" err="1"/>
+              <a:t>massfit</a:t>
+            </a:r>
+            <a:r>
+              <a:rPr lang="en-US" dirty="0"/>
+              <a:t> using different technique</a:t>
+            </a:r>
+          </a:p>
+        </p:txBody>
+      </p:sp>
+      <p:sp>
+        <p:nvSpPr>
+          <p:cNvPr id="8" name="Date Placeholder 3">
+            <a:extLst>
+              <a:ext uri="{FF2B5EF4-FFF2-40B4-BE49-F238E27FC236}">
+                <a16:creationId xmlns:a16="http://schemas.microsoft.com/office/drawing/2014/main" id="{F0E8FDEA-B878-7299-8BB9-3312D83CC624}"/>
+              </a:ext>
+            </a:extLst>
+          </p:cNvPr>
+          <p:cNvSpPr>
+            <a:spLocks noGrp="1"/>
+          </p:cNvSpPr>
+          <p:nvPr>
+            <p:ph type="dt" sz="half" idx="10"/>
+          </p:nvPr>
+        </p:nvSpPr>
+        <p:spPr>
+          <a:xfrm>
+            <a:off x="832262" y="6492875"/>
+            <a:ext cx="2743200" cy="365125"/>
+          </a:xfrm>
+        </p:spPr>
+        <p:txBody>
+          <a:bodyPr/>
+          <a:lstStyle/>
+          <a:p>
+            <a:fld id="{3B9977D7-0EE6-4641-8458-2B150046FE11}" type="datetime1">
+              <a:rPr lang="en-US" smtClean="0"/>
+              <a:t>8/19/25</a:t>
+            </a:fld>
+            <a:endParaRPr lang="en-US" dirty="0"/>
+          </a:p>
+        </p:txBody>
+      </p:sp>
+      <p:sp>
+        <p:nvSpPr>
+          <p:cNvPr id="9" name="Slide Number Placeholder 4">
+            <a:extLst>
+              <a:ext uri="{FF2B5EF4-FFF2-40B4-BE49-F238E27FC236}">
+                <a16:creationId xmlns:a16="http://schemas.microsoft.com/office/drawing/2014/main" id="{4C2DBD16-0924-979D-D6EC-30E29DF1E6E7}"/>
+              </a:ext>
+            </a:extLst>
+          </p:cNvPr>
+          <p:cNvSpPr>
+            <a:spLocks noGrp="1"/>
+          </p:cNvSpPr>
+          <p:nvPr>
+            <p:ph type="sldNum" sz="quarter" idx="12"/>
+          </p:nvPr>
+        </p:nvSpPr>
+        <p:spPr>
+          <a:xfrm>
+            <a:off x="8610600" y="6356350"/>
+            <a:ext cx="2743200" cy="365125"/>
+          </a:xfrm>
+        </p:spPr>
+        <p:txBody>
+          <a:bodyPr/>
+          <a:lstStyle/>
+          <a:p>
+            <a:fld id="{8017FDCA-9457-E54C-8F9D-F4CD5ABC5619}" type="slidenum">
+              <a:rPr lang="en-US" smtClean="0"/>
+              <a:t>8</a:t>
+            </a:fld>
+            <a:endParaRPr lang="en-US" dirty="0"/>
+          </a:p>
+        </p:txBody>
+      </p:sp>
+    </p:spTree>
+    <p:extLst>
+      <p:ext uri="{BB962C8B-B14F-4D97-AF65-F5344CB8AC3E}">
+        <p14:creationId xmlns:p14="http://schemas.microsoft.com/office/powerpoint/2010/main" val="4166434177"/>
+      </p:ext>
+    </p:extLst>
+  </p:cSld>
+  <p:clrMapOvr>
+    <a:masterClrMapping/>
+  </p:clrMapOvr>
+</p:sld>
+</file>
+
+<file path=ppt/slides/slide9.xml><?xml version="1.0" encoding="utf-8"?>
+<p:sld xmlns:a="http://schemas.openxmlformats.org/drawingml/2006/main" xmlns:r="http://schemas.openxmlformats.org/officeDocument/2006/relationships" xmlns:p="http://schemas.openxmlformats.org/presentationml/2006/main">
+  <p:cSld>
+    <p:spTree>
+      <p:nvGrpSpPr>
+        <p:cNvPr id="1" name="">
+          <a:extLst>
+            <a:ext uri="{FF2B5EF4-FFF2-40B4-BE49-F238E27FC236}">
+              <a16:creationId xmlns:a16="http://schemas.microsoft.com/office/drawing/2014/main" id="{3E66B3DE-B5F5-3511-7DE9-81040D8B15E7}"/>
+            </a:ext>
+          </a:extLst>
+        </p:cNvPr>
+        <p:cNvGrpSpPr/>
+        <p:nvPr/>
+      </p:nvGrpSpPr>
+      <p:grpSpPr>
+        <a:xfrm>
+          <a:off x="0" y="0"/>
+          <a:ext cx="0" cy="0"/>
+          <a:chOff x="0" y="0"/>
+          <a:chExt cx="0" cy="0"/>
+        </a:xfrm>
+      </p:grpSpPr>
+      <p:sp>
+        <p:nvSpPr>
+          <p:cNvPr id="17" name="Title 1">
+            <a:extLst>
+              <a:ext uri="{FF2B5EF4-FFF2-40B4-BE49-F238E27FC236}">
+                <a16:creationId xmlns:a16="http://schemas.microsoft.com/office/drawing/2014/main" id="{16A45F75-9B74-EFB4-36FD-FD1AAF095DF8}"/>
+              </a:ext>
+            </a:extLst>
+          </p:cNvPr>
+          <p:cNvSpPr txBox="1">
+            <a:spLocks/>
+          </p:cNvSpPr>
+          <p:nvPr/>
+        </p:nvSpPr>
+        <p:spPr>
+          <a:xfrm>
+            <a:off x="109782" y="0"/>
+            <a:ext cx="10515600" cy="765313"/>
+          </a:xfrm>
+          <a:prstGeom prst="rect">
+            <a:avLst/>
+          </a:prstGeom>
+        </p:spPr>
+        <p:txBody>
+          <a:bodyPr vert="horz" lIns="91440" tIns="45720" rIns="91440" bIns="45720" rtlCol="0" anchor="b">
+            <a:normAutofit/>
+          </a:bodyPr>
+          <a:lstStyle>
+            <a:lvl1pPr algn="ctr" defTabSz="914400" rtl="0" eaLnBrk="1" latinLnBrk="0" hangingPunct="1">
+              <a:lnSpc>
+                <a:spcPct val="90000"/>
+              </a:lnSpc>
+              <a:spcBef>
+                <a:spcPct val="0"/>
+              </a:spcBef>
+              <a:buNone/>
+              <a:defRPr sz="6000" kern="1200">
+                <a:solidFill>
+                  <a:schemeClr val="tx1"/>
+                </a:solidFill>
+                <a:latin typeface="+mj-lt"/>
+                <a:ea typeface="+mj-ea"/>
+                <a:cs typeface="+mj-cs"/>
+              </a:defRPr>
+            </a:lvl1pPr>
+          </a:lstStyle>
+          <a:p>
+            <a:pPr algn="l"/>
+            <a:r>
+              <a:rPr lang="en-US" sz="4000" dirty="0">
+                <a:cs typeface="Arial" panose="020B0604020202020204" pitchFamily="34" charset="0"/>
+              </a:rPr>
+              <a:t>RS-67 LH2 NMSU Mix</a:t>
+            </a:r>
+          </a:p>
+        </p:txBody>
+      </p:sp>
+      <p:pic>
+        <p:nvPicPr>
+          <p:cNvPr id="3" name="Picture 2">
+            <a:extLst>
+              <a:ext uri="{FF2B5EF4-FFF2-40B4-BE49-F238E27FC236}">
+                <a16:creationId xmlns:a16="http://schemas.microsoft.com/office/drawing/2014/main" id="{9CF75F71-99DB-29F3-DD0A-DC616F61FB82}"/>
+              </a:ext>
+            </a:extLst>
+          </p:cNvPr>
+          <p:cNvPicPr>
+            <a:picLocks noChangeAspect="1"/>
+          </p:cNvPicPr>
+          <p:nvPr/>
+        </p:nvPicPr>
+        <p:blipFill>
+          <a:blip r:embed="rId3"/>
+          <a:stretch>
+            <a:fillRect/>
+          </a:stretch>
+        </p:blipFill>
+        <p:spPr>
+          <a:xfrm>
+            <a:off x="5367581" y="149531"/>
+            <a:ext cx="5661059" cy="4754820"/>
+          </a:xfrm>
+          <a:prstGeom prst="rect">
+            <a:avLst/>
+          </a:prstGeom>
+        </p:spPr>
+      </p:pic>
+      <p:pic>
+        <p:nvPicPr>
+          <p:cNvPr id="7" name="Picture 6">
+            <a:extLst>
+              <a:ext uri="{FF2B5EF4-FFF2-40B4-BE49-F238E27FC236}">
+                <a16:creationId xmlns:a16="http://schemas.microsoft.com/office/drawing/2014/main" id="{591F6FB8-664D-B389-44B6-E93B93257B75}"/>
+              </a:ext>
+            </a:extLst>
+          </p:cNvPr>
+          <p:cNvPicPr>
+            <a:picLocks noChangeAspect="1"/>
+          </p:cNvPicPr>
+          <p:nvPr/>
+        </p:nvPicPr>
+        <p:blipFill>
+          <a:blip r:embed="rId4"/>
+          <a:stretch>
+            <a:fillRect/>
+          </a:stretch>
+        </p:blipFill>
+        <p:spPr>
+          <a:xfrm>
+            <a:off x="0" y="619636"/>
+            <a:ext cx="5016682" cy="4144880"/>
+          </a:xfrm>
+          <a:prstGeom prst="rect">
+            <a:avLst/>
+          </a:prstGeom>
+        </p:spPr>
+      </p:pic>
+      <p:sp>
+        <p:nvSpPr>
+          <p:cNvPr id="13" name="TextBox 12">
+            <a:extLst>
+              <a:ext uri="{FF2B5EF4-FFF2-40B4-BE49-F238E27FC236}">
+                <a16:creationId xmlns:a16="http://schemas.microsoft.com/office/drawing/2014/main" id="{ADBBC674-7EA0-CC99-F1CF-8D439CD2EE90}"/>
+              </a:ext>
+            </a:extLst>
+          </p:cNvPr>
+          <p:cNvSpPr txBox="1"/>
+          <p:nvPr/>
+        </p:nvSpPr>
+        <p:spPr>
+          <a:xfrm>
+            <a:off x="8424430" y="658146"/>
+            <a:ext cx="1601721" cy="369332"/>
+          </a:xfrm>
+          <a:prstGeom prst="rect">
+            <a:avLst/>
+          </a:prstGeom>
+          <a:noFill/>
+        </p:spPr>
+        <p:txBody>
+          <a:bodyPr wrap="none" rtlCol="0">
+            <a:spAutoFit/>
+          </a:bodyPr>
+          <a:lstStyle/>
+          <a:p>
+            <a:r>
+              <a:rPr lang="en-US" dirty="0"/>
+              <a:t>Flask - </a:t>
+            </a:r>
+            <a:r>
+              <a:rPr lang="en-US" dirty="0" err="1"/>
+              <a:t>flaskMix</a:t>
+            </a:r>
+            <a:endParaRPr lang="en-US" dirty="0"/>
+          </a:p>
+        </p:txBody>
+      </p:sp>
+      <p:sp>
+        <p:nvSpPr>
+          <p:cNvPr id="14" name="TextBox 13">
+            <a:extLst>
+              <a:ext uri="{FF2B5EF4-FFF2-40B4-BE49-F238E27FC236}">
+                <a16:creationId xmlns:a16="http://schemas.microsoft.com/office/drawing/2014/main" id="{A8B38CE4-2DDB-A039-DE3A-CF0260F25943}"/>
+              </a:ext>
+            </a:extLst>
+          </p:cNvPr>
+          <p:cNvSpPr txBox="1"/>
+          <p:nvPr/>
+        </p:nvSpPr>
+        <p:spPr>
+          <a:xfrm>
+            <a:off x="2748032" y="1054461"/>
+            <a:ext cx="647934" cy="369332"/>
+          </a:xfrm>
+          <a:prstGeom prst="rect">
+            <a:avLst/>
+          </a:prstGeom>
+          <a:noFill/>
+        </p:spPr>
+        <p:txBody>
+          <a:bodyPr wrap="none" rtlCol="0">
+            <a:spAutoFit/>
+          </a:bodyPr>
+          <a:lstStyle/>
+          <a:p>
+            <a:r>
+              <a:rPr lang="en-US" dirty="0"/>
+              <a:t>Flask</a:t>
+            </a:r>
+          </a:p>
+        </p:txBody>
+      </p:sp>
+      <p:pic>
+        <p:nvPicPr>
+          <p:cNvPr id="6" name="Picture 5" descr="A table with numbers and a percentage&#10;&#10;AI-generated content may be incorrect.">
+            <a:extLst>
+              <a:ext uri="{FF2B5EF4-FFF2-40B4-BE49-F238E27FC236}">
+                <a16:creationId xmlns:a16="http://schemas.microsoft.com/office/drawing/2014/main" id="{E91165D1-F23E-5094-2AE6-275433B6EB72}"/>
+              </a:ext>
+            </a:extLst>
+          </p:cNvPr>
+          <p:cNvPicPr>
+            <a:picLocks noChangeAspect="1"/>
+          </p:cNvPicPr>
+          <p:nvPr/>
+        </p:nvPicPr>
+        <p:blipFill>
+          <a:blip r:embed="rId5"/>
+          <a:stretch>
+            <a:fillRect/>
+          </a:stretch>
+        </p:blipFill>
+        <p:spPr>
+          <a:xfrm>
+            <a:off x="6938530" y="5023644"/>
+            <a:ext cx="2971800" cy="1578049"/>
+          </a:xfrm>
+          <a:prstGeom prst="rect">
+            <a:avLst/>
+          </a:prstGeom>
+        </p:spPr>
+      </p:pic>
+      <p:pic>
+        <p:nvPicPr>
+          <p:cNvPr id="15" name="Picture 14" descr="A table with numbers and a few black text&#10;&#10;AI-generated content may be incorrect.">
+            <a:extLst>
+              <a:ext uri="{FF2B5EF4-FFF2-40B4-BE49-F238E27FC236}">
+                <a16:creationId xmlns:a16="http://schemas.microsoft.com/office/drawing/2014/main" id="{153D0712-83B1-39CC-E433-0CC2A03E07C6}"/>
+              </a:ext>
+            </a:extLst>
+          </p:cNvPr>
+          <p:cNvPicPr>
+            <a:picLocks noChangeAspect="1"/>
+          </p:cNvPicPr>
+          <p:nvPr/>
+        </p:nvPicPr>
+        <p:blipFill>
+          <a:blip r:embed="rId6"/>
+          <a:stretch>
+            <a:fillRect/>
+          </a:stretch>
+        </p:blipFill>
+        <p:spPr>
+          <a:xfrm>
+            <a:off x="967196" y="4980531"/>
+            <a:ext cx="3082290" cy="1664277"/>
+          </a:xfrm>
+          <a:prstGeom prst="rect">
+            <a:avLst/>
+          </a:prstGeom>
+        </p:spPr>
+      </p:pic>
+      <p:sp>
+        <p:nvSpPr>
+          <p:cNvPr id="2" name="TextBox 1">
+            <a:extLst>
+              <a:ext uri="{FF2B5EF4-FFF2-40B4-BE49-F238E27FC236}">
+                <a16:creationId xmlns:a16="http://schemas.microsoft.com/office/drawing/2014/main" id="{178BBFB4-4B4F-B6C0-4C48-5EA74BDB3AFA}"/>
+              </a:ext>
+            </a:extLst>
+          </p:cNvPr>
+          <p:cNvSpPr txBox="1"/>
+          <p:nvPr/>
+        </p:nvSpPr>
+        <p:spPr>
+          <a:xfrm>
+            <a:off x="0" y="4693420"/>
+            <a:ext cx="6254276" cy="276999"/>
+          </a:xfrm>
+          <a:prstGeom prst="rect">
+            <a:avLst/>
+          </a:prstGeom>
+          <a:noFill/>
+        </p:spPr>
+        <p:txBody>
+          <a:bodyPr wrap="none" rtlCol="0">
+            <a:spAutoFit/>
+          </a:bodyPr>
+          <a:lstStyle/>
+          <a:p>
+            <a:r>
+              <a:rPr lang="en-US" sz="1200" dirty="0" err="1"/>
+              <a:t>MassFit</a:t>
+            </a:r>
+            <a:r>
+              <a:rPr lang="en-US" sz="1200" dirty="0"/>
+              <a:t> by integrating NMSU mixed events without subtracting combinatorics in empty flask</a:t>
+            </a:r>
+          </a:p>
+        </p:txBody>
+      </p:sp>
+      <p:sp>
+        <p:nvSpPr>
+          <p:cNvPr id="8" name="TextBox 7">
+            <a:extLst>
+              <a:ext uri="{FF2B5EF4-FFF2-40B4-BE49-F238E27FC236}">
+                <a16:creationId xmlns:a16="http://schemas.microsoft.com/office/drawing/2014/main" id="{57AC5EAF-DA16-7769-A0A8-BAB2AF569E59}"/>
+              </a:ext>
+            </a:extLst>
+          </p:cNvPr>
+          <p:cNvSpPr txBox="1"/>
+          <p:nvPr/>
+        </p:nvSpPr>
+        <p:spPr>
+          <a:xfrm>
+            <a:off x="6251238" y="4781886"/>
+            <a:ext cx="5948103" cy="276999"/>
+          </a:xfrm>
+          <a:prstGeom prst="rect">
+            <a:avLst/>
+          </a:prstGeom>
+          <a:noFill/>
+        </p:spPr>
+        <p:txBody>
+          <a:bodyPr wrap="none" rtlCol="0">
+            <a:spAutoFit/>
+          </a:bodyPr>
+          <a:lstStyle/>
+          <a:p>
+            <a:r>
+              <a:rPr lang="en-US" sz="1200" dirty="0" err="1"/>
+              <a:t>MassFit</a:t>
+            </a:r>
+            <a:r>
+              <a:rPr lang="en-US" sz="1200" dirty="0"/>
+              <a:t> by integrating NMSU mixed events by subtracting combinatorics in empty flask</a:t>
+            </a:r>
+          </a:p>
+        </p:txBody>
+      </p:sp>
+      <p:sp>
+        <p:nvSpPr>
+          <p:cNvPr id="9" name="Date Placeholder 3">
+            <a:extLst>
+              <a:ext uri="{FF2B5EF4-FFF2-40B4-BE49-F238E27FC236}">
+                <a16:creationId xmlns:a16="http://schemas.microsoft.com/office/drawing/2014/main" id="{A88992FC-6D13-E845-53EF-E6C67906EAAC}"/>
+              </a:ext>
+            </a:extLst>
+          </p:cNvPr>
+          <p:cNvSpPr>
+            <a:spLocks noGrp="1"/>
+          </p:cNvSpPr>
+          <p:nvPr>
+            <p:ph type="dt" sz="half" idx="10"/>
+          </p:nvPr>
+        </p:nvSpPr>
+        <p:spPr>
+          <a:xfrm>
+            <a:off x="838200" y="6540417"/>
+            <a:ext cx="2743200" cy="365125"/>
+          </a:xfrm>
+        </p:spPr>
+        <p:txBody>
+          <a:bodyPr/>
+          <a:lstStyle/>
+          <a:p>
+            <a:fld id="{3B9977D7-0EE6-4641-8458-2B150046FE11}" type="datetime1">
+              <a:rPr lang="en-US" smtClean="0"/>
+              <a:t>8/19/25</a:t>
+            </a:fld>
+            <a:endParaRPr lang="en-US" dirty="0"/>
+          </a:p>
+        </p:txBody>
+      </p:sp>
+      <p:sp>
+        <p:nvSpPr>
+          <p:cNvPr id="10" name="Slide Number Placeholder 4">
+            <a:extLst>
+              <a:ext uri="{FF2B5EF4-FFF2-40B4-BE49-F238E27FC236}">
+                <a16:creationId xmlns:a16="http://schemas.microsoft.com/office/drawing/2014/main" id="{45510DA2-5967-06B1-F8A2-93E682514D4A}"/>
+              </a:ext>
+            </a:extLst>
+          </p:cNvPr>
+          <p:cNvSpPr>
+            <a:spLocks noGrp="1"/>
+          </p:cNvSpPr>
+          <p:nvPr>
+            <p:ph type="sldNum" sz="quarter" idx="12"/>
+          </p:nvPr>
+        </p:nvSpPr>
+        <p:spPr>
+          <a:xfrm>
+            <a:off x="8610600" y="6356350"/>
+            <a:ext cx="2743200" cy="365125"/>
+          </a:xfrm>
+        </p:spPr>
+        <p:txBody>
+          <a:bodyPr/>
+          <a:lstStyle/>
+          <a:p>
+            <a:fld id="{8017FDCA-9457-E54C-8F9D-F4CD5ABC5619}" type="slidenum">
+              <a:rPr lang="en-US" smtClean="0"/>
+              <a:t>9</a:t>
+            </a:fld>
+            <a:endParaRPr lang="en-US" dirty="0"/>
+          </a:p>
+        </p:txBody>
+      </p:sp>
+    </p:spTree>
+    <p:extLst>
+      <p:ext uri="{BB962C8B-B14F-4D97-AF65-F5344CB8AC3E}">
+        <p14:creationId xmlns:p14="http://schemas.microsoft.com/office/powerpoint/2010/main" val="3007937411"/>
       </p:ext>
     </p:extLst>
   </p:cSld>

--- a/alternativeDYyield.pptx
+++ b/alternativeDYyield.pptx
@@ -5,7 +5,7 @@
     <p:sldMasterId id="2147483648" r:id="rId1"/>
   </p:sldMasterIdLst>
   <p:notesMasterIdLst>
-    <p:notesMasterId r:id="rId13"/>
+    <p:notesMasterId r:id="rId14"/>
   </p:notesMasterIdLst>
   <p:sldIdLst>
     <p:sldId id="256" r:id="rId2"/>
@@ -18,7 +18,8 @@
     <p:sldId id="989" r:id="rId9"/>
     <p:sldId id="990" r:id="rId10"/>
     <p:sldId id="991" r:id="rId11"/>
-    <p:sldId id="258" r:id="rId12"/>
+    <p:sldId id="992" r:id="rId12"/>
+    <p:sldId id="258" r:id="rId13"/>
   </p:sldIdLst>
   <p:sldSz cx="12192000" cy="6858000"/>
   <p:notesSz cx="6858000" cy="9144000"/>
@@ -207,7 +208,7 @@
           <a:p>
             <a:fld id="{709801DF-40BB-6947-8E30-75CC903E7784}" type="datetimeFigureOut">
               <a:rPr lang="en-US" smtClean="0"/>
-              <a:t>8/15/25</a:t>
+              <a:t>8/19/25</a:t>
             </a:fld>
             <a:endParaRPr lang="en-US"/>
           </a:p>
@@ -1129,7 +1130,7 @@
           <a:p>
             <a:fld id="{6E75DE6B-DA19-FB44-9427-AF73A9C4EBC0}" type="datetime1">
               <a:rPr lang="en-US" smtClean="0"/>
-              <a:t>8/15/25</a:t>
+              <a:t>8/19/25</a:t>
             </a:fld>
             <a:endParaRPr lang="en-US"/>
           </a:p>
@@ -1327,7 +1328,7 @@
           <a:p>
             <a:fld id="{3BF3CBBA-1145-9043-B386-5741245D7DDC}" type="datetime1">
               <a:rPr lang="en-US" smtClean="0"/>
-              <a:t>8/15/25</a:t>
+              <a:t>8/19/25</a:t>
             </a:fld>
             <a:endParaRPr lang="en-US"/>
           </a:p>
@@ -1535,7 +1536,7 @@
           <a:p>
             <a:fld id="{0CEB9593-4C10-2648-BB43-48FE36ED9019}" type="datetime1">
               <a:rPr lang="en-US" smtClean="0"/>
-              <a:t>8/15/25</a:t>
+              <a:t>8/19/25</a:t>
             </a:fld>
             <a:endParaRPr lang="en-US"/>
           </a:p>
@@ -1733,7 +1734,7 @@
           <a:p>
             <a:fld id="{3B9977D7-0EE6-4641-8458-2B150046FE11}" type="datetime1">
               <a:rPr lang="en-US" smtClean="0"/>
-              <a:t>8/15/25</a:t>
+              <a:t>8/19/25</a:t>
             </a:fld>
             <a:endParaRPr lang="en-US"/>
           </a:p>
@@ -2008,7 +2009,7 @@
           <a:p>
             <a:fld id="{3AB3E8B4-C41B-714E-90AA-B74C9E0AAE93}" type="datetime1">
               <a:rPr lang="en-US" smtClean="0"/>
-              <a:t>8/15/25</a:t>
+              <a:t>8/19/25</a:t>
             </a:fld>
             <a:endParaRPr lang="en-US"/>
           </a:p>
@@ -2273,7 +2274,7 @@
           <a:p>
             <a:fld id="{13F30895-CB33-4643-86A3-AD22D03BB547}" type="datetime1">
               <a:rPr lang="en-US" smtClean="0"/>
-              <a:t>8/15/25</a:t>
+              <a:t>8/19/25</a:t>
             </a:fld>
             <a:endParaRPr lang="en-US"/>
           </a:p>
@@ -2685,7 +2686,7 @@
           <a:p>
             <a:fld id="{E29A2B63-C740-724D-8738-C53BCFA43DEF}" type="datetime1">
               <a:rPr lang="en-US" smtClean="0"/>
-              <a:t>8/15/25</a:t>
+              <a:t>8/19/25</a:t>
             </a:fld>
             <a:endParaRPr lang="en-US"/>
           </a:p>
@@ -2826,7 +2827,7 @@
           <a:p>
             <a:fld id="{4BD2E315-A32D-CD48-9FD3-CD8AF44D0F4F}" type="datetime1">
               <a:rPr lang="en-US" smtClean="0"/>
-              <a:t>8/15/25</a:t>
+              <a:t>8/19/25</a:t>
             </a:fld>
             <a:endParaRPr lang="en-US"/>
           </a:p>
@@ -2939,7 +2940,7 @@
           <a:p>
             <a:fld id="{8A9361B6-EB4D-A047-8AFE-7404E903F6B3}" type="datetime1">
               <a:rPr lang="en-US" smtClean="0"/>
-              <a:t>8/15/25</a:t>
+              <a:t>8/19/25</a:t>
             </a:fld>
             <a:endParaRPr lang="en-US"/>
           </a:p>
@@ -3250,7 +3251,7 @@
           <a:p>
             <a:fld id="{560287B4-E51D-7048-9B88-C9F8B3849C38}" type="datetime1">
               <a:rPr lang="en-US" smtClean="0"/>
-              <a:t>8/15/25</a:t>
+              <a:t>8/19/25</a:t>
             </a:fld>
             <a:endParaRPr lang="en-US"/>
           </a:p>
@@ -3538,7 +3539,7 @@
           <a:p>
             <a:fld id="{80B8B28A-2D03-9B43-9EAB-9EE5794F6F30}" type="datetime1">
               <a:rPr lang="en-US" smtClean="0"/>
-              <a:t>8/15/25</a:t>
+              <a:t>8/19/25</a:t>
             </a:fld>
             <a:endParaRPr lang="en-US"/>
           </a:p>
@@ -3779,7 +3780,7 @@
           <a:p>
             <a:fld id="{3FF6ED76-5959-6444-8C19-4C4A49FFC05E}" type="datetime1">
               <a:rPr lang="en-US" smtClean="0"/>
-              <a:t>8/15/25</a:t>
+              <a:t>8/19/25</a:t>
             </a:fld>
             <a:endParaRPr lang="en-US"/>
           </a:p>
@@ -4260,7 +4261,7 @@
           <a:p>
             <a:r>
               <a:rPr lang="en-US" dirty="0"/>
-              <a:t>August 2025</a:t>
+              <a:t>19 August 2025</a:t>
             </a:r>
           </a:p>
         </p:txBody>
@@ -4288,7 +4289,7 @@
           <a:p>
             <a:fld id="{B973B54B-2676-1B40-A5C8-84292047B6BF}" type="datetime1">
               <a:rPr lang="en-US" smtClean="0"/>
-              <a:t>8/15/25</a:t>
+              <a:t>8/19/25</a:t>
             </a:fld>
             <a:endParaRPr lang="en-US"/>
           </a:p>
@@ -4411,7 +4412,31 @@
               <a:rPr lang="en-US" sz="4000" dirty="0">
                 <a:cs typeface="Arial" panose="020B0604020202020204" pitchFamily="34" charset="0"/>
               </a:rPr>
-              <a:t>NMSU Mix Vs RS-67 Flask</a:t>
+              <a:t>RS-67:  NMSU </a:t>
+            </a:r>
+            <a:r>
+              <a:rPr lang="en-US" sz="4000" dirty="0">
+                <a:solidFill>
+                  <a:srgbClr val="FF0000"/>
+                </a:solidFill>
+                <a:cs typeface="Arial" panose="020B0604020202020204" pitchFamily="34" charset="0"/>
+              </a:rPr>
+              <a:t>LH2 Mix </a:t>
+            </a:r>
+            <a:r>
+              <a:rPr lang="en-US" sz="4000" dirty="0">
+                <a:cs typeface="Arial" panose="020B0604020202020204" pitchFamily="34" charset="0"/>
+              </a:rPr>
+              <a:t>vs </a:t>
+            </a:r>
+            <a:r>
+              <a:rPr lang="en-US" sz="4000" dirty="0">
+                <a:solidFill>
+                  <a:srgbClr val="0070C0"/>
+                </a:solidFill>
+                <a:cs typeface="Arial" panose="020B0604020202020204" pitchFamily="34" charset="0"/>
+              </a:rPr>
+              <a:t>Flask Mix</a:t>
             </a:r>
           </a:p>
         </p:txBody>
@@ -4448,10 +4473,10 @@
       </p:pic>
       <p:sp>
         <p:nvSpPr>
-          <p:cNvPr id="11" name="TextBox 10">
-            <a:extLst>
-              <a:ext uri="{FF2B5EF4-FFF2-40B4-BE49-F238E27FC236}">
-                <a16:creationId xmlns:a16="http://schemas.microsoft.com/office/drawing/2014/main" id="{B6D447BF-C5C6-5C35-B62F-AD155C4951F2}"/>
+          <p:cNvPr id="12" name="TextBox 11">
+            <a:extLst>
+              <a:ext uri="{FF2B5EF4-FFF2-40B4-BE49-F238E27FC236}">
+                <a16:creationId xmlns:a16="http://schemas.microsoft.com/office/drawing/2014/main" id="{D89F7C60-CB15-A68A-7E76-D8A9241BF1EB}"/>
               </a:ext>
             </a:extLst>
           </p:cNvPr>
@@ -4460,8 +4485,8 @@
         </p:nvSpPr>
         <p:spPr>
           <a:xfrm>
-            <a:off x="6268273" y="5250419"/>
-            <a:ext cx="5812810" cy="246221"/>
+            <a:off x="1194544" y="5323803"/>
+            <a:ext cx="4161227" cy="523220"/>
           </a:xfrm>
           <a:prstGeom prst="rect">
             <a:avLst/>
@@ -4469,49 +4494,14 @@
           <a:noFill/>
         </p:spPr>
         <p:txBody>
-          <a:bodyPr wrap="none" rtlCol="0">
+          <a:bodyPr wrap="square" rtlCol="0">
             <a:spAutoFit/>
           </a:bodyPr>
           <a:lstStyle/>
           <a:p>
             <a:r>
-              <a:rPr lang="en-US" sz="1000" dirty="0"/>
-              <a:t>Comparison between NMSU mix Vs RS-67 flask mix spectra (after event selection and area normalized)</a:t>
-            </a:r>
-          </a:p>
-        </p:txBody>
-      </p:sp>
-      <p:sp>
-        <p:nvSpPr>
-          <p:cNvPr id="12" name="TextBox 11">
-            <a:extLst>
-              <a:ext uri="{FF2B5EF4-FFF2-40B4-BE49-F238E27FC236}">
-                <a16:creationId xmlns:a16="http://schemas.microsoft.com/office/drawing/2014/main" id="{D89F7C60-CB15-A68A-7E76-D8A9241BF1EB}"/>
-              </a:ext>
-            </a:extLst>
-          </p:cNvPr>
-          <p:cNvSpPr txBox="1"/>
-          <p:nvPr/>
-        </p:nvSpPr>
-        <p:spPr>
-          <a:xfrm>
-            <a:off x="763470" y="5250420"/>
-            <a:ext cx="4679486" cy="246221"/>
-          </a:xfrm>
-          <a:prstGeom prst="rect">
-            <a:avLst/>
-          </a:prstGeom>
-          <a:noFill/>
-        </p:spPr>
-        <p:txBody>
-          <a:bodyPr wrap="none" rtlCol="0">
-            <a:spAutoFit/>
-          </a:bodyPr>
-          <a:lstStyle/>
-          <a:p>
-            <a:r>
-              <a:rPr lang="en-US" sz="1000" dirty="0"/>
-              <a:t>Comparison between NMSU mix Vs RS-67 flask mix spectra (after event selection)</a:t>
+              <a:rPr lang="en-US" sz="1400" dirty="0"/>
+              <a:t>Comparison between LH2 mix vs Flask mix spectra (after event selection)</a:t>
             </a:r>
           </a:p>
         </p:txBody>
@@ -4614,6 +4604,162 @@
           </a:p>
         </p:txBody>
       </p:sp>
+      <p:sp>
+        <p:nvSpPr>
+          <p:cNvPr id="2" name="TextBox 1">
+            <a:extLst>
+              <a:ext uri="{FF2B5EF4-FFF2-40B4-BE49-F238E27FC236}">
+                <a16:creationId xmlns:a16="http://schemas.microsoft.com/office/drawing/2014/main" id="{E3AFB695-49CA-5013-5619-AB32FF572A17}"/>
+              </a:ext>
+            </a:extLst>
+          </p:cNvPr>
+          <p:cNvSpPr txBox="1"/>
+          <p:nvPr/>
+        </p:nvSpPr>
+        <p:spPr>
+          <a:xfrm>
+            <a:off x="3575462" y="2142309"/>
+            <a:ext cx="1375361" cy="646331"/>
+          </a:xfrm>
+          <a:prstGeom prst="rect">
+            <a:avLst/>
+          </a:prstGeom>
+          <a:solidFill>
+            <a:schemeClr val="bg1"/>
+          </a:solidFill>
+        </p:spPr>
+        <p:txBody>
+          <a:bodyPr wrap="square" rtlCol="0">
+            <a:spAutoFit/>
+          </a:bodyPr>
+          <a:lstStyle/>
+          <a:p>
+            <a:r>
+              <a:rPr lang="en-US" dirty="0"/>
+              <a:t>LH2 Mix</a:t>
+            </a:r>
+          </a:p>
+          <a:p>
+            <a:r>
+              <a:rPr lang="en-US" dirty="0"/>
+              <a:t>Flask Mix</a:t>
+            </a:r>
+          </a:p>
+        </p:txBody>
+      </p:sp>
+      <p:sp>
+        <p:nvSpPr>
+          <p:cNvPr id="3" name="TextBox 2">
+            <a:extLst>
+              <a:ext uri="{FF2B5EF4-FFF2-40B4-BE49-F238E27FC236}">
+                <a16:creationId xmlns:a16="http://schemas.microsoft.com/office/drawing/2014/main" id="{2F2614EA-56D5-6D48-ED77-BA20925B4AFF}"/>
+              </a:ext>
+            </a:extLst>
+          </p:cNvPr>
+          <p:cNvSpPr txBox="1"/>
+          <p:nvPr/>
+        </p:nvSpPr>
+        <p:spPr>
+          <a:xfrm>
+            <a:off x="9684525" y="2142309"/>
+            <a:ext cx="1375361" cy="646331"/>
+          </a:xfrm>
+          <a:prstGeom prst="rect">
+            <a:avLst/>
+          </a:prstGeom>
+          <a:solidFill>
+            <a:schemeClr val="bg1"/>
+          </a:solidFill>
+        </p:spPr>
+        <p:txBody>
+          <a:bodyPr wrap="square" rtlCol="0">
+            <a:spAutoFit/>
+          </a:bodyPr>
+          <a:lstStyle/>
+          <a:p>
+            <a:r>
+              <a:rPr lang="en-US" dirty="0"/>
+              <a:t>LH2 Mix</a:t>
+            </a:r>
+          </a:p>
+          <a:p>
+            <a:r>
+              <a:rPr lang="en-US" dirty="0"/>
+              <a:t>Flask Mix</a:t>
+            </a:r>
+          </a:p>
+        </p:txBody>
+      </p:sp>
+      <p:sp>
+        <p:nvSpPr>
+          <p:cNvPr id="4" name="TextBox 3">
+            <a:extLst>
+              <a:ext uri="{FF2B5EF4-FFF2-40B4-BE49-F238E27FC236}">
+                <a16:creationId xmlns:a16="http://schemas.microsoft.com/office/drawing/2014/main" id="{4EDE13F9-5C2C-2CDB-5CD9-803D666CB55A}"/>
+              </a:ext>
+            </a:extLst>
+          </p:cNvPr>
+          <p:cNvSpPr txBox="1"/>
+          <p:nvPr/>
+        </p:nvSpPr>
+        <p:spPr>
+          <a:xfrm>
+            <a:off x="6715778" y="5323803"/>
+            <a:ext cx="4161227" cy="523220"/>
+          </a:xfrm>
+          <a:prstGeom prst="rect">
+            <a:avLst/>
+          </a:prstGeom>
+          <a:noFill/>
+        </p:spPr>
+        <p:txBody>
+          <a:bodyPr wrap="square" rtlCol="0">
+            <a:spAutoFit/>
+          </a:bodyPr>
+          <a:lstStyle/>
+          <a:p>
+            <a:r>
+              <a:rPr lang="en-US" sz="1400" dirty="0"/>
+              <a:t>Comparison between LH2 mix vs Flask mix spectra (after event selection) –- area normalized</a:t>
+            </a:r>
+          </a:p>
+        </p:txBody>
+      </p:sp>
+      <p:sp>
+        <p:nvSpPr>
+          <p:cNvPr id="6" name="TextBox 5">
+            <a:extLst>
+              <a:ext uri="{FF2B5EF4-FFF2-40B4-BE49-F238E27FC236}">
+                <a16:creationId xmlns:a16="http://schemas.microsoft.com/office/drawing/2014/main" id="{29ECF21B-C16D-CBA4-2B43-89B785EFE184}"/>
+              </a:ext>
+            </a:extLst>
+          </p:cNvPr>
+          <p:cNvSpPr txBox="1"/>
+          <p:nvPr/>
+        </p:nvSpPr>
+        <p:spPr>
+          <a:xfrm>
+            <a:off x="391886" y="5886212"/>
+            <a:ext cx="11469188" cy="646331"/>
+          </a:xfrm>
+          <a:prstGeom prst="rect">
+            <a:avLst/>
+          </a:prstGeom>
+          <a:noFill/>
+        </p:spPr>
+        <p:txBody>
+          <a:bodyPr wrap="square" rtlCol="0">
+            <a:spAutoFit/>
+          </a:bodyPr>
+          <a:lstStyle/>
+          <a:p>
+            <a:r>
+              <a:rPr lang="en-US" dirty="0"/>
+              <a:t>The LH2 mixed-event and Flask mixed-event distributions have the same shape.  If you don’t explicitly use the flask mixed spectra, then the mass-fit will boost the LH2 mixed component to make up for it.  (See previous page.)</a:t>
+            </a:r>
+          </a:p>
+        </p:txBody>
+      </p:sp>
     </p:spTree>
     <p:extLst>
       <p:ext uri="{BB962C8B-B14F-4D97-AF65-F5344CB8AC3E}">
@@ -4628,6 +4774,278 @@
 </file>
 
 <file path=ppt/slides/slide11.xml><?xml version="1.0" encoding="utf-8"?>
+<p:sld xmlns:a="http://schemas.openxmlformats.org/drawingml/2006/main" xmlns:r="http://schemas.openxmlformats.org/officeDocument/2006/relationships" xmlns:p="http://schemas.openxmlformats.org/presentationml/2006/main">
+  <p:cSld>
+    <p:spTree>
+      <p:nvGrpSpPr>
+        <p:cNvPr id="1" name=""/>
+        <p:cNvGrpSpPr/>
+        <p:nvPr/>
+      </p:nvGrpSpPr>
+      <p:grpSpPr>
+        <a:xfrm>
+          <a:off x="0" y="0"/>
+          <a:ext cx="0" cy="0"/>
+          <a:chOff x="0" y="0"/>
+          <a:chExt cx="0" cy="0"/>
+        </a:xfrm>
+      </p:grpSpPr>
+      <mc:AlternateContent xmlns:mc="http://schemas.openxmlformats.org/markup-compatibility/2006">
+        <mc:Choice xmlns:a14="http://schemas.microsoft.com/office/drawing/2010/main" Requires="a14">
+          <p:sp>
+            <p:nvSpPr>
+              <p:cNvPr id="2" name="Title 1">
+                <a:extLst>
+                  <a:ext uri="{FF2B5EF4-FFF2-40B4-BE49-F238E27FC236}">
+                    <a16:creationId xmlns:a16="http://schemas.microsoft.com/office/drawing/2014/main" id="{6471C1BE-00A7-8538-06E8-B5D5B0AD68A1}"/>
+                  </a:ext>
+                </a:extLst>
+              </p:cNvPr>
+              <p:cNvSpPr>
+                <a:spLocks noGrp="1"/>
+              </p:cNvSpPr>
+              <p:nvPr>
+                <p:ph type="title"/>
+              </p:nvPr>
+            </p:nvSpPr>
+            <p:spPr/>
+            <p:txBody>
+              <a:bodyPr/>
+              <a:lstStyle/>
+              <a:p>
+                <a14:m>
+                  <m:oMath xmlns:m="http://schemas.openxmlformats.org/officeDocument/2006/math">
+                    <m:r>
+                      <a:rPr lang="en-US" i="1" dirty="0">
+                        <a:latin typeface="Cambria Math" panose="02040503050406030204" pitchFamily="18" charset="0"/>
+                      </a:rPr>
+                      <m:t>𝜓</m:t>
+                    </m:r>
+                    <m:r>
+                      <a:rPr lang="en-US" i="1" dirty="0">
+                        <a:latin typeface="Cambria Math" panose="02040503050406030204" pitchFamily="18" charset="0"/>
+                      </a:rPr>
+                      <m:t>′</m:t>
+                    </m:r>
+                  </m:oMath>
+                </a14:m>
+                <a:r>
+                  <a:rPr lang="en-US" dirty="0"/>
+                  <a:t> Contamination Summary</a:t>
+                </a:r>
+              </a:p>
+            </p:txBody>
+          </p:sp>
+        </mc:Choice>
+        <mc:Fallback>
+          <p:sp>
+            <p:nvSpPr>
+              <p:cNvPr id="2" name="Title 1">
+                <a:extLst>
+                  <a:ext uri="{FF2B5EF4-FFF2-40B4-BE49-F238E27FC236}">
+                    <a16:creationId xmlns:a16="http://schemas.microsoft.com/office/drawing/2014/main" id="{6471C1BE-00A7-8538-06E8-B5D5B0AD68A1}"/>
+                  </a:ext>
+                </a:extLst>
+              </p:cNvPr>
+              <p:cNvSpPr>
+                <a:spLocks noGrp="1" noRot="1" noChangeAspect="1" noMove="1" noResize="1" noEditPoints="1" noAdjustHandles="1" noChangeArrowheads="1" noChangeShapeType="1" noTextEdit="1"/>
+              </p:cNvSpPr>
+              <p:nvPr>
+                <p:ph type="title"/>
+              </p:nvPr>
+            </p:nvSpPr>
+            <p:spPr>
+              <a:blipFill>
+                <a:blip r:embed="rId2"/>
+                <a:stretch>
+                  <a:fillRect l="-1809"/>
+                </a:stretch>
+              </a:blipFill>
+            </p:spPr>
+            <p:txBody>
+              <a:bodyPr/>
+              <a:lstStyle/>
+              <a:p>
+                <a:r>
+                  <a:rPr lang="en-US">
+                    <a:noFill/>
+                  </a:rPr>
+                  <a:t> </a:t>
+                </a:r>
+              </a:p>
+            </p:txBody>
+          </p:sp>
+        </mc:Fallback>
+      </mc:AlternateContent>
+      <mc:AlternateContent xmlns:mc="http://schemas.openxmlformats.org/markup-compatibility/2006">
+        <mc:Choice xmlns:a14="http://schemas.microsoft.com/office/drawing/2010/main" Requires="a14">
+          <p:sp>
+            <p:nvSpPr>
+              <p:cNvPr id="3" name="Content Placeholder 2">
+                <a:extLst>
+                  <a:ext uri="{FF2B5EF4-FFF2-40B4-BE49-F238E27FC236}">
+                    <a16:creationId xmlns:a16="http://schemas.microsoft.com/office/drawing/2014/main" id="{310FBB09-9610-6AC6-4481-05D55096C32D}"/>
+                  </a:ext>
+                </a:extLst>
+              </p:cNvPr>
+              <p:cNvSpPr>
+                <a:spLocks noGrp="1"/>
+              </p:cNvSpPr>
+              <p:nvPr>
+                <p:ph idx="1"/>
+              </p:nvPr>
+            </p:nvSpPr>
+            <p:spPr/>
+            <p:txBody>
+              <a:bodyPr/>
+              <a:lstStyle/>
+              <a:p>
+                <a:r>
+                  <a:rPr lang="en-US" dirty="0"/>
+                  <a:t>Depending on assumptions made about the combinatoric background shape and normalization, the </a:t>
+                </a:r>
+                <a14:m>
+                  <m:oMath xmlns:m="http://schemas.openxmlformats.org/officeDocument/2006/math">
+                    <m:r>
+                      <a:rPr lang="en-US" i="1" dirty="0">
+                        <a:latin typeface="Cambria Math" panose="02040503050406030204" pitchFamily="18" charset="0"/>
+                      </a:rPr>
+                      <m:t>𝜓</m:t>
+                    </m:r>
+                    <m:r>
+                      <a:rPr lang="en-US" i="1" dirty="0">
+                        <a:latin typeface="Cambria Math" panose="02040503050406030204" pitchFamily="18" charset="0"/>
+                      </a:rPr>
+                      <m:t>′</m:t>
+                    </m:r>
+                  </m:oMath>
+                </a14:m>
+                <a:r>
+                  <a:rPr lang="en-US" dirty="0"/>
+                  <a:t> contamination (as a fraction of the total yield) overall is about 0.5% or less.</a:t>
+                </a:r>
+              </a:p>
+              <a:p>
+                <a:r>
+                  <a:rPr lang="en-US" dirty="0"/>
+                  <a:t>If you examine individual kinematic bins, the contamination can range from 0% to not more than 2%.</a:t>
+                </a:r>
+              </a:p>
+            </p:txBody>
+          </p:sp>
+        </mc:Choice>
+        <mc:Fallback>
+          <p:sp>
+            <p:nvSpPr>
+              <p:cNvPr id="3" name="Content Placeholder 2">
+                <a:extLst>
+                  <a:ext uri="{FF2B5EF4-FFF2-40B4-BE49-F238E27FC236}">
+                    <a16:creationId xmlns:a16="http://schemas.microsoft.com/office/drawing/2014/main" id="{310FBB09-9610-6AC6-4481-05D55096C32D}"/>
+                  </a:ext>
+                </a:extLst>
+              </p:cNvPr>
+              <p:cNvSpPr>
+                <a:spLocks noGrp="1" noRot="1" noChangeAspect="1" noMove="1" noResize="1" noEditPoints="1" noAdjustHandles="1" noChangeArrowheads="1" noChangeShapeType="1" noTextEdit="1"/>
+              </p:cNvSpPr>
+              <p:nvPr>
+                <p:ph idx="1"/>
+              </p:nvPr>
+            </p:nvSpPr>
+            <p:spPr>
+              <a:blipFill>
+                <a:blip r:embed="rId3"/>
+                <a:stretch>
+                  <a:fillRect l="-1086" t="-2326"/>
+                </a:stretch>
+              </a:blipFill>
+            </p:spPr>
+            <p:txBody>
+              <a:bodyPr/>
+              <a:lstStyle/>
+              <a:p>
+                <a:r>
+                  <a:rPr lang="en-US">
+                    <a:noFill/>
+                  </a:rPr>
+                  <a:t> </a:t>
+                </a:r>
+              </a:p>
+            </p:txBody>
+          </p:sp>
+        </mc:Fallback>
+      </mc:AlternateContent>
+      <p:sp>
+        <p:nvSpPr>
+          <p:cNvPr id="4" name="Date Placeholder 3">
+            <a:extLst>
+              <a:ext uri="{FF2B5EF4-FFF2-40B4-BE49-F238E27FC236}">
+                <a16:creationId xmlns:a16="http://schemas.microsoft.com/office/drawing/2014/main" id="{2765654B-4440-1D00-7626-1E30C929696D}"/>
+              </a:ext>
+            </a:extLst>
+          </p:cNvPr>
+          <p:cNvSpPr>
+            <a:spLocks noGrp="1"/>
+          </p:cNvSpPr>
+          <p:nvPr>
+            <p:ph type="dt" sz="half" idx="10"/>
+          </p:nvPr>
+        </p:nvSpPr>
+        <p:spPr/>
+        <p:txBody>
+          <a:bodyPr/>
+          <a:lstStyle/>
+          <a:p>
+            <a:fld id="{3B9977D7-0EE6-4641-8458-2B150046FE11}" type="datetime1">
+              <a:rPr lang="en-US" smtClean="0"/>
+              <a:t>8/19/25</a:t>
+            </a:fld>
+            <a:endParaRPr lang="en-US"/>
+          </a:p>
+        </p:txBody>
+      </p:sp>
+      <p:sp>
+        <p:nvSpPr>
+          <p:cNvPr id="5" name="Slide Number Placeholder 4">
+            <a:extLst>
+              <a:ext uri="{FF2B5EF4-FFF2-40B4-BE49-F238E27FC236}">
+                <a16:creationId xmlns:a16="http://schemas.microsoft.com/office/drawing/2014/main" id="{364DBD2A-DA45-6A56-8406-913B90DD0CDB}"/>
+              </a:ext>
+            </a:extLst>
+          </p:cNvPr>
+          <p:cNvSpPr>
+            <a:spLocks noGrp="1"/>
+          </p:cNvSpPr>
+          <p:nvPr>
+            <p:ph type="sldNum" sz="quarter" idx="12"/>
+          </p:nvPr>
+        </p:nvSpPr>
+        <p:spPr/>
+        <p:txBody>
+          <a:bodyPr/>
+          <a:lstStyle/>
+          <a:p>
+            <a:fld id="{8017FDCA-9457-E54C-8F9D-F4CD5ABC5619}" type="slidenum">
+              <a:rPr lang="en-US" smtClean="0"/>
+              <a:t>11</a:t>
+            </a:fld>
+            <a:endParaRPr lang="en-US"/>
+          </a:p>
+        </p:txBody>
+      </p:sp>
+    </p:spTree>
+    <p:extLst>
+      <p:ext uri="{BB962C8B-B14F-4D97-AF65-F5344CB8AC3E}">
+        <p14:creationId xmlns:p14="http://schemas.microsoft.com/office/powerpoint/2010/main" val="44806296"/>
+      </p:ext>
+    </p:extLst>
+  </p:cSld>
+  <p:clrMapOvr>
+    <a:masterClrMapping/>
+  </p:clrMapOvr>
+</p:sld>
+</file>
+
+<file path=ppt/slides/slide12.xml><?xml version="1.0" encoding="utf-8"?>
 <p:sld xmlns:a="http://schemas.openxmlformats.org/drawingml/2006/main" xmlns:r="http://schemas.openxmlformats.org/officeDocument/2006/relationships" xmlns:p="http://schemas.openxmlformats.org/presentationml/2006/main">
   <p:cSld>
     <p:spTree>
@@ -4680,7 +5098,7 @@
           <a:p>
             <a:r>
               <a:rPr lang="en-US" dirty="0"/>
-              <a:t>Proposal</a:t>
+              <a:t>Proposal for determination of DY Yield</a:t>
             </a:r>
           </a:p>
         </p:txBody>
@@ -5278,7 +5696,7 @@
           <a:p>
             <a:fld id="{7743A4F9-105C-D34C-AA0F-FFD2E4791154}" type="datetime1">
               <a:rPr lang="en-US" smtClean="0"/>
-              <a:t>8/15/25</a:t>
+              <a:t>8/19/25</a:t>
             </a:fld>
             <a:endParaRPr lang="en-US"/>
           </a:p>
@@ -5307,7 +5725,7 @@
           <a:p>
             <a:fld id="{8017FDCA-9457-E54C-8F9D-F4CD5ABC5619}" type="slidenum">
               <a:rPr lang="en-US" smtClean="0"/>
-              <a:t>11</a:t>
+              <a:t>12</a:t>
             </a:fld>
             <a:endParaRPr lang="en-US"/>
           </a:p>
@@ -5378,8 +5796,8 @@
           </a:p>
         </p:txBody>
       </p:sp>
-      <mc:AlternateContent xmlns:mc="http://schemas.openxmlformats.org/markup-compatibility/2006" xmlns:a14="http://schemas.microsoft.com/office/drawing/2010/main">
-        <mc:Choice Requires="a14">
+      <mc:AlternateContent xmlns:mc="http://schemas.openxmlformats.org/markup-compatibility/2006">
+        <mc:Choice xmlns:a14="http://schemas.microsoft.com/office/drawing/2010/main" Requires="a14">
           <p:sp>
             <p:nvSpPr>
               <p:cNvPr id="3" name="Content Placeholder 2">
@@ -5398,7 +5816,7 @@
             </p:nvSpPr>
             <p:spPr>
               <a:xfrm>
-                <a:off x="838199" y="940524"/>
+                <a:off x="367935" y="940524"/>
                 <a:ext cx="11218817" cy="5669915"/>
               </a:xfrm>
             </p:spPr>
@@ -5648,7 +6066,7 @@
             </p:txBody>
           </p:sp>
         </mc:Choice>
-        <mc:Fallback xmlns="">
+        <mc:Fallback>
           <p:sp>
             <p:nvSpPr>
               <p:cNvPr id="3" name="Content Placeholder 2">
@@ -5667,7 +6085,7 @@
             </p:nvSpPr>
             <p:spPr>
               <a:xfrm>
-                <a:off x="838199" y="940524"/>
+                <a:off x="367935" y="940524"/>
                 <a:ext cx="11218817" cy="5669915"/>
               </a:xfrm>
               <a:blipFill>
@@ -5715,7 +6133,7 @@
           <a:p>
             <a:fld id="{B9FACAE8-0C34-3549-B0F2-C1260A18A5E9}" type="datetime1">
               <a:rPr lang="en-US" smtClean="0"/>
-              <a:t>8/15/25</a:t>
+              <a:t>8/19/25</a:t>
             </a:fld>
             <a:endParaRPr lang="en-US"/>
           </a:p>
@@ -5833,7 +6251,7 @@
           <a:p>
             <a:fld id="{5D605D88-5EEA-6E46-99ED-8DAE2F38D7D4}" type="datetime1">
               <a:rPr lang="en-US" smtClean="0"/>
-              <a:t>8/15/25</a:t>
+              <a:t>8/19/25</a:t>
             </a:fld>
             <a:endParaRPr lang="en-US"/>
           </a:p>
@@ -6041,7 +6459,7 @@
           <a:p>
             <a:fld id="{04071618-D969-3D46-B63B-C6FF038D7AB1}" type="datetime1">
               <a:rPr lang="en-US" smtClean="0"/>
-              <a:t>8/15/25</a:t>
+              <a:t>8/19/25</a:t>
             </a:fld>
             <a:endParaRPr lang="en-US"/>
           </a:p>
@@ -6106,8 +6524,8 @@
           <a:chExt cx="0" cy="0"/>
         </a:xfrm>
       </p:grpSpPr>
-      <mc:AlternateContent xmlns:mc="http://schemas.openxmlformats.org/markup-compatibility/2006" xmlns:a14="http://schemas.microsoft.com/office/drawing/2010/main">
-        <mc:Choice Requires="a14">
+      <mc:AlternateContent xmlns:mc="http://schemas.openxmlformats.org/markup-compatibility/2006">
+        <mc:Choice xmlns:a14="http://schemas.microsoft.com/office/drawing/2010/main" Requires="a14">
           <p:sp>
             <p:nvSpPr>
               <p:cNvPr id="2" name="Title 1">
@@ -6124,7 +6542,12 @@
                 <p:ph type="title"/>
               </p:nvPr>
             </p:nvSpPr>
-            <p:spPr/>
+            <p:spPr>
+              <a:xfrm>
+                <a:off x="838200" y="365125"/>
+                <a:ext cx="10515600" cy="925655"/>
+              </a:xfrm>
+            </p:spPr>
             <p:txBody>
               <a:bodyPr/>
               <a:lstStyle/>
@@ -6157,7 +6580,7 @@
             </p:txBody>
           </p:sp>
         </mc:Choice>
-        <mc:Fallback xmlns="">
+        <mc:Fallback>
           <p:sp>
             <p:nvSpPr>
               <p:cNvPr id="2" name="Title 1">
@@ -6175,10 +6598,14 @@
               </p:nvPr>
             </p:nvSpPr>
             <p:spPr>
+              <a:xfrm>
+                <a:off x="838200" y="365125"/>
+                <a:ext cx="10515600" cy="925655"/>
+              </a:xfrm>
               <a:blipFill>
                 <a:blip r:embed="rId2"/>
                 <a:stretch>
-                  <a:fillRect l="-2413"/>
+                  <a:fillRect l="-2413" t="-6757" b="-20270"/>
                 </a:stretch>
               </a:blipFill>
             </p:spPr>
@@ -6220,7 +6647,7 @@
           <a:p>
             <a:fld id="{3B9977D7-0EE6-4641-8458-2B150046FE11}" type="datetime1">
               <a:rPr lang="en-US" smtClean="0"/>
-              <a:t>8/15/25</a:t>
+              <a:t>8/19/25</a:t>
             </a:fld>
             <a:endParaRPr lang="en-US"/>
           </a:p>
@@ -6269,7 +6696,7 @@
         </p:nvSpPr>
         <p:spPr>
           <a:xfrm>
-            <a:off x="89767" y="1290780"/>
+            <a:off x="89767" y="1173213"/>
             <a:ext cx="12180963" cy="5632311"/>
           </a:xfrm>
           <a:prstGeom prst="rect">
@@ -6875,8 +7302,8 @@
           </a:p>
         </p:txBody>
       </p:sp>
-      <mc:AlternateContent xmlns:mc="http://schemas.openxmlformats.org/markup-compatibility/2006">
-        <mc:Choice xmlns:a14="http://schemas.microsoft.com/office/drawing/2010/main" Requires="a14">
+      <mc:AlternateContent xmlns:mc="http://schemas.openxmlformats.org/markup-compatibility/2006" xmlns:a14="http://schemas.microsoft.com/office/drawing/2010/main">
+        <mc:Choice Requires="a14">
           <p:sp>
             <p:nvSpPr>
               <p:cNvPr id="6" name="TextBox 5">
@@ -6999,7 +7426,7 @@
             </p:txBody>
           </p:sp>
         </mc:Choice>
-        <mc:Fallback>
+        <mc:Fallback xmlns="">
           <p:sp>
             <p:nvSpPr>
               <p:cNvPr id="6" name="TextBox 5">
@@ -7080,8 +7507,8 @@
           <a:chExt cx="0" cy="0"/>
         </a:xfrm>
       </p:grpSpPr>
-      <mc:AlternateContent xmlns:mc="http://schemas.openxmlformats.org/markup-compatibility/2006">
-        <mc:Choice xmlns:a14="http://schemas.microsoft.com/office/drawing/2010/main" Requires="a14">
+      <mc:AlternateContent xmlns:mc="http://schemas.openxmlformats.org/markup-compatibility/2006" xmlns:a14="http://schemas.microsoft.com/office/drawing/2010/main">
+        <mc:Choice Requires="a14">
           <p:sp>
             <p:nvSpPr>
               <p:cNvPr id="2" name="Title 1">
@@ -7131,7 +7558,7 @@
             </p:txBody>
           </p:sp>
         </mc:Choice>
-        <mc:Fallback>
+        <mc:Fallback xmlns="">
           <p:sp>
             <p:nvSpPr>
               <p:cNvPr id="2" name="Title 1">
@@ -7194,7 +7621,7 @@
           <a:p>
             <a:fld id="{3B9977D7-0EE6-4641-8458-2B150046FE11}" type="datetime1">
               <a:rPr lang="en-US" smtClean="0"/>
-              <a:t>8/15/25</a:t>
+              <a:t>8/19/25</a:t>
             </a:fld>
             <a:endParaRPr lang="en-US"/>
           </a:p>
@@ -7663,9 +8090,16 @@
             <p:ph type="title"/>
           </p:nvPr>
         </p:nvSpPr>
-        <p:spPr/>
-        <p:txBody>
-          <a:bodyPr/>
+        <p:spPr>
+          <a:xfrm>
+            <a:off x="803828" y="167138"/>
+            <a:ext cx="10515600" cy="424565"/>
+          </a:xfrm>
+        </p:spPr>
+        <p:txBody>
+          <a:bodyPr>
+            <a:normAutofit fontScale="90000"/>
+          </a:bodyPr>
           <a:lstStyle/>
           <a:p>
             <a:r>
@@ -7688,10 +8122,6 @@
               <a:rPr lang="en-US" dirty="0"/>
               <a:t> 11224</a:t>
             </a:r>
-            <a:br>
-              <a:rPr lang="en-US" dirty="0"/>
-            </a:br>
-            <a:endParaRPr lang="en-US" dirty="0"/>
           </a:p>
         </p:txBody>
       </p:sp>
@@ -7767,7 +8197,7 @@
         </p:nvGrpSpPr>
         <p:grpSpPr>
           <a:xfrm>
-            <a:off x="288530" y="1309816"/>
+            <a:off x="288530" y="1558013"/>
             <a:ext cx="7100811" cy="4888098"/>
             <a:chOff x="300887" y="758217"/>
             <a:chExt cx="7772400" cy="5170008"/>
@@ -7998,7 +8428,7 @@
         </p:blipFill>
         <p:spPr>
           <a:xfrm>
-            <a:off x="8177437" y="3719384"/>
+            <a:off x="8177437" y="3967581"/>
             <a:ext cx="3186934" cy="2128694"/>
           </a:xfrm>
           <a:prstGeom prst="rect">
@@ -8022,7 +8452,7 @@
             </p:nvSpPr>
             <p:spPr>
               <a:xfrm>
-                <a:off x="7466934" y="1651699"/>
+                <a:off x="7466934" y="1899896"/>
                 <a:ext cx="4335482" cy="276999"/>
               </a:xfrm>
               <a:prstGeom prst="rect">
@@ -8129,7 +8559,7 @@
             </p:nvSpPr>
             <p:spPr>
               <a:xfrm>
-                <a:off x="7466934" y="1651699"/>
+                <a:off x="7466934" y="1899896"/>
                 <a:ext cx="4335482" cy="276999"/>
               </a:xfrm>
               <a:prstGeom prst="rect">
@@ -8138,7 +8568,7 @@
               <a:blipFill>
                 <a:blip r:embed="rId4"/>
                 <a:stretch>
-                  <a:fillRect l="-1170" t="-22727" b="-45455"/>
+                  <a:fillRect l="-1170" t="-21739" b="-39130"/>
                 </a:stretch>
               </a:blipFill>
             </p:spPr>
@@ -8173,7 +8603,7 @@
             </p:nvSpPr>
             <p:spPr>
               <a:xfrm>
-                <a:off x="8374802" y="2010065"/>
+                <a:off x="8374802" y="2258262"/>
                 <a:ext cx="3408562" cy="276999"/>
               </a:xfrm>
               <a:prstGeom prst="rect">
@@ -8231,13 +8661,7 @@
                             <a:rPr lang="en-US" b="0" i="1" smtClean="0">
                               <a:latin typeface="Cambria Math" panose="02040503050406030204" pitchFamily="18" charset="0"/>
                             </a:rPr>
-                            <m:t>24963.798</m:t>
-                          </m:r>
-                          <m:r>
-                            <a:rPr lang="en-US" b="0" i="1" smtClean="0">
-                              <a:latin typeface="Cambria Math" panose="02040503050406030204" pitchFamily="18" charset="0"/>
-                            </a:rPr>
-                            <m:t>±</m:t>
+                            <m:t>24963.798±</m:t>
                           </m:r>
                           <m:r>
                             <a:rPr lang="en-US" i="1">
@@ -8278,7 +8702,7 @@
             </p:nvSpPr>
             <p:spPr>
               <a:xfrm>
-                <a:off x="8374802" y="2010065"/>
+                <a:off x="8374802" y="2258262"/>
                 <a:ext cx="3408562" cy="276999"/>
               </a:xfrm>
               <a:prstGeom prst="rect">
@@ -8287,7 +8711,7 @@
               <a:blipFill>
                 <a:blip r:embed="rId5"/>
                 <a:stretch>
-                  <a:fillRect l="-1115" t="-9091" b="-40909"/>
+                  <a:fillRect l="-1115" t="-4348" b="-34783"/>
                 </a:stretch>
               </a:blipFill>
             </p:spPr>
@@ -8322,7 +8746,7 @@
             </p:nvSpPr>
             <p:spPr>
               <a:xfrm>
-                <a:off x="8214646" y="2368431"/>
+                <a:off x="8214646" y="2616628"/>
                 <a:ext cx="3447034" cy="276999"/>
               </a:xfrm>
               <a:prstGeom prst="rect">
@@ -8421,7 +8845,7 @@
             </p:nvSpPr>
             <p:spPr>
               <a:xfrm>
-                <a:off x="8214646" y="2368431"/>
+                <a:off x="8214646" y="2616628"/>
                 <a:ext cx="3447034" cy="276999"/>
               </a:xfrm>
               <a:prstGeom prst="rect">
@@ -8430,7 +8854,7 @@
               <a:blipFill>
                 <a:blip r:embed="rId6"/>
                 <a:stretch>
-                  <a:fillRect l="-1471" t="-8696" b="-34783"/>
+                  <a:fillRect l="-1471" t="-4167" b="-33333"/>
                 </a:stretch>
               </a:blipFill>
             </p:spPr>
@@ -8465,7 +8889,7 @@
             </p:nvSpPr>
             <p:spPr>
               <a:xfrm>
-                <a:off x="8147386" y="2700263"/>
+                <a:off x="8147386" y="2948460"/>
                 <a:ext cx="3640740" cy="276999"/>
               </a:xfrm>
               <a:prstGeom prst="rect">
@@ -8535,19 +8959,7 @@
                             <a:rPr lang="en-US" b="0" i="1" smtClean="0">
                               <a:latin typeface="Cambria Math" panose="02040503050406030204" pitchFamily="18" charset="0"/>
                             </a:rPr>
-                            <m:t>34966</m:t>
-                          </m:r>
-                          <m:r>
-                            <a:rPr lang="en-US" b="0" i="1" smtClean="0">
-                              <a:latin typeface="Cambria Math" panose="02040503050406030204" pitchFamily="18" charset="0"/>
-                            </a:rPr>
-                            <m:t>.595</m:t>
-                          </m:r>
-                          <m:r>
-                            <a:rPr lang="en-US" b="0" i="1" smtClean="0">
-                              <a:latin typeface="Cambria Math" panose="02040503050406030204" pitchFamily="18" charset="0"/>
-                            </a:rPr>
-                            <m:t>±</m:t>
+                            <m:t>34966.595±</m:t>
                           </m:r>
                           <m:r>
                             <a:rPr lang="en-US" i="1">
@@ -8582,7 +8994,7 @@
             </p:nvSpPr>
             <p:spPr>
               <a:xfrm>
-                <a:off x="8147386" y="2700263"/>
+                <a:off x="8147386" y="2948460"/>
                 <a:ext cx="3640740" cy="276999"/>
               </a:xfrm>
               <a:prstGeom prst="rect">
@@ -8591,7 +9003,7 @@
               <a:blipFill>
                 <a:blip r:embed="rId7"/>
                 <a:stretch>
-                  <a:fillRect l="-1736" t="-8696" b="-34783"/>
+                  <a:fillRect l="-1736" t="-9091" b="-40909"/>
                 </a:stretch>
               </a:blipFill>
             </p:spPr>
@@ -8610,6 +9022,407 @@
           </p:sp>
         </mc:Fallback>
       </mc:AlternateContent>
+      <mc:AlternateContent xmlns:mc="http://schemas.openxmlformats.org/markup-compatibility/2006">
+        <mc:Choice xmlns:a14="http://schemas.microsoft.com/office/drawing/2010/main" Requires="a14">
+          <p:sp>
+            <p:nvSpPr>
+              <p:cNvPr id="6" name="TextBox 5">
+                <a:extLst>
+                  <a:ext uri="{FF2B5EF4-FFF2-40B4-BE49-F238E27FC236}">
+                    <a16:creationId xmlns:a16="http://schemas.microsoft.com/office/drawing/2014/main" id="{CEB3815D-8222-9124-AC5B-E8692CFAF191}"/>
+                  </a:ext>
+                </a:extLst>
+              </p:cNvPr>
+              <p:cNvSpPr txBox="1"/>
+              <p:nvPr/>
+            </p:nvSpPr>
+            <p:spPr>
+              <a:xfrm>
+                <a:off x="1478279" y="765328"/>
+                <a:ext cx="8553991" cy="844847"/>
+              </a:xfrm>
+              <a:prstGeom prst="rect">
+                <a:avLst/>
+              </a:prstGeom>
+              <a:noFill/>
+            </p:spPr>
+            <p:txBody>
+              <a:bodyPr wrap="square">
+                <a:spAutoFit/>
+              </a:bodyPr>
+              <a:lstStyle/>
+              <a:p>
+                <a:pPr marL="0" indent="0">
+                  <a:buNone/>
+                </a:pPr>
+                <a:r>
+                  <a:rPr lang="en-US" b="0" dirty="0"/>
+                  <a:t>“Corrected Data” = </a:t>
+                </a:r>
+                <a14:m>
+                  <m:oMath xmlns:m="http://schemas.openxmlformats.org/officeDocument/2006/math">
+                    <m:sSub>
+                      <m:sSubPr>
+                        <m:ctrlPr>
+                          <a:rPr lang="en-US" b="0" i="1" smtClean="0">
+                            <a:latin typeface="Cambria Math" panose="02040503050406030204" pitchFamily="18" charset="0"/>
+                          </a:rPr>
+                        </m:ctrlPr>
+                      </m:sSubPr>
+                      <m:e>
+                        <m:r>
+                          <a:rPr lang="en-US" b="0" i="1" smtClean="0">
+                            <a:latin typeface="Cambria Math" panose="02040503050406030204" pitchFamily="18" charset="0"/>
+                          </a:rPr>
+                          <m:t>𝑌</m:t>
+                        </m:r>
+                      </m:e>
+                      <m:sub>
+                        <m:r>
+                          <a:rPr lang="en-US" b="0" i="1" smtClean="0">
+                            <a:latin typeface="Cambria Math" panose="02040503050406030204" pitchFamily="18" charset="0"/>
+                          </a:rPr>
+                          <m:t>𝐿𝐻</m:t>
+                        </m:r>
+                        <m:r>
+                          <a:rPr lang="en-US" b="0" i="1" smtClean="0">
+                            <a:latin typeface="Cambria Math" panose="02040503050406030204" pitchFamily="18" charset="0"/>
+                          </a:rPr>
+                          <m:t>2</m:t>
+                        </m:r>
+                      </m:sub>
+                    </m:sSub>
+                    <m:r>
+                      <a:rPr lang="en-US" b="0" i="1" smtClean="0">
+                        <a:latin typeface="Cambria Math" panose="02040503050406030204" pitchFamily="18" charset="0"/>
+                      </a:rPr>
+                      <m:t>=[</m:t>
+                    </m:r>
+                    <m:sSub>
+                      <m:sSubPr>
+                        <m:ctrlPr>
+                          <a:rPr lang="en-US" b="0" i="1" smtClean="0">
+                            <a:latin typeface="Cambria Math" panose="02040503050406030204" pitchFamily="18" charset="0"/>
+                          </a:rPr>
+                        </m:ctrlPr>
+                      </m:sSubPr>
+                      <m:e>
+                        <m:r>
+                          <a:rPr lang="en-US" b="0" i="1" smtClean="0">
+                            <a:latin typeface="Cambria Math" panose="02040503050406030204" pitchFamily="18" charset="0"/>
+                          </a:rPr>
+                          <m:t>𝑌</m:t>
+                        </m:r>
+                      </m:e>
+                      <m:sub>
+                        <m:r>
+                          <a:rPr lang="en-US" b="0" i="1" smtClean="0">
+                            <a:latin typeface="Cambria Math" panose="02040503050406030204" pitchFamily="18" charset="0"/>
+                          </a:rPr>
+                          <m:t>𝑓𝑢𝑙𝑙</m:t>
+                        </m:r>
+                      </m:sub>
+                    </m:sSub>
+                    <m:r>
+                      <a:rPr lang="en-US" b="0" i="1" smtClean="0">
+                        <a:latin typeface="Cambria Math" panose="02040503050406030204" pitchFamily="18" charset="0"/>
+                      </a:rPr>
+                      <m:t>−</m:t>
+                    </m:r>
+                    <m:sSub>
+                      <m:sSubPr>
+                        <m:ctrlPr>
+                          <a:rPr lang="en-US" b="0" i="1" smtClean="0">
+                            <a:latin typeface="Cambria Math" panose="02040503050406030204" pitchFamily="18" charset="0"/>
+                          </a:rPr>
+                        </m:ctrlPr>
+                      </m:sSubPr>
+                      <m:e>
+                        <m:r>
+                          <a:rPr lang="en-US" b="0" i="1" smtClean="0">
+                            <a:latin typeface="Cambria Math" panose="02040503050406030204" pitchFamily="18" charset="0"/>
+                          </a:rPr>
+                          <m:t>𝑌</m:t>
+                        </m:r>
+                      </m:e>
+                      <m:sub>
+                        <m:r>
+                          <a:rPr lang="en-US" b="0" i="1" smtClean="0">
+                            <a:latin typeface="Cambria Math" panose="02040503050406030204" pitchFamily="18" charset="0"/>
+                          </a:rPr>
+                          <m:t>𝑓𝑢𝑙𝑙</m:t>
+                        </m:r>
+                        <m:r>
+                          <a:rPr lang="en-US" b="0" i="1" smtClean="0">
+                            <a:latin typeface="Cambria Math" panose="02040503050406030204" pitchFamily="18" charset="0"/>
+                          </a:rPr>
+                          <m:t>,   </m:t>
+                        </m:r>
+                        <m:r>
+                          <a:rPr lang="en-US" b="0" i="1" smtClean="0">
+                            <a:latin typeface="Cambria Math" panose="02040503050406030204" pitchFamily="18" charset="0"/>
+                          </a:rPr>
+                          <m:t>𝑚𝑖𝑥𝑒𝑑</m:t>
+                        </m:r>
+                      </m:sub>
+                    </m:sSub>
+                    <m:r>
+                      <a:rPr lang="en-US" b="0" i="1" smtClean="0">
+                        <a:latin typeface="Cambria Math" panose="02040503050406030204" pitchFamily="18" charset="0"/>
+                      </a:rPr>
+                      <m:t>]−</m:t>
+                    </m:r>
+                    <m:f>
+                      <m:fPr>
+                        <m:ctrlPr>
+                          <a:rPr lang="en-US" b="0" i="1" smtClean="0">
+                            <a:latin typeface="Cambria Math" panose="02040503050406030204" pitchFamily="18" charset="0"/>
+                          </a:rPr>
+                        </m:ctrlPr>
+                      </m:fPr>
+                      <m:num>
+                        <m:r>
+                          <a:rPr lang="en-US" b="0" i="1" smtClean="0">
+                            <a:latin typeface="Cambria Math" panose="02040503050406030204" pitchFamily="18" charset="0"/>
+                          </a:rPr>
+                          <m:t>𝑃𝑂</m:t>
+                        </m:r>
+                        <m:sSub>
+                          <m:sSubPr>
+                            <m:ctrlPr>
+                              <a:rPr lang="en-US" b="0" i="1" smtClean="0">
+                                <a:latin typeface="Cambria Math" panose="02040503050406030204" pitchFamily="18" charset="0"/>
+                              </a:rPr>
+                            </m:ctrlPr>
+                          </m:sSubPr>
+                          <m:e>
+                            <m:r>
+                              <a:rPr lang="en-US" b="0" i="1" smtClean="0">
+                                <a:latin typeface="Cambria Math" panose="02040503050406030204" pitchFamily="18" charset="0"/>
+                              </a:rPr>
+                              <m:t>𝑇</m:t>
+                            </m:r>
+                          </m:e>
+                          <m:sub>
+                            <m:r>
+                              <a:rPr lang="en-US" b="0" i="1" smtClean="0">
+                                <a:latin typeface="Cambria Math" panose="02040503050406030204" pitchFamily="18" charset="0"/>
+                              </a:rPr>
+                              <m:t>𝑓𝑢𝑙𝑙</m:t>
+                            </m:r>
+                          </m:sub>
+                        </m:sSub>
+                      </m:num>
+                      <m:den>
+                        <m:r>
+                          <a:rPr lang="en-US" b="0" i="1" smtClean="0">
+                            <a:latin typeface="Cambria Math" panose="02040503050406030204" pitchFamily="18" charset="0"/>
+                          </a:rPr>
+                          <m:t>𝑃𝑂</m:t>
+                        </m:r>
+                        <m:sSub>
+                          <m:sSubPr>
+                            <m:ctrlPr>
+                              <a:rPr lang="en-US" b="0" i="1" smtClean="0">
+                                <a:latin typeface="Cambria Math" panose="02040503050406030204" pitchFamily="18" charset="0"/>
+                              </a:rPr>
+                            </m:ctrlPr>
+                          </m:sSubPr>
+                          <m:e>
+                            <m:r>
+                              <a:rPr lang="en-US" b="0" i="1" smtClean="0">
+                                <a:latin typeface="Cambria Math" panose="02040503050406030204" pitchFamily="18" charset="0"/>
+                              </a:rPr>
+                              <m:t>𝑇</m:t>
+                            </m:r>
+                          </m:e>
+                          <m:sub>
+                            <m:r>
+                              <a:rPr lang="en-US" b="0" i="1" smtClean="0">
+                                <a:latin typeface="Cambria Math" panose="02040503050406030204" pitchFamily="18" charset="0"/>
+                              </a:rPr>
+                              <m:t>𝑒𝑚𝑝𝑡𝑦</m:t>
+                            </m:r>
+                          </m:sub>
+                        </m:sSub>
+                      </m:den>
+                    </m:f>
+                    <m:r>
+                      <a:rPr lang="en-US" b="0" i="1" smtClean="0">
+                        <a:latin typeface="Cambria Math" panose="02040503050406030204" pitchFamily="18" charset="0"/>
+                      </a:rPr>
+                      <m:t> [</m:t>
+                    </m:r>
+                    <m:sSub>
+                      <m:sSubPr>
+                        <m:ctrlPr>
+                          <a:rPr lang="en-US" b="0" i="1" smtClean="0">
+                            <a:latin typeface="Cambria Math" panose="02040503050406030204" pitchFamily="18" charset="0"/>
+                          </a:rPr>
+                        </m:ctrlPr>
+                      </m:sSubPr>
+                      <m:e>
+                        <m:r>
+                          <a:rPr lang="en-US" b="0" i="1" smtClean="0">
+                            <a:latin typeface="Cambria Math" panose="02040503050406030204" pitchFamily="18" charset="0"/>
+                          </a:rPr>
+                          <m:t>𝑌</m:t>
+                        </m:r>
+                      </m:e>
+                      <m:sub>
+                        <m:r>
+                          <a:rPr lang="en-US" b="0" i="1" smtClean="0">
+                            <a:latin typeface="Cambria Math" panose="02040503050406030204" pitchFamily="18" charset="0"/>
+                          </a:rPr>
+                          <m:t>𝑒𝑚𝑝𝑡𝑦</m:t>
+                        </m:r>
+                      </m:sub>
+                    </m:sSub>
+                    <m:r>
+                      <a:rPr lang="en-US" b="0" i="1" smtClean="0">
+                        <a:latin typeface="Cambria Math" panose="02040503050406030204" pitchFamily="18" charset="0"/>
+                      </a:rPr>
+                      <m:t>−</m:t>
+                    </m:r>
+                    <m:sSub>
+                      <m:sSubPr>
+                        <m:ctrlPr>
+                          <a:rPr lang="en-US" b="0" i="1" smtClean="0">
+                            <a:latin typeface="Cambria Math" panose="02040503050406030204" pitchFamily="18" charset="0"/>
+                          </a:rPr>
+                        </m:ctrlPr>
+                      </m:sSubPr>
+                      <m:e>
+                        <m:r>
+                          <a:rPr lang="en-US" b="0" i="1" smtClean="0">
+                            <a:latin typeface="Cambria Math" panose="02040503050406030204" pitchFamily="18" charset="0"/>
+                          </a:rPr>
+                          <m:t>𝑌</m:t>
+                        </m:r>
+                      </m:e>
+                      <m:sub>
+                        <m:r>
+                          <a:rPr lang="en-US" b="0" i="1" smtClean="0">
+                            <a:latin typeface="Cambria Math" panose="02040503050406030204" pitchFamily="18" charset="0"/>
+                          </a:rPr>
+                          <m:t>𝑒𝑚𝑝𝑡𝑦</m:t>
+                        </m:r>
+                        <m:r>
+                          <a:rPr lang="en-US" b="0" i="1" smtClean="0">
+                            <a:latin typeface="Cambria Math" panose="02040503050406030204" pitchFamily="18" charset="0"/>
+                          </a:rPr>
+                          <m:t>,  </m:t>
+                        </m:r>
+                        <m:r>
+                          <a:rPr lang="en-US" b="0" i="1" smtClean="0">
+                            <a:latin typeface="Cambria Math" panose="02040503050406030204" pitchFamily="18" charset="0"/>
+                          </a:rPr>
+                          <m:t>𝑚𝑖𝑥𝑒𝑑</m:t>
+                        </m:r>
+                      </m:sub>
+                    </m:sSub>
+                    <m:r>
+                      <a:rPr lang="en-US" b="0" i="1" smtClean="0">
+                        <a:latin typeface="Cambria Math" panose="02040503050406030204" pitchFamily="18" charset="0"/>
+                      </a:rPr>
+                      <m:t>]</m:t>
+                    </m:r>
+                  </m:oMath>
+                </a14:m>
+                <a:endParaRPr lang="en-US" dirty="0"/>
+              </a:p>
+              <a:p>
+                <a:pPr marL="0" indent="0">
+                  <a:buNone/>
+                </a:pPr>
+                <a:r>
+                  <a:rPr lang="en-US" dirty="0"/>
+                  <a:t>The fit was limited to M&gt;3 GeV to obtain a better fit in the DY region 4.2&lt;M&lt;8.8 GeV.</a:t>
+                </a:r>
+              </a:p>
+            </p:txBody>
+          </p:sp>
+        </mc:Choice>
+        <mc:Fallback>
+          <p:sp>
+            <p:nvSpPr>
+              <p:cNvPr id="6" name="TextBox 5">
+                <a:extLst>
+                  <a:ext uri="{FF2B5EF4-FFF2-40B4-BE49-F238E27FC236}">
+                    <a16:creationId xmlns:a16="http://schemas.microsoft.com/office/drawing/2014/main" id="{CEB3815D-8222-9124-AC5B-E8692CFAF191}"/>
+                  </a:ext>
+                </a:extLst>
+              </p:cNvPr>
+              <p:cNvSpPr txBox="1">
+                <a:spLocks noRot="1" noChangeAspect="1" noMove="1" noResize="1" noEditPoints="1" noAdjustHandles="1" noChangeArrowheads="1" noChangeShapeType="1" noTextEdit="1"/>
+              </p:cNvSpPr>
+              <p:nvPr/>
+            </p:nvSpPr>
+            <p:spPr>
+              <a:xfrm>
+                <a:off x="1478279" y="765328"/>
+                <a:ext cx="8553991" cy="844847"/>
+              </a:xfrm>
+              <a:prstGeom prst="rect">
+                <a:avLst/>
+              </a:prstGeom>
+              <a:blipFill>
+                <a:blip r:embed="rId8"/>
+                <a:stretch>
+                  <a:fillRect l="-593" b="-10448"/>
+                </a:stretch>
+              </a:blipFill>
+            </p:spPr>
+            <p:txBody>
+              <a:bodyPr/>
+              <a:lstStyle/>
+              <a:p>
+                <a:r>
+                  <a:rPr lang="en-US">
+                    <a:noFill/>
+                  </a:rPr>
+                  <a:t> </a:t>
+                </a:r>
+              </a:p>
+            </p:txBody>
+          </p:sp>
+        </mc:Fallback>
+      </mc:AlternateContent>
+      <p:sp>
+        <p:nvSpPr>
+          <p:cNvPr id="7" name="TextBox 6">
+            <a:extLst>
+              <a:ext uri="{FF2B5EF4-FFF2-40B4-BE49-F238E27FC236}">
+                <a16:creationId xmlns:a16="http://schemas.microsoft.com/office/drawing/2014/main" id="{6F57C0EF-4C4F-78F5-3C1C-BC37FE1F1C8C}"/>
+              </a:ext>
+            </a:extLst>
+          </p:cNvPr>
+          <p:cNvSpPr txBox="1"/>
+          <p:nvPr/>
+        </p:nvSpPr>
+        <p:spPr>
+          <a:xfrm>
+            <a:off x="8453175" y="3598249"/>
+            <a:ext cx="2683812" cy="369332"/>
+          </a:xfrm>
+          <a:prstGeom prst="rect">
+            <a:avLst/>
+          </a:prstGeom>
+          <a:noFill/>
+        </p:spPr>
+        <p:txBody>
+          <a:bodyPr wrap="none" rtlCol="0">
+            <a:spAutoFit/>
+          </a:bodyPr>
+          <a:lstStyle/>
+          <a:p>
+            <a:r>
+              <a:rPr lang="en-US" dirty="0"/>
+              <a:t>DY region 4.2&lt;M&lt;8.8 GeV</a:t>
+            </a:r>
+          </a:p>
+        </p:txBody>
+      </p:sp>
     </p:spTree>
     <p:extLst>
       <p:ext uri="{BB962C8B-B14F-4D97-AF65-F5344CB8AC3E}">
@@ -8676,8 +9489,8 @@
           </a:prstGeom>
         </p:spPr>
       </p:pic>
-      <mc:AlternateContent xmlns:mc="http://schemas.openxmlformats.org/markup-compatibility/2006">
-        <mc:Choice xmlns:a14="http://schemas.microsoft.com/office/drawing/2010/main" Requires="a14">
+      <mc:AlternateContent xmlns:mc="http://schemas.openxmlformats.org/markup-compatibility/2006" xmlns:a14="http://schemas.microsoft.com/office/drawing/2010/main">
+        <mc:Choice Requires="a14">
           <p:sp>
             <p:nvSpPr>
               <p:cNvPr id="17" name="Title 1">
@@ -8744,6 +9557,7 @@
                             <a:solidFill>
                               <a:schemeClr val="tx1"/>
                             </a:solidFill>
+                            <a:latin typeface="Cambria Math" panose="02040503050406030204" pitchFamily="18" charset="0"/>
                             <a:cs typeface="Arial" panose="020B0604020202020204" pitchFamily="34" charset="0"/>
                           </a:rPr>
                         </m:ctrlPr>
@@ -8754,6 +9568,7 @@
                             <a:solidFill>
                               <a:schemeClr val="tx1"/>
                             </a:solidFill>
+                            <a:latin typeface="Cambria Math" panose="02040503050406030204" pitchFamily="18" charset="0"/>
                             <a:cs typeface="Arial" panose="020B0604020202020204" pitchFamily="34" charset="0"/>
                           </a:rPr>
                           <m:t>𝜓</m:t>
@@ -8765,6 +9580,7 @@
                             <a:solidFill>
                               <a:schemeClr val="tx1"/>
                             </a:solidFill>
+                            <a:latin typeface="Cambria Math" panose="02040503050406030204" pitchFamily="18" charset="0"/>
                             <a:cs typeface="Arial" panose="020B0604020202020204" pitchFamily="34" charset="0"/>
                           </a:rPr>
                           <m:t>′</m:t>
@@ -8786,7 +9602,7 @@
             </p:txBody>
           </p:sp>
         </mc:Choice>
-        <mc:Fallback>
+        <mc:Fallback xmlns="">
           <p:sp>
             <p:nvSpPr>
               <p:cNvPr id="17" name="Title 1">
@@ -8914,7 +9730,7 @@
         </p:blipFill>
         <p:spPr>
           <a:xfrm>
-            <a:off x="7562720" y="4898310"/>
+            <a:off x="6327882" y="4898310"/>
             <a:ext cx="3256572" cy="1725308"/>
           </a:xfrm>
           <a:prstGeom prst="rect">
@@ -8937,7 +9753,7 @@
         <p:spPr>
           <a:xfrm>
             <a:off x="765651" y="4506441"/>
-            <a:ext cx="3783665" cy="369332"/>
+            <a:ext cx="3830921" cy="369332"/>
           </a:xfrm>
           <a:prstGeom prst="rect">
             <a:avLst/>
@@ -8958,7 +9774,10 @@
               <a:rPr lang="en-US" dirty="0" err="1"/>
               <a:t>TFractionFitter</a:t>
             </a:r>
-            <a:endParaRPr lang="en-US" dirty="0"/>
+            <a:r>
+              <a:rPr lang="en-US" dirty="0"/>
+              <a:t>.</a:t>
+            </a:r>
           </a:p>
         </p:txBody>
       </p:sp>
@@ -8977,7 +9796,7 @@
         <p:spPr>
           <a:xfrm>
             <a:off x="6252102" y="4569195"/>
-            <a:ext cx="5489195" cy="369332"/>
+            <a:ext cx="5268622" cy="369332"/>
           </a:xfrm>
           <a:prstGeom prst="rect">
             <a:avLst/>
@@ -9000,7 +9819,15 @@
             </a:r>
             <a:r>
               <a:rPr lang="en-US" dirty="0"/>
-              <a:t> using different technique</a:t>
+              <a:t> using </a:t>
+            </a:r>
+            <a:r>
+              <a:rPr lang="en-US" dirty="0" err="1"/>
+              <a:t>SciPY</a:t>
+            </a:r>
+            <a:r>
+              <a:rPr lang="en-US" dirty="0"/>
+              <a:t> technique.</a:t>
             </a:r>
           </a:p>
         </p:txBody>
@@ -9070,6 +9897,49 @@
               <a:t>8</a:t>
             </a:fld>
             <a:endParaRPr lang="en-US" dirty="0"/>
+          </a:p>
+        </p:txBody>
+      </p:sp>
+      <p:sp>
+        <p:nvSpPr>
+          <p:cNvPr id="4" name="TextBox 3">
+            <a:extLst>
+              <a:ext uri="{FF2B5EF4-FFF2-40B4-BE49-F238E27FC236}">
+                <a16:creationId xmlns:a16="http://schemas.microsoft.com/office/drawing/2014/main" id="{60C075EB-0A2D-CD62-893D-51F901CF9B87}"/>
+              </a:ext>
+            </a:extLst>
+          </p:cNvPr>
+          <p:cNvSpPr txBox="1"/>
+          <p:nvPr/>
+        </p:nvSpPr>
+        <p:spPr>
+          <a:xfrm>
+            <a:off x="9584453" y="5082220"/>
+            <a:ext cx="2497763" cy="1200329"/>
+          </a:xfrm>
+          <a:prstGeom prst="rect">
+            <a:avLst/>
+          </a:prstGeom>
+          <a:noFill/>
+        </p:spPr>
+        <p:txBody>
+          <a:bodyPr wrap="square" rtlCol="0">
+            <a:spAutoFit/>
+          </a:bodyPr>
+          <a:lstStyle/>
+          <a:p>
+            <a:r>
+              <a:rPr lang="en-US" dirty="0"/>
+              <a:t>Results are very similar; </a:t>
+            </a:r>
+            <a:r>
+              <a:rPr lang="en-US" dirty="0" err="1"/>
+              <a:t>SciPY</a:t>
+            </a:r>
+            <a:r>
+              <a:rPr lang="en-US" dirty="0"/>
+              <a:t> routine does not adjust the templates as TFF does.</a:t>
+            </a:r>
           </a:p>
         </p:txBody>
       </p:sp>
@@ -9323,8 +10193,8 @@
         </p:blipFill>
         <p:spPr>
           <a:xfrm>
-            <a:off x="6938530" y="5023644"/>
-            <a:ext cx="2971800" cy="1578049"/>
+            <a:off x="5902682" y="4937416"/>
+            <a:ext cx="3134186" cy="1664277"/>
           </a:xfrm>
           <a:prstGeom prst="rect">
             <a:avLst/>
@@ -9353,7 +10223,7 @@
         </p:blipFill>
         <p:spPr>
           <a:xfrm>
-            <a:off x="967196" y="4980531"/>
+            <a:off x="2435785" y="4937416"/>
             <a:ext cx="3082290" cy="1664277"/>
           </a:xfrm>
           <a:prstGeom prst="rect">
@@ -9375,8 +10245,8 @@
         </p:nvSpPr>
         <p:spPr>
           <a:xfrm>
-            <a:off x="0" y="4693420"/>
-            <a:ext cx="6254276" cy="276999"/>
+            <a:off x="0" y="4869899"/>
+            <a:ext cx="2435784" cy="646331"/>
           </a:xfrm>
           <a:prstGeom prst="rect">
             <a:avLst/>
@@ -9384,18 +10254,26 @@
           <a:noFill/>
         </p:spPr>
         <p:txBody>
-          <a:bodyPr wrap="none" rtlCol="0">
+          <a:bodyPr wrap="square" rtlCol="0">
             <a:spAutoFit/>
           </a:bodyPr>
           <a:lstStyle/>
           <a:p>
             <a:r>
               <a:rPr lang="en-US" sz="1200" dirty="0" err="1"/>
-              <a:t>MassFit</a:t>
+              <a:t>SciPY</a:t>
             </a:r>
             <a:r>
               <a:rPr lang="en-US" sz="1200" dirty="0"/>
-              <a:t> by integrating NMSU mixed events without subtracting combinatorics in empty flask</a:t>
+              <a:t> mass-fit using NMSU mixed events </a:t>
+            </a:r>
+            <a:r>
+              <a:rPr lang="en-US" sz="1200" b="1" dirty="0"/>
+              <a:t>without</a:t>
+            </a:r>
+            <a:r>
+              <a:rPr lang="en-US" sz="1200" dirty="0"/>
+              <a:t> subtracting combinatorics in empty flask.</a:t>
             </a:r>
           </a:p>
         </p:txBody>
@@ -9414,8 +10292,8 @@
         </p:nvSpPr>
         <p:spPr>
           <a:xfrm>
-            <a:off x="6251238" y="4781886"/>
-            <a:ext cx="5948103" cy="276999"/>
+            <a:off x="9036869" y="4781886"/>
+            <a:ext cx="2743200" cy="1569660"/>
           </a:xfrm>
           <a:prstGeom prst="rect">
             <a:avLst/>
@@ -9423,18 +10301,35 @@
           <a:noFill/>
         </p:spPr>
         <p:txBody>
-          <a:bodyPr wrap="none" rtlCol="0">
+          <a:bodyPr wrap="square" rtlCol="0">
             <a:spAutoFit/>
           </a:bodyPr>
           <a:lstStyle/>
           <a:p>
             <a:r>
               <a:rPr lang="en-US" sz="1200" dirty="0" err="1"/>
-              <a:t>MassFit</a:t>
+              <a:t>SciPY</a:t>
             </a:r>
             <a:r>
               <a:rPr lang="en-US" sz="1200" dirty="0"/>
-              <a:t> by integrating NMSU mixed events by subtracting combinatorics in empty flask</a:t>
+              <a:t> mass-fit using NMSU mixed events </a:t>
+            </a:r>
+            <a:r>
+              <a:rPr lang="en-US" sz="1200" b="1" dirty="0"/>
+              <a:t>including</a:t>
+            </a:r>
+            <a:r>
+              <a:rPr lang="en-US" sz="1200" dirty="0"/>
+              <a:t> subtracting combinatorics in empty flask.</a:t>
+            </a:r>
+          </a:p>
+          <a:p>
+            <a:endParaRPr lang="en-US" sz="1200" dirty="0"/>
+          </a:p>
+          <a:p>
+            <a:r>
+              <a:rPr lang="en-US" sz="1200" dirty="0"/>
+              <a:t>The result for J/psi, psi’ and DY is identical because the LH2 mixed and flask mixed distributions have the same shape (next page).</a:t>
             </a:r>
           </a:p>
         </p:txBody>
